--- a/РПЗ/Презентация.pptx
+++ b/РПЗ/Презентация.pptx
@@ -5,15 +5,17 @@
     <p:sldMasterId id="2147483744" r:id="rId1"/>
   </p:sldMasterIdLst>
   <p:notesMasterIdLst>
-    <p:notesMasterId r:id="rId8"/>
+    <p:notesMasterId r:id="rId10"/>
   </p:notesMasterIdLst>
   <p:sldIdLst>
     <p:sldId id="256" r:id="rId2"/>
     <p:sldId id="266" r:id="rId3"/>
     <p:sldId id="267" r:id="rId4"/>
     <p:sldId id="259" r:id="rId5"/>
-    <p:sldId id="257" r:id="rId6"/>
-    <p:sldId id="265" r:id="rId7"/>
+    <p:sldId id="270" r:id="rId6"/>
+    <p:sldId id="268" r:id="rId7"/>
+    <p:sldId id="269" r:id="rId8"/>
+    <p:sldId id="265" r:id="rId9"/>
   </p:sldIdLst>
   <p:sldSz cx="9144000" cy="6858000" type="screen4x3"/>
   <p:notesSz cx="6858000" cy="9144000"/>
@@ -197,7 +199,7 @@
           <a:p>
             <a:fld id="{C730F506-EF63-4341-AF7B-F6DB2EA94D2D}" type="datetimeFigureOut">
               <a:rPr lang="ru-RU" smtClean="0"/>
-              <a:t>25.03.2015</a:t>
+              <a:t>19.05.2015</a:t>
             </a:fld>
             <a:endParaRPr lang="ru-RU"/>
           </a:p>
@@ -646,7 +648,7 @@
           <a:p>
             <a:fld id="{4E25848D-CB8C-4FE8-A10A-D947B21F1304}" type="datetime1">
               <a:rPr lang="ru-RU" smtClean="0"/>
-              <a:t>25.03.2015</a:t>
+              <a:t>19.05.2015</a:t>
             </a:fld>
             <a:endParaRPr lang="ru-RU"/>
           </a:p>
@@ -816,7 +818,7 @@
           <a:p>
             <a:fld id="{5E475643-127F-4557-9492-20E6AB57BAF5}" type="datetime1">
               <a:rPr lang="ru-RU" smtClean="0"/>
-              <a:t>25.03.2015</a:t>
+              <a:t>19.05.2015</a:t>
             </a:fld>
             <a:endParaRPr lang="ru-RU"/>
           </a:p>
@@ -996,7 +998,7 @@
           <a:p>
             <a:fld id="{F0321801-3379-4C6F-AEF1-F0CEEA4618BD}" type="datetime1">
               <a:rPr lang="ru-RU" smtClean="0"/>
-              <a:t>25.03.2015</a:t>
+              <a:t>19.05.2015</a:t>
             </a:fld>
             <a:endParaRPr lang="ru-RU"/>
           </a:p>
@@ -1166,7 +1168,7 @@
           <a:p>
             <a:fld id="{AEE6A114-20B6-4466-BD8E-EA0F33E87D9D}" type="datetime1">
               <a:rPr lang="ru-RU" smtClean="0"/>
-              <a:t>25.03.2015</a:t>
+              <a:t>19.05.2015</a:t>
             </a:fld>
             <a:endParaRPr lang="ru-RU"/>
           </a:p>
@@ -1412,7 +1414,7 @@
           <a:p>
             <a:fld id="{45EC15D3-8E54-4002-AA50-19E6FA2B2DB8}" type="datetime1">
               <a:rPr lang="ru-RU" smtClean="0"/>
-              <a:t>25.03.2015</a:t>
+              <a:t>19.05.2015</a:t>
             </a:fld>
             <a:endParaRPr lang="ru-RU"/>
           </a:p>
@@ -1700,7 +1702,7 @@
           <a:p>
             <a:fld id="{97BF2791-FC52-465E-975E-61B6523C0B9E}" type="datetime1">
               <a:rPr lang="ru-RU" smtClean="0"/>
-              <a:t>25.03.2015</a:t>
+              <a:t>19.05.2015</a:t>
             </a:fld>
             <a:endParaRPr lang="ru-RU"/>
           </a:p>
@@ -2122,7 +2124,7 @@
           <a:p>
             <a:fld id="{DA7728D6-C8AD-432D-9C2F-616A89722BC0}" type="datetime1">
               <a:rPr lang="ru-RU" smtClean="0"/>
-              <a:t>25.03.2015</a:t>
+              <a:t>19.05.2015</a:t>
             </a:fld>
             <a:endParaRPr lang="ru-RU"/>
           </a:p>
@@ -2240,7 +2242,7 @@
           <a:p>
             <a:fld id="{A1B9300E-CD00-40EC-B082-FA4253D1643D}" type="datetime1">
               <a:rPr lang="ru-RU" smtClean="0"/>
-              <a:t>25.03.2015</a:t>
+              <a:t>19.05.2015</a:t>
             </a:fld>
             <a:endParaRPr lang="ru-RU"/>
           </a:p>
@@ -2335,7 +2337,7 @@
           <a:p>
             <a:fld id="{9AE6DE28-9DDF-4513-AF17-CF750CE20313}" type="datetime1">
               <a:rPr lang="ru-RU" smtClean="0"/>
-              <a:t>25.03.2015</a:t>
+              <a:t>19.05.2015</a:t>
             </a:fld>
             <a:endParaRPr lang="ru-RU"/>
           </a:p>
@@ -2612,7 +2614,7 @@
           <a:p>
             <a:fld id="{904DEBEB-9F1A-4B4D-A93B-9F07D00B81CE}" type="datetime1">
               <a:rPr lang="ru-RU" smtClean="0"/>
-              <a:t>25.03.2015</a:t>
+              <a:t>19.05.2015</a:t>
             </a:fld>
             <a:endParaRPr lang="ru-RU"/>
           </a:p>
@@ -2865,7 +2867,7 @@
           <a:p>
             <a:fld id="{5FA49091-EF67-49C9-A9B0-5183862871E9}" type="datetime1">
               <a:rPr lang="ru-RU" smtClean="0"/>
-              <a:t>25.03.2015</a:t>
+              <a:t>19.05.2015</a:t>
             </a:fld>
             <a:endParaRPr lang="ru-RU"/>
           </a:p>
@@ -3078,7 +3080,7 @@
           <a:p>
             <a:fld id="{13F5BCA4-39B8-47F0-88D6-DB717347CF39}" type="datetime1">
               <a:rPr lang="ru-RU" smtClean="0"/>
-              <a:t>25.03.2015</a:t>
+              <a:t>19.05.2015</a:t>
             </a:fld>
             <a:endParaRPr lang="ru-RU"/>
           </a:p>
@@ -3519,8 +3521,8 @@
         </p:nvSpPr>
         <p:spPr>
           <a:xfrm>
-            <a:off x="3010343" y="5013176"/>
-            <a:ext cx="5954643" cy="646331"/>
+            <a:off x="2369654" y="5013176"/>
+            <a:ext cx="6595332" cy="646331"/>
           </a:xfrm>
           <a:prstGeom prst="rect">
             <a:avLst/>
@@ -3533,35 +3535,30 @@
           </a:bodyPr>
           <a:lstStyle/>
           <a:p>
+            <a:pPr algn="r"/>
             <a:r>
               <a:rPr lang="ru-RU" dirty="0" smtClean="0"/>
-              <a:t>     </a:t>
+              <a:t>       Выполнил: Пахомов Александр Александрович, </a:t>
             </a:r>
             <a:r>
               <a:rPr lang="ru-RU" dirty="0" smtClean="0"/>
-              <a:t>  Выполнил</a:t>
-            </a:r>
+              <a:t>ИУ7-81</a:t>
+            </a:r>
+            <a:endParaRPr lang="ru-RU" dirty="0" smtClean="0"/>
+          </a:p>
+          <a:p>
+            <a:pPr algn="r"/>
             <a:r>
               <a:rPr lang="ru-RU" dirty="0" smtClean="0"/>
-              <a:t>: Пахомов Александр Александрович, ИУ7-81</a:t>
-            </a:r>
-          </a:p>
-          <a:p>
+              <a:t>	Руководитель</a:t>
+            </a:r>
             <a:r>
               <a:rPr lang="ru-RU" dirty="0" smtClean="0"/>
-              <a:t>Руководитель: </a:t>
+              <a:t>: Волкова Лилия </a:t>
             </a:r>
             <a:r>
               <a:rPr lang="ru-RU" dirty="0" smtClean="0"/>
-              <a:t>Волкова </a:t>
-            </a:r>
-            <a:r>
-              <a:rPr lang="ru-RU" dirty="0" smtClean="0"/>
-              <a:t>Лилия </a:t>
-            </a:r>
-            <a:r>
-              <a:rPr lang="ru-RU" dirty="0" smtClean="0"/>
-              <a:t>Леонидовна </a:t>
+              <a:t>Леонидовна	                 </a:t>
             </a:r>
             <a:endParaRPr lang="ru-RU" dirty="0"/>
           </a:p>
@@ -4289,8 +4286,13 @@
             <a:pPr lvl="1"/>
             <a:r>
               <a:rPr lang="ru-RU" dirty="0" smtClean="0"/>
-              <a:t>расчёт модели;</a:t>
-            </a:r>
+              <a:t>расчёт </a:t>
+            </a:r>
+            <a:r>
+              <a:rPr lang="ru-RU" dirty="0" smtClean="0"/>
+              <a:t>модели прогнозирования;</a:t>
+            </a:r>
+            <a:endParaRPr lang="ru-RU" dirty="0" smtClean="0"/>
           </a:p>
           <a:p>
             <a:pPr lvl="1"/>
@@ -4552,8 +4554,8 @@
         </p:blipFill>
         <p:spPr bwMode="auto">
           <a:xfrm>
-            <a:off x="3563888" y="2924944"/>
-            <a:ext cx="5003686" cy="3156972"/>
+            <a:off x="4644008" y="3501008"/>
+            <a:ext cx="4158027" cy="2623421"/>
           </a:xfrm>
           <a:prstGeom prst="rect">
             <a:avLst/>
@@ -4617,81 +4619,119 @@
           </a:p>
         </p:txBody>
       </p:sp>
-      <p:pic>
-        <p:nvPicPr>
-          <p:cNvPr id="9" name="Рисунок 8"/>
-          <p:cNvPicPr/>
+      <p:sp>
+        <p:nvSpPr>
+          <p:cNvPr id="4" name="TextBox 3"/>
+          <p:cNvSpPr txBox="1"/>
           <p:nvPr/>
-        </p:nvPicPr>
-        <p:blipFill>
-          <a:blip r:embed="rId4">
-            <a:extLst>
-              <a:ext uri="{BEBA8EAE-BF5A-486C-A8C5-ECC9F3942E4B}">
-                <a14:imgProps xmlns:a14="http://schemas.microsoft.com/office/drawing/2010/main">
-                  <a14:imgLayer r:embed="rId5">
-                    <a14:imgEffect>
-                      <a14:saturation sat="0"/>
-                    </a14:imgEffect>
-                  </a14:imgLayer>
-                </a14:imgProps>
-              </a:ext>
-              <a:ext uri="{28A0092B-C50C-407E-A947-70E740481C1C}">
-                <a14:useLocalDpi xmlns:a14="http://schemas.microsoft.com/office/drawing/2010/main" val="0"/>
-              </a:ext>
-            </a:extLst>
-          </a:blip>
-          <a:srcRect/>
-          <a:stretch>
-            <a:fillRect/>
-          </a:stretch>
-        </p:blipFill>
-        <p:spPr bwMode="auto">
+        </p:nvSpPr>
+        <p:spPr>
           <a:xfrm>
-            <a:off x="179512" y="3951185"/>
-            <a:ext cx="4104456" cy="2130731"/>
+            <a:off x="395536" y="2636912"/>
+            <a:ext cx="7824258" cy="646331"/>
           </a:xfrm>
           <a:prstGeom prst="rect">
             <a:avLst/>
           </a:prstGeom>
           <a:noFill/>
-          <a:ln>
-            <a:noFill/>
-          </a:ln>
         </p:spPr>
-      </p:pic>
-      <p:sp>
-        <p:nvSpPr>
-          <p:cNvPr id="10" name="Прямоугольник 9"/>
-          <p:cNvSpPr/>
+        <p:txBody>
+          <a:bodyPr wrap="none" rtlCol="0">
+            <a:spAutoFit/>
+          </a:bodyPr>
+          <a:lstStyle/>
+          <a:p>
+            <a:r>
+              <a:rPr lang="ru-RU" dirty="0" smtClean="0"/>
+              <a:t>Плюсы: </a:t>
+            </a:r>
+          </a:p>
+          <a:p>
+            <a:pPr marL="285750" indent="-285750">
+              <a:buFont typeface="Arial" panose="020B0604020202020204" pitchFamily="34" charset="0"/>
+              <a:buChar char="•"/>
+            </a:pPr>
+            <a:r>
+              <a:rPr lang="ru-RU" dirty="0" smtClean="0"/>
+              <a:t>детальный расчёт химической обстановки с учётом </a:t>
+            </a:r>
+            <a:r>
+              <a:rPr lang="ru-RU" dirty="0" err="1" smtClean="0"/>
+              <a:t>внешнихй</a:t>
+            </a:r>
+            <a:r>
+              <a:rPr lang="ru-RU" dirty="0" smtClean="0"/>
+              <a:t> параметров</a:t>
+            </a:r>
+            <a:endParaRPr lang="ru-RU" dirty="0"/>
+          </a:p>
+        </p:txBody>
+      </p:sp>
+      <p:sp>
+        <p:nvSpPr>
+          <p:cNvPr id="8" name="TextBox 7"/>
+          <p:cNvSpPr txBox="1"/>
           <p:nvPr/>
         </p:nvSpPr>
         <p:spPr>
           <a:xfrm>
-            <a:off x="539551" y="3177842"/>
-            <a:ext cx="2853639" cy="646331"/>
+            <a:off x="539552" y="3501008"/>
+            <a:ext cx="3869995" cy="2862322"/>
           </a:xfrm>
           <a:prstGeom prst="rect">
             <a:avLst/>
           </a:prstGeom>
+          <a:noFill/>
         </p:spPr>
         <p:txBody>
-          <a:bodyPr wrap="square">
+          <a:bodyPr wrap="square" rtlCol="0">
             <a:spAutoFit/>
           </a:bodyPr>
           <a:lstStyle/>
           <a:p>
-            <a:pPr algn="ctr"/>
             <a:r>
               <a:rPr lang="ru-RU" dirty="0" smtClean="0"/>
-              <a:t>Модель </a:t>
-            </a:r>
-            <a:r>
-              <a:rPr lang="ru-RU" dirty="0"/>
-              <a:t>использует </a:t>
-            </a:r>
+              <a:t>Минусы:</a:t>
+            </a:r>
+          </a:p>
+          <a:p>
+            <a:pPr marL="285750" indent="-285750">
+              <a:buFont typeface="Arial" panose="020B0604020202020204" pitchFamily="34" charset="0"/>
+              <a:buChar char="•"/>
+            </a:pPr>
             <a:r>
               <a:rPr lang="ru-RU" dirty="0" smtClean="0"/>
-              <a:t>справочники</a:t>
+              <a:t>ручной ввод оператором всех параметров;</a:t>
+            </a:r>
+          </a:p>
+          <a:p>
+            <a:pPr marL="285750" indent="-285750">
+              <a:buFont typeface="Arial" panose="020B0604020202020204" pitchFamily="34" charset="0"/>
+              <a:buChar char="•"/>
+            </a:pPr>
+            <a:r>
+              <a:rPr lang="ru-RU" dirty="0" smtClean="0"/>
+              <a:t>отсутствие мониторинга перевозок;</a:t>
+            </a:r>
+          </a:p>
+          <a:p>
+            <a:pPr marL="285750" indent="-285750">
+              <a:buFont typeface="Arial" panose="020B0604020202020204" pitchFamily="34" charset="0"/>
+              <a:buChar char="•"/>
+            </a:pPr>
+            <a:r>
+              <a:rPr lang="ru-RU" dirty="0" smtClean="0"/>
+              <a:t>отсутствие информации о пунктах расположения сил МЧС;</a:t>
+            </a:r>
+          </a:p>
+          <a:p>
+            <a:pPr marL="285750" indent="-285750">
+              <a:buFont typeface="Arial" panose="020B0604020202020204" pitchFamily="34" charset="0"/>
+              <a:buChar char="•"/>
+            </a:pPr>
+            <a:r>
+              <a:rPr lang="ru-RU" dirty="0" smtClean="0"/>
+              <a:t>отсутствие прогнозирования времени устранения последствий аварии.</a:t>
             </a:r>
             <a:endParaRPr lang="ru-RU" dirty="0"/>
           </a:p>
@@ -4736,7 +4776,35 @@
       </p:grpSpPr>
       <p:sp>
         <p:nvSpPr>
-          <p:cNvPr id="6" name="Номер слайда 5"/>
+          <p:cNvPr id="2" name="Заголовок 1"/>
+          <p:cNvSpPr>
+            <a:spLocks noGrp="1"/>
+          </p:cNvSpPr>
+          <p:nvPr>
+            <p:ph type="title"/>
+          </p:nvPr>
+        </p:nvSpPr>
+        <p:spPr>
+          <a:xfrm>
+            <a:off x="467544" y="188640"/>
+            <a:ext cx="8229600" cy="882352"/>
+          </a:xfrm>
+        </p:spPr>
+        <p:txBody>
+          <a:bodyPr/>
+          <a:lstStyle/>
+          <a:p>
+            <a:r>
+              <a:rPr lang="ru-RU" dirty="0" smtClean="0"/>
+              <a:t>Структура программы</a:t>
+            </a:r>
+            <a:endParaRPr lang="ru-RU" dirty="0"/>
+          </a:p>
+        </p:txBody>
+      </p:sp>
+      <p:sp>
+        <p:nvSpPr>
+          <p:cNvPr id="4" name="Номер слайда 3"/>
           <p:cNvSpPr>
             <a:spLocks noGrp="1"/>
           </p:cNvSpPr>
@@ -4757,87 +4825,19 @@
           </a:p>
         </p:txBody>
       </p:sp>
-      <p:sp>
-        <p:nvSpPr>
-          <p:cNvPr id="7" name="Заголовок 6"/>
-          <p:cNvSpPr>
-            <a:spLocks noGrp="1"/>
-          </p:cNvSpPr>
-          <p:nvPr>
-            <p:ph type="title"/>
-          </p:nvPr>
-        </p:nvSpPr>
-        <p:spPr/>
-        <p:txBody>
-          <a:bodyPr/>
-          <a:lstStyle/>
-          <a:p>
-            <a:r>
-              <a:rPr lang="ru-RU" dirty="0" smtClean="0"/>
-              <a:t>Обзор существующих решений</a:t>
-            </a:r>
-            <a:endParaRPr lang="ru-RU" dirty="0"/>
-          </a:p>
-        </p:txBody>
-      </p:sp>
-      <p:sp>
-        <p:nvSpPr>
-          <p:cNvPr id="9" name="Прямоугольник 8"/>
-          <p:cNvSpPr/>
-          <p:nvPr/>
-        </p:nvSpPr>
-        <p:spPr>
-          <a:xfrm>
-            <a:off x="947695" y="2565824"/>
-            <a:ext cx="2520280" cy="1224136"/>
-          </a:xfrm>
-          <a:prstGeom prst="rect">
-            <a:avLst/>
-          </a:prstGeom>
-        </p:spPr>
-        <p:txBody>
-          <a:bodyPr wrap="square">
-            <a:spAutoFit/>
-          </a:bodyPr>
-          <a:lstStyle/>
-          <a:p>
-            <a:pPr lvl="1" algn="ctr"/>
-            <a:r>
-              <a:rPr lang="ru-RU" dirty="0" smtClean="0"/>
-              <a:t>Модель позволяет генерировать отчёты в формате </a:t>
-            </a:r>
-            <a:r>
-              <a:rPr lang="en-US" dirty="0" smtClean="0"/>
-              <a:t>Excel</a:t>
-            </a:r>
-            <a:r>
-              <a:rPr lang="ru-RU" dirty="0" smtClean="0"/>
-              <a:t>.</a:t>
-            </a:r>
-            <a:endParaRPr lang="ru-RU" dirty="0"/>
-          </a:p>
-        </p:txBody>
-      </p:sp>
       <p:pic>
         <p:nvPicPr>
-          <p:cNvPr id="10" name="Рисунок 9"/>
+          <p:cNvPr id="7" name="Объект 6"/>
           <p:cNvPicPr>
-            <a:picLocks noChangeAspect="1"/>
+            <a:picLocks noGrp="1" noChangeAspect="1"/>
           </p:cNvPicPr>
-          <p:nvPr/>
+          <p:nvPr>
+            <p:ph idx="1"/>
+          </p:nvPr>
         </p:nvPicPr>
         <p:blipFill>
           <a:blip r:embed="rId2">
             <a:extLst>
-              <a:ext uri="{BEBA8EAE-BF5A-486C-A8C5-ECC9F3942E4B}">
-                <a14:imgProps xmlns:a14="http://schemas.microsoft.com/office/drawing/2010/main">
-                  <a14:imgLayer r:embed="rId3">
-                    <a14:imgEffect>
-                      <a14:saturation sat="0"/>
-                    </a14:imgEffect>
-                  </a14:imgLayer>
-                </a14:imgProps>
-              </a:ext>
               <a:ext uri="{28A0092B-C50C-407E-A947-70E740481C1C}">
                 <a14:useLocalDpi xmlns:a14="http://schemas.microsoft.com/office/drawing/2010/main" val="0"/>
               </a:ext>
@@ -4849,48 +4849,15 @@
         </p:blipFill>
         <p:spPr>
           <a:xfrm>
-            <a:off x="3563888" y="1844824"/>
-            <a:ext cx="5112568" cy="2666136"/>
+            <a:off x="899592" y="1196752"/>
+            <a:ext cx="7488832" cy="5470789"/>
           </a:xfrm>
-          <a:prstGeom prst="rect">
-            <a:avLst/>
-          </a:prstGeom>
         </p:spPr>
       </p:pic>
-      <p:sp>
-        <p:nvSpPr>
-          <p:cNvPr id="11" name="Прямоугольник 10"/>
-          <p:cNvSpPr/>
-          <p:nvPr/>
-        </p:nvSpPr>
-        <p:spPr>
-          <a:xfrm>
-            <a:off x="704814" y="4976301"/>
-            <a:ext cx="8182374" cy="646331"/>
-          </a:xfrm>
-          <a:prstGeom prst="rect">
-            <a:avLst/>
-          </a:prstGeom>
-        </p:spPr>
-        <p:txBody>
-          <a:bodyPr wrap="square">
-            <a:spAutoFit/>
-          </a:bodyPr>
-          <a:lstStyle/>
-          <a:p>
-            <a:pPr algn="just"/>
-            <a:r>
-              <a:rPr lang="ru-RU" dirty="0" smtClean="0"/>
-              <a:t>	Но данная расчётная модель не используется в виду её бесполезности при отсутствии модуля поиска сил МЧС.</a:t>
-            </a:r>
-            <a:endParaRPr lang="ru-RU" dirty="0"/>
-          </a:p>
-        </p:txBody>
-      </p:sp>
     </p:spTree>
     <p:extLst>
       <p:ext uri="{BB962C8B-B14F-4D97-AF65-F5344CB8AC3E}">
-        <p14:creationId xmlns:p14="http://schemas.microsoft.com/office/powerpoint/2010/main" val="645416017"/>
+        <p14:creationId xmlns:p14="http://schemas.microsoft.com/office/powerpoint/2010/main" val="2421701798"/>
       </p:ext>
     </p:extLst>
   </p:cSld>
@@ -4927,6 +4894,299 @@
             <p:ph type="title"/>
           </p:nvPr>
         </p:nvSpPr>
+        <p:spPr/>
+        <p:txBody>
+          <a:bodyPr>
+            <a:normAutofit fontScale="90000"/>
+          </a:bodyPr>
+          <a:lstStyle/>
+          <a:p>
+            <a:r>
+              <a:rPr lang="ru-RU" dirty="0" smtClean="0"/>
+              <a:t>Генерирование промежуточных стадий перевозки</a:t>
+            </a:r>
+            <a:endParaRPr lang="ru-RU" dirty="0"/>
+          </a:p>
+        </p:txBody>
+      </p:sp>
+      <p:sp>
+        <p:nvSpPr>
+          <p:cNvPr id="3" name="Объект 2"/>
+          <p:cNvSpPr>
+            <a:spLocks noGrp="1"/>
+          </p:cNvSpPr>
+          <p:nvPr>
+            <p:ph idx="1"/>
+          </p:nvPr>
+        </p:nvSpPr>
+        <p:spPr/>
+        <p:txBody>
+          <a:bodyPr/>
+          <a:lstStyle/>
+          <a:p>
+            <a:pPr marL="0" indent="0">
+              <a:buNone/>
+            </a:pPr>
+            <a:r>
+              <a:rPr lang="ru-RU" dirty="0" smtClean="0"/>
+              <a:t>Подходы к организации данных:</a:t>
+            </a:r>
+          </a:p>
+          <a:p>
+            <a:r>
+              <a:rPr lang="ru-RU" dirty="0" smtClean="0"/>
+              <a:t>Хранение временных таблиц в БД</a:t>
+            </a:r>
+          </a:p>
+          <a:p>
+            <a:pPr marL="457200" lvl="1" indent="0">
+              <a:buNone/>
+            </a:pPr>
+            <a:r>
+              <a:rPr lang="ru-RU" dirty="0" smtClean="0"/>
+              <a:t>Минус: долгие операции удаления/создания – самые частые.</a:t>
+            </a:r>
+          </a:p>
+          <a:p>
+            <a:r>
+              <a:rPr lang="ru-RU" dirty="0" smtClean="0"/>
+              <a:t>Хранение временных файлов</a:t>
+            </a:r>
+          </a:p>
+          <a:p>
+            <a:pPr marL="457200" lvl="1" indent="0">
+              <a:buNone/>
+            </a:pPr>
+            <a:r>
+              <a:rPr lang="ru-RU" dirty="0" smtClean="0"/>
+              <a:t>Плюс: быстрые (в аспекте удаления и создания) файловые потоки с</a:t>
+            </a:r>
+            <a:r>
+              <a:rPr lang="en-US" dirty="0" smtClean="0"/>
+              <a:t> </a:t>
+            </a:r>
+            <a:r>
+              <a:rPr lang="ru-RU" dirty="0" smtClean="0"/>
+              <a:t>количеством записей, не превышающим количество перевозок.</a:t>
+            </a:r>
+            <a:endParaRPr lang="ru-RU" dirty="0"/>
+          </a:p>
+        </p:txBody>
+      </p:sp>
+      <p:sp>
+        <p:nvSpPr>
+          <p:cNvPr id="4" name="Номер слайда 3"/>
+          <p:cNvSpPr>
+            <a:spLocks noGrp="1"/>
+          </p:cNvSpPr>
+          <p:nvPr>
+            <p:ph type="sldNum" sz="quarter" idx="12"/>
+          </p:nvPr>
+        </p:nvSpPr>
+        <p:spPr/>
+        <p:txBody>
+          <a:bodyPr/>
+          <a:lstStyle/>
+          <a:p>
+            <a:fld id="{61BE07CB-EFF4-4703-B3C2-D7B73A5F42A0}" type="slidenum">
+              <a:rPr lang="ru-RU" smtClean="0"/>
+              <a:t>6</a:t>
+            </a:fld>
+            <a:endParaRPr lang="ru-RU"/>
+          </a:p>
+        </p:txBody>
+      </p:sp>
+    </p:spTree>
+    <p:extLst>
+      <p:ext uri="{BB962C8B-B14F-4D97-AF65-F5344CB8AC3E}">
+        <p14:creationId xmlns:p14="http://schemas.microsoft.com/office/powerpoint/2010/main" val="2268017010"/>
+      </p:ext>
+    </p:extLst>
+  </p:cSld>
+  <p:clrMapOvr>
+    <a:masterClrMapping/>
+  </p:clrMapOvr>
+</p:sld>
+</file>
+
+<file path=ppt/slides/slide7.xml><?xml version="1.0" encoding="utf-8"?>
+<p:sld xmlns:a="http://schemas.openxmlformats.org/drawingml/2006/main" xmlns:r="http://schemas.openxmlformats.org/officeDocument/2006/relationships" xmlns:p="http://schemas.openxmlformats.org/presentationml/2006/main">
+  <p:cSld>
+    <p:spTree>
+      <p:nvGrpSpPr>
+        <p:cNvPr id="1" name=""/>
+        <p:cNvGrpSpPr/>
+        <p:nvPr/>
+      </p:nvGrpSpPr>
+      <p:grpSpPr>
+        <a:xfrm>
+          <a:off x="0" y="0"/>
+          <a:ext cx="0" cy="0"/>
+          <a:chOff x="0" y="0"/>
+          <a:chExt cx="0" cy="0"/>
+        </a:xfrm>
+      </p:grpSpPr>
+      <p:sp>
+        <p:nvSpPr>
+          <p:cNvPr id="2" name="Заголовок 1"/>
+          <p:cNvSpPr>
+            <a:spLocks noGrp="1"/>
+          </p:cNvSpPr>
+          <p:nvPr>
+            <p:ph type="title"/>
+          </p:nvPr>
+        </p:nvSpPr>
+        <p:spPr/>
+        <p:txBody>
+          <a:bodyPr>
+            <a:normAutofit fontScale="90000"/>
+          </a:bodyPr>
+          <a:lstStyle/>
+          <a:p>
+            <a:r>
+              <a:rPr lang="ru-RU" dirty="0"/>
+              <a:t>Генерирование промежуточных стадий перевозки</a:t>
+            </a:r>
+          </a:p>
+        </p:txBody>
+      </p:sp>
+      <p:sp>
+        <p:nvSpPr>
+          <p:cNvPr id="3" name="Объект 2"/>
+          <p:cNvSpPr>
+            <a:spLocks noGrp="1"/>
+          </p:cNvSpPr>
+          <p:nvPr>
+            <p:ph idx="1"/>
+          </p:nvPr>
+        </p:nvSpPr>
+        <p:spPr/>
+        <p:txBody>
+          <a:bodyPr>
+            <a:normAutofit/>
+          </a:bodyPr>
+          <a:lstStyle/>
+          <a:p>
+            <a:pPr marL="0" indent="0">
+              <a:buNone/>
+            </a:pPr>
+            <a:r>
+              <a:rPr lang="ru-RU" sz="2800" dirty="0" smtClean="0"/>
+              <a:t>Механизм предобработки данных основан на технологии </a:t>
+            </a:r>
+            <a:r>
+              <a:rPr lang="en-US" sz="2800" dirty="0" smtClean="0"/>
+              <a:t>Map/Reduce.</a:t>
+            </a:r>
+            <a:endParaRPr lang="ru-RU" sz="2800" dirty="0" smtClean="0"/>
+          </a:p>
+          <a:p>
+            <a:pPr marL="0" indent="0">
+              <a:buNone/>
+            </a:pPr>
+            <a:endParaRPr lang="ru-RU" sz="2800" dirty="0"/>
+          </a:p>
+          <a:p>
+            <a:pPr marL="0" indent="0">
+              <a:buNone/>
+            </a:pPr>
+            <a:endParaRPr lang="ru-RU" sz="2800" dirty="0" smtClean="0"/>
+          </a:p>
+        </p:txBody>
+      </p:sp>
+      <p:sp>
+        <p:nvSpPr>
+          <p:cNvPr id="4" name="Номер слайда 3"/>
+          <p:cNvSpPr>
+            <a:spLocks noGrp="1"/>
+          </p:cNvSpPr>
+          <p:nvPr>
+            <p:ph type="sldNum" sz="quarter" idx="12"/>
+          </p:nvPr>
+        </p:nvSpPr>
+        <p:spPr/>
+        <p:txBody>
+          <a:bodyPr/>
+          <a:lstStyle/>
+          <a:p>
+            <a:fld id="{61BE07CB-EFF4-4703-B3C2-D7B73A5F42A0}" type="slidenum">
+              <a:rPr lang="ru-RU" smtClean="0"/>
+              <a:t>7</a:t>
+            </a:fld>
+            <a:endParaRPr lang="ru-RU"/>
+          </a:p>
+        </p:txBody>
+      </p:sp>
+      <p:pic>
+        <p:nvPicPr>
+          <p:cNvPr id="5" name="Рисунок 4"/>
+          <p:cNvPicPr>
+            <a:picLocks noChangeAspect="1"/>
+          </p:cNvPicPr>
+          <p:nvPr/>
+        </p:nvPicPr>
+        <p:blipFill>
+          <a:blip r:embed="rId2">
+            <a:extLst>
+              <a:ext uri="{28A0092B-C50C-407E-A947-70E740481C1C}">
+                <a14:useLocalDpi xmlns:a14="http://schemas.microsoft.com/office/drawing/2010/main" val="0"/>
+              </a:ext>
+            </a:extLst>
+          </a:blip>
+          <a:stretch>
+            <a:fillRect/>
+          </a:stretch>
+        </p:blipFill>
+        <p:spPr>
+          <a:xfrm>
+            <a:off x="825968" y="2780928"/>
+            <a:ext cx="7492064" cy="3542857"/>
+          </a:xfrm>
+          <a:prstGeom prst="rect">
+            <a:avLst/>
+          </a:prstGeom>
+        </p:spPr>
+      </p:pic>
+    </p:spTree>
+    <p:extLst>
+      <p:ext uri="{BB962C8B-B14F-4D97-AF65-F5344CB8AC3E}">
+        <p14:creationId xmlns:p14="http://schemas.microsoft.com/office/powerpoint/2010/main" val="807522931"/>
+      </p:ext>
+    </p:extLst>
+  </p:cSld>
+  <p:clrMapOvr>
+    <a:masterClrMapping/>
+  </p:clrMapOvr>
+</p:sld>
+</file>
+
+<file path=ppt/slides/slide8.xml><?xml version="1.0" encoding="utf-8"?>
+<p:sld xmlns:a="http://schemas.openxmlformats.org/drawingml/2006/main" xmlns:r="http://schemas.openxmlformats.org/officeDocument/2006/relationships" xmlns:p="http://schemas.openxmlformats.org/presentationml/2006/main">
+  <p:cSld>
+    <p:spTree>
+      <p:nvGrpSpPr>
+        <p:cNvPr id="1" name=""/>
+        <p:cNvGrpSpPr/>
+        <p:nvPr/>
+      </p:nvGrpSpPr>
+      <p:grpSpPr>
+        <a:xfrm>
+          <a:off x="0" y="0"/>
+          <a:ext cx="0" cy="0"/>
+          <a:chOff x="0" y="0"/>
+          <a:chExt cx="0" cy="0"/>
+        </a:xfrm>
+      </p:grpSpPr>
+      <p:sp>
+        <p:nvSpPr>
+          <p:cNvPr id="2" name="Заголовок 1"/>
+          <p:cNvSpPr>
+            <a:spLocks noGrp="1"/>
+          </p:cNvSpPr>
+          <p:nvPr>
+            <p:ph type="title"/>
+          </p:nvPr>
+        </p:nvSpPr>
         <p:spPr>
           <a:xfrm>
             <a:off x="539552" y="2420888"/>
@@ -4962,7 +5222,7 @@
           <a:p>
             <a:fld id="{61BE07CB-EFF4-4703-B3C2-D7B73A5F42A0}" type="slidenum">
               <a:rPr lang="ru-RU" smtClean="0"/>
-              <a:t>6</a:t>
+              <a:t>8</a:t>
             </a:fld>
             <a:endParaRPr lang="ru-RU"/>
           </a:p>

--- a/РПЗ/Презентация.pptx
+++ b/РПЗ/Презентация.pptx
@@ -5,7 +5,7 @@
     <p:sldMasterId id="2147483744" r:id="rId1"/>
   </p:sldMasterIdLst>
   <p:notesMasterIdLst>
-    <p:notesMasterId r:id="rId10"/>
+    <p:notesMasterId r:id="rId13"/>
   </p:notesMasterIdLst>
   <p:sldIdLst>
     <p:sldId id="256" r:id="rId2"/>
@@ -15,7 +15,10 @@
     <p:sldId id="270" r:id="rId6"/>
     <p:sldId id="268" r:id="rId7"/>
     <p:sldId id="269" r:id="rId8"/>
-    <p:sldId id="265" r:id="rId9"/>
+    <p:sldId id="271" r:id="rId9"/>
+    <p:sldId id="272" r:id="rId10"/>
+    <p:sldId id="273" r:id="rId11"/>
+    <p:sldId id="265" r:id="rId12"/>
   </p:sldIdLst>
   <p:sldSz cx="9144000" cy="6858000" type="screen4x3"/>
   <p:notesSz cx="6858000" cy="9144000"/>
@@ -199,7 +202,7 @@
           <a:p>
             <a:fld id="{C730F506-EF63-4341-AF7B-F6DB2EA94D2D}" type="datetimeFigureOut">
               <a:rPr lang="ru-RU" smtClean="0"/>
-              <a:t>19.05.2015</a:t>
+              <a:t>20.05.2015</a:t>
             </a:fld>
             <a:endParaRPr lang="ru-RU"/>
           </a:p>
@@ -648,7 +651,7 @@
           <a:p>
             <a:fld id="{4E25848D-CB8C-4FE8-A10A-D947B21F1304}" type="datetime1">
               <a:rPr lang="ru-RU" smtClean="0"/>
-              <a:t>19.05.2015</a:t>
+              <a:t>20.05.2015</a:t>
             </a:fld>
             <a:endParaRPr lang="ru-RU"/>
           </a:p>
@@ -818,7 +821,7 @@
           <a:p>
             <a:fld id="{5E475643-127F-4557-9492-20E6AB57BAF5}" type="datetime1">
               <a:rPr lang="ru-RU" smtClean="0"/>
-              <a:t>19.05.2015</a:t>
+              <a:t>20.05.2015</a:t>
             </a:fld>
             <a:endParaRPr lang="ru-RU"/>
           </a:p>
@@ -998,7 +1001,7 @@
           <a:p>
             <a:fld id="{F0321801-3379-4C6F-AEF1-F0CEEA4618BD}" type="datetime1">
               <a:rPr lang="ru-RU" smtClean="0"/>
-              <a:t>19.05.2015</a:t>
+              <a:t>20.05.2015</a:t>
             </a:fld>
             <a:endParaRPr lang="ru-RU"/>
           </a:p>
@@ -1168,7 +1171,7 @@
           <a:p>
             <a:fld id="{AEE6A114-20B6-4466-BD8E-EA0F33E87D9D}" type="datetime1">
               <a:rPr lang="ru-RU" smtClean="0"/>
-              <a:t>19.05.2015</a:t>
+              <a:t>20.05.2015</a:t>
             </a:fld>
             <a:endParaRPr lang="ru-RU"/>
           </a:p>
@@ -1414,7 +1417,7 @@
           <a:p>
             <a:fld id="{45EC15D3-8E54-4002-AA50-19E6FA2B2DB8}" type="datetime1">
               <a:rPr lang="ru-RU" smtClean="0"/>
-              <a:t>19.05.2015</a:t>
+              <a:t>20.05.2015</a:t>
             </a:fld>
             <a:endParaRPr lang="ru-RU"/>
           </a:p>
@@ -1702,7 +1705,7 @@
           <a:p>
             <a:fld id="{97BF2791-FC52-465E-975E-61B6523C0B9E}" type="datetime1">
               <a:rPr lang="ru-RU" smtClean="0"/>
-              <a:t>19.05.2015</a:t>
+              <a:t>20.05.2015</a:t>
             </a:fld>
             <a:endParaRPr lang="ru-RU"/>
           </a:p>
@@ -2124,7 +2127,7 @@
           <a:p>
             <a:fld id="{DA7728D6-C8AD-432D-9C2F-616A89722BC0}" type="datetime1">
               <a:rPr lang="ru-RU" smtClean="0"/>
-              <a:t>19.05.2015</a:t>
+              <a:t>20.05.2015</a:t>
             </a:fld>
             <a:endParaRPr lang="ru-RU"/>
           </a:p>
@@ -2242,7 +2245,7 @@
           <a:p>
             <a:fld id="{A1B9300E-CD00-40EC-B082-FA4253D1643D}" type="datetime1">
               <a:rPr lang="ru-RU" smtClean="0"/>
-              <a:t>19.05.2015</a:t>
+              <a:t>20.05.2015</a:t>
             </a:fld>
             <a:endParaRPr lang="ru-RU"/>
           </a:p>
@@ -2337,7 +2340,7 @@
           <a:p>
             <a:fld id="{9AE6DE28-9DDF-4513-AF17-CF750CE20313}" type="datetime1">
               <a:rPr lang="ru-RU" smtClean="0"/>
-              <a:t>19.05.2015</a:t>
+              <a:t>20.05.2015</a:t>
             </a:fld>
             <a:endParaRPr lang="ru-RU"/>
           </a:p>
@@ -2614,7 +2617,7 @@
           <a:p>
             <a:fld id="{904DEBEB-9F1A-4B4D-A93B-9F07D00B81CE}" type="datetime1">
               <a:rPr lang="ru-RU" smtClean="0"/>
-              <a:t>19.05.2015</a:t>
+              <a:t>20.05.2015</a:t>
             </a:fld>
             <a:endParaRPr lang="ru-RU"/>
           </a:p>
@@ -2867,7 +2870,7 @@
           <a:p>
             <a:fld id="{5FA49091-EF67-49C9-A9B0-5183862871E9}" type="datetime1">
               <a:rPr lang="ru-RU" smtClean="0"/>
-              <a:t>19.05.2015</a:t>
+              <a:t>20.05.2015</a:t>
             </a:fld>
             <a:endParaRPr lang="ru-RU"/>
           </a:p>
@@ -3080,7 +3083,7 @@
           <a:p>
             <a:fld id="{13F5BCA4-39B8-47F0-88D6-DB717347CF39}" type="datetime1">
               <a:rPr lang="ru-RU" smtClean="0"/>
-              <a:t>19.05.2015</a:t>
+              <a:t>20.05.2015</a:t>
             </a:fld>
             <a:endParaRPr lang="ru-RU"/>
           </a:p>
@@ -3538,27 +3541,14 @@
             <a:pPr algn="r"/>
             <a:r>
               <a:rPr lang="ru-RU" dirty="0" smtClean="0"/>
-              <a:t>       Выполнил: Пахомов Александр Александрович, </a:t>
-            </a:r>
+              <a:t>       Выполнил: Пахомов Александр Александрович, ИУ7-81</a:t>
+            </a:r>
+          </a:p>
+          <a:p>
+            <a:pPr algn="r"/>
             <a:r>
               <a:rPr lang="ru-RU" dirty="0" smtClean="0"/>
-              <a:t>ИУ7-81</a:t>
-            </a:r>
-            <a:endParaRPr lang="ru-RU" dirty="0" smtClean="0"/>
-          </a:p>
-          <a:p>
-            <a:pPr algn="r"/>
-            <a:r>
-              <a:rPr lang="ru-RU" dirty="0" smtClean="0"/>
-              <a:t>	Руководитель</a:t>
-            </a:r>
-            <a:r>
-              <a:rPr lang="ru-RU" dirty="0" smtClean="0"/>
-              <a:t>: Волкова Лилия </a:t>
-            </a:r>
-            <a:r>
-              <a:rPr lang="ru-RU" dirty="0" smtClean="0"/>
-              <a:t>Леонидовна	                 </a:t>
+              <a:t>	Руководитель: Волкова Лилия Леонидовна	                 </a:t>
             </a:r>
             <a:endParaRPr lang="ru-RU" dirty="0"/>
           </a:p>
@@ -4182,6 +4172,230 @@
 </p:sld>
 </file>
 
+<file path=ppt/slides/slide10.xml><?xml version="1.0" encoding="utf-8"?>
+<p:sld xmlns:a="http://schemas.openxmlformats.org/drawingml/2006/main" xmlns:r="http://schemas.openxmlformats.org/officeDocument/2006/relationships" xmlns:p="http://schemas.openxmlformats.org/presentationml/2006/main">
+  <p:cSld>
+    <p:spTree>
+      <p:nvGrpSpPr>
+        <p:cNvPr id="1" name=""/>
+        <p:cNvGrpSpPr/>
+        <p:nvPr/>
+      </p:nvGrpSpPr>
+      <p:grpSpPr>
+        <a:xfrm>
+          <a:off x="0" y="0"/>
+          <a:ext cx="0" cy="0"/>
+          <a:chOff x="0" y="0"/>
+          <a:chExt cx="0" cy="0"/>
+        </a:xfrm>
+      </p:grpSpPr>
+      <p:sp>
+        <p:nvSpPr>
+          <p:cNvPr id="2" name="Заголовок 1"/>
+          <p:cNvSpPr>
+            <a:spLocks noGrp="1"/>
+          </p:cNvSpPr>
+          <p:nvPr>
+            <p:ph type="title"/>
+          </p:nvPr>
+        </p:nvSpPr>
+        <p:spPr/>
+        <p:txBody>
+          <a:bodyPr/>
+          <a:lstStyle/>
+          <a:p>
+            <a:r>
+              <a:rPr lang="ru-RU" dirty="0" smtClean="0"/>
+              <a:t>Координирование сил МЧС</a:t>
+            </a:r>
+            <a:endParaRPr lang="ru-RU" dirty="0"/>
+          </a:p>
+        </p:txBody>
+      </p:sp>
+      <p:sp>
+        <p:nvSpPr>
+          <p:cNvPr id="3" name="Объект 2"/>
+          <p:cNvSpPr>
+            <a:spLocks noGrp="1"/>
+          </p:cNvSpPr>
+          <p:nvPr>
+            <p:ph idx="1"/>
+          </p:nvPr>
+        </p:nvSpPr>
+        <p:spPr/>
+        <p:txBody>
+          <a:bodyPr>
+            <a:normAutofit lnSpcReduction="10000"/>
+          </a:bodyPr>
+          <a:lstStyle/>
+          <a:p>
+            <a:pPr marL="0" indent="0">
+              <a:buNone/>
+            </a:pPr>
+            <a:r>
+              <a:rPr lang="ru-RU" dirty="0" smtClean="0"/>
+              <a:t>Для координирования пункты реагирования условно разделяются на 2 части:</a:t>
+            </a:r>
+          </a:p>
+          <a:p>
+            <a:pPr marL="914400" lvl="1" indent="-514350">
+              <a:buFont typeface="+mj-lt"/>
+              <a:buAutoNum type="arabicPeriod"/>
+            </a:pPr>
+            <a:r>
+              <a:rPr lang="ru-RU" dirty="0" smtClean="0"/>
+              <a:t>с необходимым обезвреживающим веществом;</a:t>
+            </a:r>
+          </a:p>
+          <a:p>
+            <a:pPr marL="914400" lvl="1" indent="-514350">
+              <a:buFont typeface="+mj-lt"/>
+              <a:buAutoNum type="arabicPeriod"/>
+            </a:pPr>
+            <a:r>
+              <a:rPr lang="ru-RU" dirty="0" smtClean="0"/>
+              <a:t>с работниками и специализированными машинами для устранения последствий аварии.</a:t>
+            </a:r>
+          </a:p>
+          <a:p>
+            <a:pPr marL="400050" lvl="1" indent="0">
+              <a:buNone/>
+            </a:pPr>
+            <a:endParaRPr lang="ru-RU" dirty="0" smtClean="0"/>
+          </a:p>
+          <a:p>
+            <a:pPr marL="400050" lvl="1" indent="0">
+              <a:buNone/>
+            </a:pPr>
+            <a:r>
+              <a:rPr lang="ru-RU" dirty="0"/>
+              <a:t>	</a:t>
+            </a:r>
+            <a:r>
+              <a:rPr lang="ru-RU" dirty="0" smtClean="0"/>
+              <a:t>Пункты первого типа могут содержать в себе пункты второго типа.</a:t>
+            </a:r>
+            <a:endParaRPr lang="ru-RU" dirty="0"/>
+          </a:p>
+        </p:txBody>
+      </p:sp>
+      <p:sp>
+        <p:nvSpPr>
+          <p:cNvPr id="4" name="Номер слайда 3"/>
+          <p:cNvSpPr>
+            <a:spLocks noGrp="1"/>
+          </p:cNvSpPr>
+          <p:nvPr>
+            <p:ph type="sldNum" sz="quarter" idx="12"/>
+          </p:nvPr>
+        </p:nvSpPr>
+        <p:spPr/>
+        <p:txBody>
+          <a:bodyPr/>
+          <a:lstStyle/>
+          <a:p>
+            <a:fld id="{61BE07CB-EFF4-4703-B3C2-D7B73A5F42A0}" type="slidenum">
+              <a:rPr lang="ru-RU" smtClean="0"/>
+              <a:t>10</a:t>
+            </a:fld>
+            <a:endParaRPr lang="ru-RU"/>
+          </a:p>
+        </p:txBody>
+      </p:sp>
+    </p:spTree>
+    <p:extLst>
+      <p:ext uri="{BB962C8B-B14F-4D97-AF65-F5344CB8AC3E}">
+        <p14:creationId xmlns:p14="http://schemas.microsoft.com/office/powerpoint/2010/main" val="1974285474"/>
+      </p:ext>
+    </p:extLst>
+  </p:cSld>
+  <p:clrMapOvr>
+    <a:masterClrMapping/>
+  </p:clrMapOvr>
+</p:sld>
+</file>
+
+<file path=ppt/slides/slide11.xml><?xml version="1.0" encoding="utf-8"?>
+<p:sld xmlns:a="http://schemas.openxmlformats.org/drawingml/2006/main" xmlns:r="http://schemas.openxmlformats.org/officeDocument/2006/relationships" xmlns:p="http://schemas.openxmlformats.org/presentationml/2006/main">
+  <p:cSld>
+    <p:spTree>
+      <p:nvGrpSpPr>
+        <p:cNvPr id="1" name=""/>
+        <p:cNvGrpSpPr/>
+        <p:nvPr/>
+      </p:nvGrpSpPr>
+      <p:grpSpPr>
+        <a:xfrm>
+          <a:off x="0" y="0"/>
+          <a:ext cx="0" cy="0"/>
+          <a:chOff x="0" y="0"/>
+          <a:chExt cx="0" cy="0"/>
+        </a:xfrm>
+      </p:grpSpPr>
+      <p:sp>
+        <p:nvSpPr>
+          <p:cNvPr id="2" name="Заголовок 1"/>
+          <p:cNvSpPr>
+            <a:spLocks noGrp="1"/>
+          </p:cNvSpPr>
+          <p:nvPr>
+            <p:ph type="title"/>
+          </p:nvPr>
+        </p:nvSpPr>
+        <p:spPr>
+          <a:xfrm>
+            <a:off x="539552" y="2420888"/>
+            <a:ext cx="8229600" cy="1143000"/>
+          </a:xfrm>
+        </p:spPr>
+        <p:txBody>
+          <a:bodyPr/>
+          <a:lstStyle/>
+          <a:p>
+            <a:r>
+              <a:rPr lang="ru-RU" dirty="0" smtClean="0"/>
+              <a:t>Спасибо за внимание!</a:t>
+            </a:r>
+            <a:endParaRPr lang="ru-RU" dirty="0"/>
+          </a:p>
+        </p:txBody>
+      </p:sp>
+      <p:sp>
+        <p:nvSpPr>
+          <p:cNvPr id="4" name="Номер слайда 3"/>
+          <p:cNvSpPr>
+            <a:spLocks noGrp="1"/>
+          </p:cNvSpPr>
+          <p:nvPr>
+            <p:ph type="sldNum" sz="quarter" idx="12"/>
+          </p:nvPr>
+        </p:nvSpPr>
+        <p:spPr/>
+        <p:txBody>
+          <a:bodyPr/>
+          <a:lstStyle/>
+          <a:p>
+            <a:fld id="{61BE07CB-EFF4-4703-B3C2-D7B73A5F42A0}" type="slidenum">
+              <a:rPr lang="ru-RU" smtClean="0"/>
+              <a:t>11</a:t>
+            </a:fld>
+            <a:endParaRPr lang="ru-RU"/>
+          </a:p>
+        </p:txBody>
+      </p:sp>
+    </p:spTree>
+    <p:extLst>
+      <p:ext uri="{BB962C8B-B14F-4D97-AF65-F5344CB8AC3E}">
+        <p14:creationId xmlns:p14="http://schemas.microsoft.com/office/powerpoint/2010/main" val="3857655308"/>
+      </p:ext>
+    </p:extLst>
+  </p:cSld>
+  <p:clrMapOvr>
+    <a:masterClrMapping/>
+  </p:clrMapOvr>
+</p:sld>
+</file>
+
 <file path=ppt/slides/slide2.xml><?xml version="1.0" encoding="utf-8"?>
 <p:sld xmlns:a="http://schemas.openxmlformats.org/drawingml/2006/main" xmlns:r="http://schemas.openxmlformats.org/officeDocument/2006/relationships" xmlns:p="http://schemas.openxmlformats.org/presentationml/2006/main">
   <p:cSld>
@@ -4286,13 +4500,8 @@
             <a:pPr lvl="1"/>
             <a:r>
               <a:rPr lang="ru-RU" dirty="0" smtClean="0"/>
-              <a:t>расчёт </a:t>
-            </a:r>
-            <a:r>
-              <a:rPr lang="ru-RU" dirty="0" smtClean="0"/>
-              <a:t>модели прогнозирования;</a:t>
-            </a:r>
-            <a:endParaRPr lang="ru-RU" dirty="0" smtClean="0"/>
+              <a:t>расчёт модели прогнозирования;</a:t>
+            </a:r>
           </a:p>
           <a:p>
             <a:pPr lvl="1"/>
@@ -5187,19 +5396,232 @@
             <p:ph type="title"/>
           </p:nvPr>
         </p:nvSpPr>
+        <p:spPr/>
+        <p:txBody>
+          <a:bodyPr>
+            <a:normAutofit fontScale="90000"/>
+          </a:bodyPr>
+          <a:lstStyle/>
+          <a:p>
+            <a:r>
+              <a:rPr lang="ru-RU" dirty="0" smtClean="0"/>
+              <a:t>Анализ опасности. Поиск наиболее вероятной перевозки </a:t>
+            </a:r>
+            <a:endParaRPr lang="ru-RU" dirty="0"/>
+          </a:p>
+        </p:txBody>
+      </p:sp>
+      <p:sp>
+        <p:nvSpPr>
+          <p:cNvPr id="3" name="Объект 2"/>
+          <p:cNvSpPr>
+            <a:spLocks noGrp="1"/>
+          </p:cNvSpPr>
+          <p:nvPr>
+            <p:ph idx="1"/>
+          </p:nvPr>
+        </p:nvSpPr>
+        <p:spPr/>
+        <p:txBody>
+          <a:bodyPr>
+            <a:normAutofit fontScale="92500" lnSpcReduction="10000"/>
+          </a:bodyPr>
+          <a:lstStyle/>
+          <a:p>
+            <a:pPr marL="514350" indent="-514350">
+              <a:buFont typeface="+mj-lt"/>
+              <a:buAutoNum type="arabicPeriod"/>
+            </a:pPr>
+            <a:r>
+              <a:rPr lang="ru-RU" sz="2400" dirty="0" smtClean="0"/>
+              <a:t> Выполняется выборка из файла времени, сгенерированного  или дополненного на этапе регистрации перевозки. </a:t>
+            </a:r>
+          </a:p>
+          <a:p>
+            <a:pPr marL="514350" indent="-514350">
+              <a:buFont typeface="+mj-lt"/>
+              <a:buAutoNum type="arabicPeriod"/>
+            </a:pPr>
+            <a:endParaRPr lang="ru-RU" sz="2400" dirty="0"/>
+          </a:p>
+          <a:p>
+            <a:pPr marL="514350" indent="-514350">
+              <a:buFont typeface="+mj-lt"/>
+              <a:buAutoNum type="arabicPeriod"/>
+            </a:pPr>
+            <a:endParaRPr lang="ru-RU" sz="2400" dirty="0" smtClean="0"/>
+          </a:p>
+          <a:p>
+            <a:pPr marL="514350" indent="-514350">
+              <a:buFont typeface="+mj-lt"/>
+              <a:buAutoNum type="arabicPeriod"/>
+            </a:pPr>
+            <a:endParaRPr lang="ru-RU" sz="2400" dirty="0"/>
+          </a:p>
+          <a:p>
+            <a:pPr marL="514350" indent="-514350">
+              <a:buFont typeface="+mj-lt"/>
+              <a:buAutoNum type="arabicPeriod"/>
+            </a:pPr>
+            <a:endParaRPr lang="ru-RU" sz="2400" dirty="0" smtClean="0"/>
+          </a:p>
+          <a:p>
+            <a:pPr marL="514350" indent="-514350">
+              <a:buFont typeface="+mj-lt"/>
+              <a:buAutoNum type="arabicPeriod"/>
+            </a:pPr>
+            <a:endParaRPr lang="ru-RU" sz="2400" dirty="0" smtClean="0"/>
+          </a:p>
+          <a:p>
+            <a:pPr marL="514350" indent="-514350">
+              <a:buFont typeface="+mj-lt"/>
+              <a:buAutoNum type="arabicPeriod"/>
+            </a:pPr>
+            <a:r>
+              <a:rPr lang="ru-RU" sz="2400" dirty="0" smtClean="0"/>
+              <a:t>Из подходящих перевозок, </a:t>
+            </a:r>
+          </a:p>
+          <a:p>
+            <a:pPr marL="0" indent="0">
+              <a:buNone/>
+            </a:pPr>
+            <a:r>
+              <a:rPr lang="ru-RU" sz="2400" dirty="0"/>
+              <a:t> </a:t>
+            </a:r>
+            <a:r>
+              <a:rPr lang="ru-RU" sz="2400" dirty="0" smtClean="0"/>
+              <a:t>       используя файл перевозки, </a:t>
+            </a:r>
+          </a:p>
+          <a:p>
+            <a:pPr marL="0" indent="0">
+              <a:buNone/>
+            </a:pPr>
+            <a:r>
+              <a:rPr lang="ru-RU" sz="2400" dirty="0" smtClean="0"/>
+              <a:t>        выбирается та, для которой </a:t>
+            </a:r>
+          </a:p>
+          <a:p>
+            <a:pPr marL="0" indent="0">
+              <a:buNone/>
+            </a:pPr>
+            <a:r>
+              <a:rPr lang="ru-RU" sz="2400" dirty="0" smtClean="0"/>
+              <a:t>        текущая стадия </a:t>
+            </a:r>
+          </a:p>
+          <a:p>
+            <a:pPr marL="0" indent="0">
+              <a:buNone/>
+            </a:pPr>
+            <a:r>
+              <a:rPr lang="ru-RU" sz="2400" dirty="0"/>
+              <a:t> </a:t>
+            </a:r>
+            <a:r>
+              <a:rPr lang="ru-RU" sz="2400" dirty="0" smtClean="0"/>
+              <a:t>       наиболее ранняя.</a:t>
+            </a:r>
+            <a:endParaRPr lang="ru-RU" sz="2400" dirty="0"/>
+          </a:p>
+        </p:txBody>
+      </p:sp>
+      <p:sp>
+        <p:nvSpPr>
+          <p:cNvPr id="4" name="Номер слайда 3"/>
+          <p:cNvSpPr>
+            <a:spLocks noGrp="1"/>
+          </p:cNvSpPr>
+          <p:nvPr>
+            <p:ph type="sldNum" sz="quarter" idx="12"/>
+          </p:nvPr>
+        </p:nvSpPr>
+        <p:spPr/>
+        <p:txBody>
+          <a:bodyPr/>
+          <a:lstStyle/>
+          <a:p>
+            <a:fld id="{61BE07CB-EFF4-4703-B3C2-D7B73A5F42A0}" type="slidenum">
+              <a:rPr lang="ru-RU" smtClean="0"/>
+              <a:t>8</a:t>
+            </a:fld>
+            <a:endParaRPr lang="ru-RU"/>
+          </a:p>
+        </p:txBody>
+      </p:sp>
+      <p:pic>
+        <p:nvPicPr>
+          <p:cNvPr id="5" name="Рисунок 4"/>
+          <p:cNvPicPr>
+            <a:picLocks noChangeAspect="1"/>
+          </p:cNvPicPr>
+          <p:nvPr/>
+        </p:nvPicPr>
+        <p:blipFill>
+          <a:blip r:embed="rId2">
+            <a:extLst>
+              <a:ext uri="{BEBA8EAE-BF5A-486C-A8C5-ECC9F3942E4B}">
+                <a14:imgProps xmlns:a14="http://schemas.microsoft.com/office/drawing/2010/main">
+                  <a14:imgLayer r:embed="rId3">
+                    <a14:imgEffect>
+                      <a14:saturation sat="0"/>
+                    </a14:imgEffect>
+                  </a14:imgLayer>
+                </a14:imgProps>
+              </a:ext>
+              <a:ext uri="{28A0092B-C50C-407E-A947-70E740481C1C}">
+                <a14:useLocalDpi xmlns:a14="http://schemas.microsoft.com/office/drawing/2010/main" val="0"/>
+              </a:ext>
+            </a:extLst>
+          </a:blip>
+          <a:stretch>
+            <a:fillRect/>
+          </a:stretch>
+        </p:blipFill>
         <p:spPr>
           <a:xfrm>
-            <a:off x="539552" y="2420888"/>
-            <a:ext cx="8229600" cy="1143000"/>
+            <a:off x="5124935" y="2413529"/>
+            <a:ext cx="3819525" cy="1381125"/>
           </a:xfrm>
+          <a:prstGeom prst="rect">
+            <a:avLst/>
+          </a:prstGeom>
         </p:spPr>
-        <p:txBody>
-          <a:bodyPr/>
+      </p:pic>
+      <p:sp>
+        <p:nvSpPr>
+          <p:cNvPr id="6" name="TextBox 5"/>
+          <p:cNvSpPr txBox="1"/>
+          <p:nvPr/>
+        </p:nvSpPr>
+        <p:spPr>
+          <a:xfrm>
+            <a:off x="1095097" y="2780927"/>
+            <a:ext cx="3827843" cy="646331"/>
+          </a:xfrm>
+          <a:prstGeom prst="rect">
+            <a:avLst/>
+          </a:prstGeom>
+          <a:noFill/>
+        </p:spPr>
+        <p:txBody>
+          <a:bodyPr wrap="none" rtlCol="0">
+            <a:spAutoFit/>
+          </a:bodyPr>
           <a:lstStyle/>
           <a:p>
             <a:r>
               <a:rPr lang="ru-RU" dirty="0" smtClean="0"/>
-              <a:t>Спасибо за внимание!</a:t>
+              <a:t>Количество записей в файле </a:t>
+            </a:r>
+          </a:p>
+          <a:p>
+            <a:r>
+              <a:rPr lang="ru-RU" dirty="0" smtClean="0"/>
+              <a:t>не превышает количество перевозок</a:t>
             </a:r>
             <a:endParaRPr lang="ru-RU" dirty="0"/>
           </a:p>
@@ -5207,31 +5629,261 @@
       </p:sp>
       <p:sp>
         <p:nvSpPr>
-          <p:cNvPr id="4" name="Номер слайда 3"/>
-          <p:cNvSpPr>
-            <a:spLocks noGrp="1"/>
-          </p:cNvSpPr>
-          <p:nvPr>
-            <p:ph type="sldNum" sz="quarter" idx="12"/>
-          </p:nvPr>
-        </p:nvSpPr>
-        <p:spPr/>
-        <p:txBody>
-          <a:bodyPr/>
-          <a:lstStyle/>
-          <a:p>
-            <a:fld id="{61BE07CB-EFF4-4703-B3C2-D7B73A5F42A0}" type="slidenum">
-              <a:rPr lang="ru-RU" smtClean="0"/>
-              <a:t>8</a:t>
-            </a:fld>
-            <a:endParaRPr lang="ru-RU"/>
+          <p:cNvPr id="7" name="TextBox 6"/>
+          <p:cNvSpPr txBox="1"/>
+          <p:nvPr/>
+        </p:nvSpPr>
+        <p:spPr>
+          <a:xfrm>
+            <a:off x="5914112" y="3794654"/>
+            <a:ext cx="2260362" cy="338554"/>
+          </a:xfrm>
+          <a:prstGeom prst="rect">
+            <a:avLst/>
+          </a:prstGeom>
+          <a:noFill/>
+        </p:spPr>
+        <p:txBody>
+          <a:bodyPr wrap="none" rtlCol="0">
+            <a:spAutoFit/>
+          </a:bodyPr>
+          <a:lstStyle/>
+          <a:p>
+            <a:r>
+              <a:rPr lang="ru-RU" sz="1600" dirty="0" smtClean="0"/>
+              <a:t>Формат файла времени</a:t>
+            </a:r>
+            <a:endParaRPr lang="ru-RU" sz="1600" dirty="0"/>
+          </a:p>
+        </p:txBody>
+      </p:sp>
+      <p:pic>
+        <p:nvPicPr>
+          <p:cNvPr id="8" name="Рисунок 7"/>
+          <p:cNvPicPr>
+            <a:picLocks noChangeAspect="1"/>
+          </p:cNvPicPr>
+          <p:nvPr/>
+        </p:nvPicPr>
+        <p:blipFill>
+          <a:blip r:embed="rId4">
+            <a:extLst>
+              <a:ext uri="{BEBA8EAE-BF5A-486C-A8C5-ECC9F3942E4B}">
+                <a14:imgProps xmlns:a14="http://schemas.microsoft.com/office/drawing/2010/main">
+                  <a14:imgLayer r:embed="rId5">
+                    <a14:imgEffect>
+                      <a14:saturation sat="0"/>
+                    </a14:imgEffect>
+                  </a14:imgLayer>
+                </a14:imgProps>
+              </a:ext>
+              <a:ext uri="{28A0092B-C50C-407E-A947-70E740481C1C}">
+                <a14:useLocalDpi xmlns:a14="http://schemas.microsoft.com/office/drawing/2010/main" val="0"/>
+              </a:ext>
+            </a:extLst>
+          </a:blip>
+          <a:stretch>
+            <a:fillRect/>
+          </a:stretch>
+        </p:blipFill>
+        <p:spPr>
+          <a:xfrm>
+            <a:off x="5148064" y="4312583"/>
+            <a:ext cx="3819525" cy="1752600"/>
+          </a:xfrm>
+          <a:prstGeom prst="rect">
+            <a:avLst/>
+          </a:prstGeom>
+        </p:spPr>
+      </p:pic>
+      <p:sp>
+        <p:nvSpPr>
+          <p:cNvPr id="9" name="TextBox 8"/>
+          <p:cNvSpPr txBox="1"/>
+          <p:nvPr/>
+        </p:nvSpPr>
+        <p:spPr>
+          <a:xfrm>
+            <a:off x="5937241" y="6065183"/>
+            <a:ext cx="2410660" cy="338554"/>
+          </a:xfrm>
+          <a:prstGeom prst="rect">
+            <a:avLst/>
+          </a:prstGeom>
+          <a:noFill/>
+        </p:spPr>
+        <p:txBody>
+          <a:bodyPr wrap="none" rtlCol="0">
+            <a:spAutoFit/>
+          </a:bodyPr>
+          <a:lstStyle/>
+          <a:p>
+            <a:r>
+              <a:rPr lang="ru-RU" sz="1600" dirty="0" smtClean="0"/>
+              <a:t>Формат файла перевозки</a:t>
+            </a:r>
+            <a:endParaRPr lang="ru-RU" sz="1600" dirty="0"/>
           </a:p>
         </p:txBody>
       </p:sp>
     </p:spTree>
     <p:extLst>
       <p:ext uri="{BB962C8B-B14F-4D97-AF65-F5344CB8AC3E}">
-        <p14:creationId xmlns:p14="http://schemas.microsoft.com/office/powerpoint/2010/main" val="3857655308"/>
+        <p14:creationId xmlns:p14="http://schemas.microsoft.com/office/powerpoint/2010/main" val="564455800"/>
+      </p:ext>
+    </p:extLst>
+  </p:cSld>
+  <p:clrMapOvr>
+    <a:masterClrMapping/>
+  </p:clrMapOvr>
+</p:sld>
+</file>
+
+<file path=ppt/slides/slide9.xml><?xml version="1.0" encoding="utf-8"?>
+<p:sld xmlns:a="http://schemas.openxmlformats.org/drawingml/2006/main" xmlns:r="http://schemas.openxmlformats.org/officeDocument/2006/relationships" xmlns:p="http://schemas.openxmlformats.org/presentationml/2006/main">
+  <p:cSld>
+    <p:spTree>
+      <p:nvGrpSpPr>
+        <p:cNvPr id="1" name=""/>
+        <p:cNvGrpSpPr/>
+        <p:nvPr/>
+      </p:nvGrpSpPr>
+      <p:grpSpPr>
+        <a:xfrm>
+          <a:off x="0" y="0"/>
+          <a:ext cx="0" cy="0"/>
+          <a:chOff x="0" y="0"/>
+          <a:chExt cx="0" cy="0"/>
+        </a:xfrm>
+      </p:grpSpPr>
+      <p:sp>
+        <p:nvSpPr>
+          <p:cNvPr id="2" name="Заголовок 1"/>
+          <p:cNvSpPr>
+            <a:spLocks noGrp="1"/>
+          </p:cNvSpPr>
+          <p:nvPr>
+            <p:ph type="title"/>
+          </p:nvPr>
+        </p:nvSpPr>
+        <p:spPr/>
+        <p:txBody>
+          <a:bodyPr>
+            <a:normAutofit fontScale="90000"/>
+          </a:bodyPr>
+          <a:lstStyle/>
+          <a:p>
+            <a:r>
+              <a:rPr lang="ru-RU" dirty="0"/>
+              <a:t>Анализ опасности. </a:t>
+            </a:r>
+            <a:r>
+              <a:rPr lang="ru-RU" dirty="0" smtClean="0"/>
+              <a:t>Расчёт химической обстановки </a:t>
+            </a:r>
+            <a:endParaRPr lang="ru-RU" dirty="0"/>
+          </a:p>
+        </p:txBody>
+      </p:sp>
+      <p:sp>
+        <p:nvSpPr>
+          <p:cNvPr id="3" name="Объект 2"/>
+          <p:cNvSpPr>
+            <a:spLocks noGrp="1"/>
+          </p:cNvSpPr>
+          <p:nvPr>
+            <p:ph idx="1"/>
+          </p:nvPr>
+        </p:nvSpPr>
+        <p:spPr>
+          <a:xfrm>
+            <a:off x="457200" y="1600200"/>
+            <a:ext cx="8219256" cy="1252736"/>
+          </a:xfrm>
+        </p:spPr>
+        <p:txBody>
+          <a:bodyPr>
+            <a:normAutofit/>
+          </a:bodyPr>
+          <a:lstStyle/>
+          <a:p>
+            <a:pPr marL="0" indent="0" algn="just">
+              <a:buNone/>
+            </a:pPr>
+            <a:r>
+              <a:rPr lang="ru-RU" sz="2400" dirty="0" smtClean="0"/>
+              <a:t>Производится по методике РД 52.04.253-90. Алгоритм позволяет определить площадь заражения, обезвреживающее вещество и его количество.</a:t>
+            </a:r>
+            <a:endParaRPr lang="ru-RU" dirty="0"/>
+          </a:p>
+        </p:txBody>
+      </p:sp>
+      <p:sp>
+        <p:nvSpPr>
+          <p:cNvPr id="4" name="Номер слайда 3"/>
+          <p:cNvSpPr>
+            <a:spLocks noGrp="1"/>
+          </p:cNvSpPr>
+          <p:nvPr>
+            <p:ph type="sldNum" sz="quarter" idx="12"/>
+          </p:nvPr>
+        </p:nvSpPr>
+        <p:spPr/>
+        <p:txBody>
+          <a:bodyPr/>
+          <a:lstStyle/>
+          <a:p>
+            <a:fld id="{61BE07CB-EFF4-4703-B3C2-D7B73A5F42A0}" type="slidenum">
+              <a:rPr lang="ru-RU" smtClean="0"/>
+              <a:t>9</a:t>
+            </a:fld>
+            <a:endParaRPr lang="ru-RU"/>
+          </a:p>
+        </p:txBody>
+      </p:sp>
+      <p:pic>
+        <p:nvPicPr>
+          <p:cNvPr id="7" name="Рисунок 6"/>
+          <p:cNvPicPr>
+            <a:picLocks noChangeAspect="1"/>
+          </p:cNvPicPr>
+          <p:nvPr/>
+        </p:nvPicPr>
+        <p:blipFill>
+          <a:blip r:embed="rId2">
+            <a:extLst>
+              <a:ext uri="{BEBA8EAE-BF5A-486C-A8C5-ECC9F3942E4B}">
+                <a14:imgProps xmlns:a14="http://schemas.microsoft.com/office/drawing/2010/main">
+                  <a14:imgLayer r:embed="rId3">
+                    <a14:imgEffect>
+                      <a14:saturation sat="0"/>
+                    </a14:imgEffect>
+                  </a14:imgLayer>
+                </a14:imgProps>
+              </a:ext>
+              <a:ext uri="{28A0092B-C50C-407E-A947-70E740481C1C}">
+                <a14:useLocalDpi xmlns:a14="http://schemas.microsoft.com/office/drawing/2010/main" val="0"/>
+              </a:ext>
+            </a:extLst>
+          </a:blip>
+          <a:stretch>
+            <a:fillRect/>
+          </a:stretch>
+        </p:blipFill>
+        <p:spPr>
+          <a:xfrm>
+            <a:off x="151421" y="3212976"/>
+            <a:ext cx="8782050" cy="2543175"/>
+          </a:xfrm>
+          <a:prstGeom prst="rect">
+            <a:avLst/>
+          </a:prstGeom>
+        </p:spPr>
+      </p:pic>
+    </p:spTree>
+    <p:extLst>
+      <p:ext uri="{BB962C8B-B14F-4D97-AF65-F5344CB8AC3E}">
+        <p14:creationId xmlns:p14="http://schemas.microsoft.com/office/powerpoint/2010/main" val="79784137"/>
       </p:ext>
     </p:extLst>
   </p:cSld>

--- a/РПЗ/Презентация.pptx
+++ b/РПЗ/Презентация.pptx
@@ -5,20 +5,23 @@
     <p:sldMasterId id="2147483744" r:id="rId1"/>
   </p:sldMasterIdLst>
   <p:notesMasterIdLst>
-    <p:notesMasterId r:id="rId13"/>
+    <p:notesMasterId r:id="rId16"/>
   </p:notesMasterIdLst>
   <p:sldIdLst>
     <p:sldId id="256" r:id="rId2"/>
-    <p:sldId id="266" r:id="rId3"/>
-    <p:sldId id="267" r:id="rId4"/>
-    <p:sldId id="259" r:id="rId5"/>
-    <p:sldId id="270" r:id="rId6"/>
-    <p:sldId id="268" r:id="rId7"/>
-    <p:sldId id="269" r:id="rId8"/>
-    <p:sldId id="271" r:id="rId9"/>
-    <p:sldId id="272" r:id="rId10"/>
-    <p:sldId id="273" r:id="rId11"/>
-    <p:sldId id="265" r:id="rId12"/>
+    <p:sldId id="274" r:id="rId3"/>
+    <p:sldId id="266" r:id="rId4"/>
+    <p:sldId id="275" r:id="rId5"/>
+    <p:sldId id="276" r:id="rId6"/>
+    <p:sldId id="267" r:id="rId7"/>
+    <p:sldId id="277" r:id="rId8"/>
+    <p:sldId id="268" r:id="rId9"/>
+    <p:sldId id="269" r:id="rId10"/>
+    <p:sldId id="280" r:id="rId11"/>
+    <p:sldId id="273" r:id="rId12"/>
+    <p:sldId id="278" r:id="rId13"/>
+    <p:sldId id="279" r:id="rId14"/>
+    <p:sldId id="265" r:id="rId15"/>
   </p:sldIdLst>
   <p:sldSz cx="9144000" cy="6858000" type="screen4x3"/>
   <p:notesSz cx="6858000" cy="9144000"/>
@@ -202,7 +205,7 @@
           <a:p>
             <a:fld id="{C730F506-EF63-4341-AF7B-F6DB2EA94D2D}" type="datetimeFigureOut">
               <a:rPr lang="ru-RU" smtClean="0"/>
-              <a:t>20.05.2015</a:t>
+              <a:t>30.05.2015</a:t>
             </a:fld>
             <a:endParaRPr lang="ru-RU"/>
           </a:p>
@@ -651,7 +654,7 @@
           <a:p>
             <a:fld id="{4E25848D-CB8C-4FE8-A10A-D947B21F1304}" type="datetime1">
               <a:rPr lang="ru-RU" smtClean="0"/>
-              <a:t>20.05.2015</a:t>
+              <a:t>30.05.2015</a:t>
             </a:fld>
             <a:endParaRPr lang="ru-RU"/>
           </a:p>
@@ -821,7 +824,7 @@
           <a:p>
             <a:fld id="{5E475643-127F-4557-9492-20E6AB57BAF5}" type="datetime1">
               <a:rPr lang="ru-RU" smtClean="0"/>
-              <a:t>20.05.2015</a:t>
+              <a:t>30.05.2015</a:t>
             </a:fld>
             <a:endParaRPr lang="ru-RU"/>
           </a:p>
@@ -1001,7 +1004,7 @@
           <a:p>
             <a:fld id="{F0321801-3379-4C6F-AEF1-F0CEEA4618BD}" type="datetime1">
               <a:rPr lang="ru-RU" smtClean="0"/>
-              <a:t>20.05.2015</a:t>
+              <a:t>30.05.2015</a:t>
             </a:fld>
             <a:endParaRPr lang="ru-RU"/>
           </a:p>
@@ -1171,7 +1174,7 @@
           <a:p>
             <a:fld id="{AEE6A114-20B6-4466-BD8E-EA0F33E87D9D}" type="datetime1">
               <a:rPr lang="ru-RU" smtClean="0"/>
-              <a:t>20.05.2015</a:t>
+              <a:t>30.05.2015</a:t>
             </a:fld>
             <a:endParaRPr lang="ru-RU"/>
           </a:p>
@@ -1417,7 +1420,7 @@
           <a:p>
             <a:fld id="{45EC15D3-8E54-4002-AA50-19E6FA2B2DB8}" type="datetime1">
               <a:rPr lang="ru-RU" smtClean="0"/>
-              <a:t>20.05.2015</a:t>
+              <a:t>30.05.2015</a:t>
             </a:fld>
             <a:endParaRPr lang="ru-RU"/>
           </a:p>
@@ -1705,7 +1708,7 @@
           <a:p>
             <a:fld id="{97BF2791-FC52-465E-975E-61B6523C0B9E}" type="datetime1">
               <a:rPr lang="ru-RU" smtClean="0"/>
-              <a:t>20.05.2015</a:t>
+              <a:t>30.05.2015</a:t>
             </a:fld>
             <a:endParaRPr lang="ru-RU"/>
           </a:p>
@@ -2127,7 +2130,7 @@
           <a:p>
             <a:fld id="{DA7728D6-C8AD-432D-9C2F-616A89722BC0}" type="datetime1">
               <a:rPr lang="ru-RU" smtClean="0"/>
-              <a:t>20.05.2015</a:t>
+              <a:t>30.05.2015</a:t>
             </a:fld>
             <a:endParaRPr lang="ru-RU"/>
           </a:p>
@@ -2245,7 +2248,7 @@
           <a:p>
             <a:fld id="{A1B9300E-CD00-40EC-B082-FA4253D1643D}" type="datetime1">
               <a:rPr lang="ru-RU" smtClean="0"/>
-              <a:t>20.05.2015</a:t>
+              <a:t>30.05.2015</a:t>
             </a:fld>
             <a:endParaRPr lang="ru-RU"/>
           </a:p>
@@ -2340,7 +2343,7 @@
           <a:p>
             <a:fld id="{9AE6DE28-9DDF-4513-AF17-CF750CE20313}" type="datetime1">
               <a:rPr lang="ru-RU" smtClean="0"/>
-              <a:t>20.05.2015</a:t>
+              <a:t>30.05.2015</a:t>
             </a:fld>
             <a:endParaRPr lang="ru-RU"/>
           </a:p>
@@ -2617,7 +2620,7 @@
           <a:p>
             <a:fld id="{904DEBEB-9F1A-4B4D-A93B-9F07D00B81CE}" type="datetime1">
               <a:rPr lang="ru-RU" smtClean="0"/>
-              <a:t>20.05.2015</a:t>
+              <a:t>30.05.2015</a:t>
             </a:fld>
             <a:endParaRPr lang="ru-RU"/>
           </a:p>
@@ -2870,7 +2873,7 @@
           <a:p>
             <a:fld id="{5FA49091-EF67-49C9-A9B0-5183862871E9}" type="datetime1">
               <a:rPr lang="ru-RU" smtClean="0"/>
-              <a:t>20.05.2015</a:t>
+              <a:t>30.05.2015</a:t>
             </a:fld>
             <a:endParaRPr lang="ru-RU"/>
           </a:p>
@@ -3083,7 +3086,7 @@
           <a:p>
             <a:fld id="{13F5BCA4-39B8-47F0-88D6-DB717347CF39}" type="datetime1">
               <a:rPr lang="ru-RU" smtClean="0"/>
-              <a:t>20.05.2015</a:t>
+              <a:t>30.05.2015</a:t>
             </a:fld>
             <a:endParaRPr lang="ru-RU"/>
           </a:p>
@@ -3471,7 +3474,7 @@
         </p:nvSpPr>
         <p:spPr>
           <a:xfrm>
-            <a:off x="755576" y="3380553"/>
+            <a:off x="731994" y="2204864"/>
             <a:ext cx="7772400" cy="1470025"/>
           </a:xfrm>
         </p:spPr>
@@ -3483,7 +3486,19 @@
           <a:p>
             <a:r>
               <a:rPr lang="ru-RU" sz="2400" dirty="0"/>
-              <a:t>Автоматизированная информационная система контроля перемещения автотранспортных средств, перевозящих аварийные химически опасные грузы.</a:t>
+              <a:t>Автоматизированная информационная система контроля перемещения автотранспортных средств, перевозящих </a:t>
+            </a:r>
+            <a:r>
+              <a:rPr lang="ru-RU" sz="2400" dirty="0" err="1" smtClean="0"/>
+              <a:t>аварийно</a:t>
+            </a:r>
+            <a:r>
+              <a:rPr lang="ru-RU" sz="2400" dirty="0" smtClean="0"/>
+              <a:t> </a:t>
+            </a:r>
+            <a:r>
+              <a:rPr lang="ru-RU" sz="2400" dirty="0"/>
+              <a:t>химически опасные грузы.</a:t>
             </a:r>
           </a:p>
         </p:txBody>
@@ -3500,7 +3515,7 @@
         </p:nvSpPr>
         <p:spPr>
           <a:xfrm>
-            <a:off x="1331640" y="2420888"/>
+            <a:off x="1331640" y="836712"/>
             <a:ext cx="6400800" cy="1224136"/>
           </a:xfrm>
         </p:spPr>
@@ -3509,10 +3524,18 @@
           <a:lstStyle/>
           <a:p>
             <a:r>
-              <a:rPr lang="ru-RU" dirty="0" smtClean="0"/>
+              <a:rPr lang="ru-RU" dirty="0" smtClean="0">
+                <a:solidFill>
+                  <a:schemeClr val="tx1"/>
+                </a:solidFill>
+              </a:rPr>
               <a:t>Квалификационная работа бакалавра на тему:</a:t>
             </a:r>
-            <a:endParaRPr lang="ru-RU" dirty="0"/>
+            <a:endParaRPr lang="ru-RU" dirty="0">
+              <a:solidFill>
+                <a:schemeClr val="tx1"/>
+              </a:solidFill>
+            </a:endParaRPr>
           </a:p>
         </p:txBody>
       </p:sp>
@@ -3524,8 +3547,8 @@
         </p:nvSpPr>
         <p:spPr>
           <a:xfrm>
-            <a:off x="2369654" y="5013176"/>
-            <a:ext cx="6595332" cy="646331"/>
+            <a:off x="3639234" y="4366845"/>
+            <a:ext cx="5325752" cy="646331"/>
           </a:xfrm>
           <a:prstGeom prst="rect">
             <a:avLst/>
@@ -3541,558 +3564,29 @@
             <a:pPr algn="r"/>
             <a:r>
               <a:rPr lang="ru-RU" dirty="0" smtClean="0"/>
-              <a:t>       Выполнил: Пахомов Александр Александрович, ИУ7-81</a:t>
-            </a:r>
+              <a:t>Студент: </a:t>
+            </a:r>
+            <a:r>
+              <a:rPr lang="ru-RU" dirty="0" smtClean="0"/>
+              <a:t>Пахомов Александр </a:t>
+            </a:r>
+            <a:r>
+              <a:rPr lang="ru-RU" dirty="0" smtClean="0"/>
+              <a:t>Александрович</a:t>
+            </a:r>
+            <a:endParaRPr lang="ru-RU" dirty="0" smtClean="0"/>
           </a:p>
           <a:p>
             <a:pPr algn="r"/>
             <a:r>
               <a:rPr lang="ru-RU" dirty="0" smtClean="0"/>
-              <a:t>	Руководитель: Волкова Лилия Леонидовна	                 </a:t>
+              <a:t>	Руководитель: Волкова Лилия </a:t>
+            </a:r>
+            <a:r>
+              <a:rPr lang="ru-RU" dirty="0" smtClean="0"/>
+              <a:t>Леонидовна</a:t>
             </a:r>
             <a:endParaRPr lang="ru-RU" dirty="0"/>
-          </a:p>
-        </p:txBody>
-      </p:sp>
-      <p:graphicFrame>
-        <p:nvGraphicFramePr>
-          <p:cNvPr id="5" name="Таблица 4"/>
-          <p:cNvGraphicFramePr>
-            <a:graphicFrameLocks noGrp="1"/>
-          </p:cNvGraphicFramePr>
-          <p:nvPr>
-            <p:extLst>
-              <p:ext uri="{D42A27DB-BD31-4B8C-83A1-F6EECF244321}">
-                <p14:modId xmlns:p14="http://schemas.microsoft.com/office/powerpoint/2010/main" val="71745671"/>
-              </p:ext>
-            </p:extLst>
-          </p:nvPr>
-        </p:nvGraphicFramePr>
-        <p:xfrm>
-          <a:off x="1364145" y="476672"/>
-          <a:ext cx="6389370" cy="888492"/>
-        </p:xfrm>
-        <a:graphic>
-          <a:graphicData uri="http://schemas.openxmlformats.org/drawingml/2006/table">
-            <a:tbl>
-              <a:tblPr firstRow="1" firstCol="1" bandRow="1">
-                <a:tableStyleId>{5C22544A-7EE6-4342-B048-85BDC9FD1C3A}</a:tableStyleId>
-              </a:tblPr>
-              <a:tblGrid>
-                <a:gridCol w="1438275"/>
-                <a:gridCol w="4951095"/>
-              </a:tblGrid>
-              <a:tr h="0">
-                <a:tc>
-                  <a:txBody>
-                    <a:bodyPr/>
-                    <a:lstStyle/>
-                    <a:p>
-                      <a:pPr algn="ctr">
-                        <a:lnSpc>
-                          <a:spcPct val="115000"/>
-                        </a:lnSpc>
-                        <a:spcBef>
-                          <a:spcPts val="1200"/>
-                        </a:spcBef>
-                        <a:spcAft>
-                          <a:spcPts val="1200"/>
-                        </a:spcAft>
-                      </a:pPr>
-                      <a:endParaRPr lang="ru-RU" sz="1000" dirty="0">
-                        <a:effectLst/>
-                        <a:latin typeface="Times New Roman"/>
-                        <a:ea typeface="Times New Roman"/>
-                      </a:endParaRPr>
-                    </a:p>
-                  </a:txBody>
-                  <a:tcPr marL="68580" marR="68580" marT="0" marB="0" anchor="ctr">
-                    <a:noFill/>
-                  </a:tcPr>
-                </a:tc>
-                <a:tc>
-                  <a:txBody>
-                    <a:bodyPr/>
-                    <a:lstStyle/>
-                    <a:p>
-                      <a:pPr algn="ctr">
-                        <a:lnSpc>
-                          <a:spcPct val="115000"/>
-                        </a:lnSpc>
-                        <a:spcBef>
-                          <a:spcPts val="600"/>
-                        </a:spcBef>
-                        <a:spcAft>
-                          <a:spcPts val="600"/>
-                        </a:spcAft>
-                      </a:pPr>
-                      <a:r>
-                        <a:rPr lang="ru-RU" sz="1400" dirty="0">
-                          <a:effectLst/>
-                        </a:rPr>
-                        <a:t>«Московский государственный технический университет </a:t>
-                      </a:r>
-                      <a:br>
-                        <a:rPr lang="ru-RU" sz="1400" dirty="0">
-                          <a:effectLst/>
-                        </a:rPr>
-                      </a:br>
-                      <a:r>
-                        <a:rPr lang="ru-RU" sz="1400" dirty="0">
-                          <a:effectLst/>
-                        </a:rPr>
-                        <a:t>имени Н.Э. Баумана»</a:t>
-                      </a:r>
-                      <a:endParaRPr lang="ru-RU" sz="1000" dirty="0">
-                        <a:effectLst/>
-                      </a:endParaRPr>
-                    </a:p>
-                    <a:p>
-                      <a:pPr algn="ctr">
-                        <a:lnSpc>
-                          <a:spcPct val="115000"/>
-                        </a:lnSpc>
-                        <a:spcBef>
-                          <a:spcPts val="600"/>
-                        </a:spcBef>
-                        <a:spcAft>
-                          <a:spcPts val="600"/>
-                        </a:spcAft>
-                      </a:pPr>
-                      <a:r>
-                        <a:rPr lang="ru-RU" sz="1400" dirty="0">
-                          <a:effectLst/>
-                        </a:rPr>
-                        <a:t>(МГТУ им. Н.Э. Баумана)</a:t>
-                      </a:r>
-                      <a:endParaRPr lang="ru-RU" sz="1000" dirty="0">
-                        <a:effectLst/>
-                        <a:latin typeface="Times New Roman"/>
-                        <a:ea typeface="Times New Roman"/>
-                      </a:endParaRPr>
-                    </a:p>
-                  </a:txBody>
-                  <a:tcPr marL="68580" marR="68580" marT="0" marB="0" anchor="ctr">
-                    <a:solidFill>
-                      <a:schemeClr val="bg1">
-                        <a:lumMod val="75000"/>
-                      </a:schemeClr>
-                    </a:solidFill>
-                  </a:tcPr>
-                </a:tc>
-              </a:tr>
-            </a:tbl>
-          </a:graphicData>
-        </a:graphic>
-      </p:graphicFrame>
-      <p:sp>
-        <p:nvSpPr>
-          <p:cNvPr id="6" name="Rectangle 2"/>
-          <p:cNvSpPr>
-            <a:spLocks noChangeArrowheads="1"/>
-          </p:cNvSpPr>
-          <p:nvPr/>
-        </p:nvSpPr>
-        <p:spPr bwMode="auto">
-          <a:xfrm>
-            <a:off x="1619672" y="206732"/>
-            <a:ext cx="6778564" cy="276999"/>
-          </a:xfrm>
-          <a:prstGeom prst="rect">
-            <a:avLst/>
-          </a:prstGeom>
-          <a:noFill/>
-          <a:ln>
-            <a:noFill/>
-          </a:ln>
-          <a:effectLst/>
-          <a:extLst>
-            <a:ext uri="{909E8E84-426E-40DD-AFC4-6F175D3DCCD1}">
-              <a14:hiddenFill xmlns:a14="http://schemas.microsoft.com/office/drawing/2010/main">
-                <a:solidFill>
-                  <a:schemeClr val="accent1"/>
-                </a:solidFill>
-              </a14:hiddenFill>
-            </a:ext>
-            <a:ext uri="{91240B29-F687-4F45-9708-019B960494DF}">
-              <a14:hiddenLine xmlns:a14="http://schemas.microsoft.com/office/drawing/2010/main" w="9525">
-                <a:solidFill>
-                  <a:schemeClr val="tx1"/>
-                </a:solidFill>
-                <a:miter lim="800000"/>
-                <a:headEnd/>
-                <a:tailEnd/>
-              </a14:hiddenLine>
-            </a:ext>
-            <a:ext uri="{AF507438-7753-43E0-B8FC-AC1667EBCBE1}">
-              <a14:hiddenEffects xmlns:a14="http://schemas.microsoft.com/office/drawing/2010/main">
-                <a:effectLst>
-                  <a:outerShdw dist="35921" dir="2700000" algn="ctr" rotWithShape="0">
-                    <a:schemeClr val="bg2"/>
-                  </a:outerShdw>
-                </a:effectLst>
-              </a14:hiddenEffects>
-            </a:ext>
-          </a:extLst>
-        </p:spPr>
-        <p:txBody>
-          <a:bodyPr vert="horz" wrap="square" lIns="91440" tIns="45720" rIns="91440" bIns="45720" numCol="1" anchor="ctr" anchorCtr="0" compatLnSpc="1">
-            <a:prstTxWarp prst="textNoShape">
-              <a:avLst/>
-            </a:prstTxWarp>
-            <a:spAutoFit/>
-          </a:bodyPr>
-          <a:lstStyle/>
-          <a:p>
-            <a:pPr marL="0" marR="0" lvl="0" indent="0" algn="just" defTabSz="914400" rtl="0" eaLnBrk="1" fontAlgn="base" latinLnBrk="0" hangingPunct="1">
-              <a:lnSpc>
-                <a:spcPct val="100000"/>
-              </a:lnSpc>
-              <a:spcBef>
-                <a:spcPct val="0"/>
-              </a:spcBef>
-              <a:spcAft>
-                <a:spcPct val="0"/>
-              </a:spcAft>
-              <a:buClrTx/>
-              <a:buSzTx/>
-              <a:buFontTx/>
-              <a:buNone/>
-              <a:tabLst/>
-            </a:pPr>
-            <a:r>
-              <a:rPr kumimoji="0" lang="ru-RU" sz="1200" b="0" i="0" u="none" strike="noStrike" cap="none" normalizeH="0" baseline="0" dirty="0" smtClean="0">
-                <a:ln>
-                  <a:noFill/>
-                </a:ln>
-                <a:solidFill>
-                  <a:srgbClr val="17365D"/>
-                </a:solidFill>
-                <a:effectLst/>
-                <a:latin typeface="Times New Roman" pitchFamily="18" charset="0"/>
-                <a:ea typeface="Times New Roman" pitchFamily="18" charset="0"/>
-                <a:cs typeface="Times New Roman" pitchFamily="18" charset="0"/>
-              </a:rPr>
-              <a:t>Государственное образовательное учреждение высшего профессионального образования</a:t>
-            </a:r>
-            <a:endParaRPr kumimoji="0" lang="ru-RU" sz="1800" b="0" i="0" u="none" strike="noStrike" cap="none" normalizeH="0" baseline="0" dirty="0" smtClean="0">
-              <a:ln>
-                <a:noFill/>
-              </a:ln>
-              <a:solidFill>
-                <a:schemeClr val="tx1"/>
-              </a:solidFill>
-              <a:effectLst/>
-              <a:latin typeface="Arial" pitchFamily="34" charset="0"/>
-              <a:cs typeface="Arial" pitchFamily="34" charset="0"/>
-            </a:endParaRPr>
-          </a:p>
-        </p:txBody>
-      </p:sp>
-      <p:pic>
-        <p:nvPicPr>
-          <p:cNvPr id="1025" name="Рисунок 1" descr="Описание: Описание: Gerb-BMSTU_01"/>
-          <p:cNvPicPr>
-            <a:picLocks noChangeAspect="1" noChangeArrowheads="1"/>
-          </p:cNvPicPr>
-          <p:nvPr/>
-        </p:nvPicPr>
-        <p:blipFill>
-          <a:blip r:embed="rId2">
-            <a:extLst>
-              <a:ext uri="{28A0092B-C50C-407E-A947-70E740481C1C}">
-                <a14:useLocalDpi xmlns:a14="http://schemas.microsoft.com/office/drawing/2010/main" val="0"/>
-              </a:ext>
-            </a:extLst>
-          </a:blip>
-          <a:srcRect/>
-          <a:stretch>
-            <a:fillRect/>
-          </a:stretch>
-        </p:blipFill>
-        <p:spPr bwMode="auto">
-          <a:xfrm>
-            <a:off x="1750291" y="493280"/>
-            <a:ext cx="733425" cy="828675"/>
-          </a:xfrm>
-          <a:prstGeom prst="rect">
-            <a:avLst/>
-          </a:prstGeom>
-          <a:noFill/>
-          <a:extLst>
-            <a:ext uri="{909E8E84-426E-40DD-AFC4-6F175D3DCCD1}">
-              <a14:hiddenFill xmlns:a14="http://schemas.microsoft.com/office/drawing/2010/main">
-                <a:solidFill>
-                  <a:srgbClr val="FFFFFF"/>
-                </a:solidFill>
-              </a14:hiddenFill>
-            </a:ext>
-          </a:extLst>
-        </p:spPr>
-      </p:pic>
-      <p:sp>
-        <p:nvSpPr>
-          <p:cNvPr id="7" name="Rectangle 3"/>
-          <p:cNvSpPr>
-            <a:spLocks noChangeArrowheads="1"/>
-          </p:cNvSpPr>
-          <p:nvPr/>
-        </p:nvSpPr>
-        <p:spPr bwMode="auto">
-          <a:xfrm>
-            <a:off x="1331640" y="1438618"/>
-            <a:ext cx="6866458" cy="830997"/>
-          </a:xfrm>
-          <a:prstGeom prst="rect">
-            <a:avLst/>
-          </a:prstGeom>
-          <a:solidFill>
-            <a:srgbClr val="FFFFFF"/>
-          </a:solidFill>
-          <a:ln>
-            <a:noFill/>
-          </a:ln>
-          <a:effectLst/>
-          <a:extLst>
-            <a:ext uri="{91240B29-F687-4F45-9708-019B960494DF}">
-              <a14:hiddenLine xmlns:a14="http://schemas.microsoft.com/office/drawing/2010/main" w="9525">
-                <a:solidFill>
-                  <a:schemeClr val="tx1"/>
-                </a:solidFill>
-                <a:miter lim="800000"/>
-                <a:headEnd/>
-                <a:tailEnd/>
-              </a14:hiddenLine>
-            </a:ext>
-            <a:ext uri="{AF507438-7753-43E0-B8FC-AC1667EBCBE1}">
-              <a14:hiddenEffects xmlns:a14="http://schemas.microsoft.com/office/drawing/2010/main">
-                <a:effectLst>
-                  <a:outerShdw dist="35921" dir="2700000" algn="ctr" rotWithShape="0">
-                    <a:schemeClr val="bg2"/>
-                  </a:outerShdw>
-                </a:effectLst>
-              </a14:hiddenEffects>
-            </a:ext>
-          </a:extLst>
-        </p:spPr>
-        <p:txBody>
-          <a:bodyPr vert="horz" wrap="square" lIns="91440" tIns="45720" rIns="91440" bIns="45720" numCol="1" anchor="ctr" anchorCtr="0" compatLnSpc="1">
-            <a:prstTxWarp prst="textNoShape">
-              <a:avLst/>
-            </a:prstTxWarp>
-            <a:spAutoFit/>
-          </a:bodyPr>
-          <a:lstStyle/>
-          <a:p>
-            <a:pPr marL="0" marR="0" lvl="0" indent="0" algn="just" defTabSz="914400" rtl="0" eaLnBrk="1" fontAlgn="base" latinLnBrk="0" hangingPunct="1">
-              <a:lnSpc>
-                <a:spcPct val="100000"/>
-              </a:lnSpc>
-              <a:spcBef>
-                <a:spcPct val="0"/>
-              </a:spcBef>
-              <a:spcAft>
-                <a:spcPct val="0"/>
-              </a:spcAft>
-              <a:buClrTx/>
-              <a:buSzTx/>
-              <a:buFontTx/>
-              <a:buNone/>
-              <a:tabLst/>
-            </a:pPr>
-            <a:endParaRPr kumimoji="0" lang="ru-RU" sz="1400" b="1" i="0" u="none" strike="noStrike" cap="none" normalizeH="0" baseline="0" dirty="0" smtClean="0">
-              <a:ln>
-                <a:noFill/>
-              </a:ln>
-              <a:solidFill>
-                <a:schemeClr val="tx1"/>
-              </a:solidFill>
-              <a:effectLst/>
-              <a:latin typeface="Arial" pitchFamily="34" charset="0"/>
-              <a:ea typeface="Times New Roman" pitchFamily="18" charset="0"/>
-              <a:cs typeface="Arial" pitchFamily="34" charset="0"/>
-            </a:endParaRPr>
-          </a:p>
-          <a:p>
-            <a:pPr marL="0" marR="0" lvl="0" indent="0" algn="just" defTabSz="914400" rtl="0" eaLnBrk="0" fontAlgn="base" latinLnBrk="0" hangingPunct="0">
-              <a:lnSpc>
-                <a:spcPct val="100000"/>
-              </a:lnSpc>
-              <a:spcBef>
-                <a:spcPct val="0"/>
-              </a:spcBef>
-              <a:spcAft>
-                <a:spcPct val="0"/>
-              </a:spcAft>
-              <a:buClrTx/>
-              <a:buSzTx/>
-              <a:buFontTx/>
-              <a:buNone/>
-              <a:tabLst/>
-            </a:pPr>
-            <a:r>
-              <a:rPr kumimoji="0" lang="ru-RU" sz="1400" b="1" i="0" u="none" strike="noStrike" cap="none" normalizeH="0" baseline="0" dirty="0" smtClean="0">
-                <a:ln>
-                  <a:noFill/>
-                </a:ln>
-                <a:solidFill>
-                  <a:schemeClr val="tx1"/>
-                </a:solidFill>
-                <a:effectLst/>
-                <a:latin typeface="Arial" pitchFamily="34" charset="0"/>
-                <a:ea typeface="Times New Roman" pitchFamily="18" charset="0"/>
-                <a:cs typeface="Arial" pitchFamily="34" charset="0"/>
-              </a:rPr>
-              <a:t>ФАКУЛЬТЕТ</a:t>
-            </a:r>
-            <a:r>
-              <a:rPr kumimoji="0" lang="ru-RU" sz="1400" b="0" i="0" u="none" strike="noStrike" cap="none" normalizeH="0" baseline="0" dirty="0" smtClean="0">
-                <a:ln>
-                  <a:noFill/>
-                </a:ln>
-                <a:solidFill>
-                  <a:schemeClr val="tx1"/>
-                </a:solidFill>
-                <a:effectLst/>
-                <a:latin typeface="Arial" pitchFamily="34" charset="0"/>
-                <a:ea typeface="Times New Roman" pitchFamily="18" charset="0"/>
-                <a:cs typeface="Arial" pitchFamily="34" charset="0"/>
-              </a:rPr>
-              <a:t> Информатика и системы управления</a:t>
-            </a:r>
-          </a:p>
-          <a:p>
-            <a:pPr marL="0" marR="0" lvl="0" indent="0" algn="just" defTabSz="914400" rtl="0" eaLnBrk="0" fontAlgn="base" latinLnBrk="0" hangingPunct="0">
-              <a:lnSpc>
-                <a:spcPct val="100000"/>
-              </a:lnSpc>
-              <a:spcBef>
-                <a:spcPct val="0"/>
-              </a:spcBef>
-              <a:spcAft>
-                <a:spcPct val="0"/>
-              </a:spcAft>
-              <a:buClrTx/>
-              <a:buSzTx/>
-              <a:buFontTx/>
-              <a:buNone/>
-              <a:tabLst/>
-            </a:pPr>
-            <a:endParaRPr kumimoji="0" lang="ru-RU" sz="600" b="0" i="0" u="none" strike="noStrike" cap="none" normalizeH="0" baseline="0" dirty="0" smtClean="0">
-              <a:ln>
-                <a:noFill/>
-              </a:ln>
-              <a:solidFill>
-                <a:schemeClr val="tx1"/>
-              </a:solidFill>
-              <a:effectLst/>
-              <a:latin typeface="Arial" pitchFamily="34" charset="0"/>
-              <a:cs typeface="Arial" pitchFamily="34" charset="0"/>
-            </a:endParaRPr>
-          </a:p>
-          <a:p>
-            <a:pPr marL="0" marR="0" lvl="0" indent="0" algn="just" defTabSz="914400" rtl="0" eaLnBrk="0" fontAlgn="base" latinLnBrk="0" hangingPunct="0">
-              <a:lnSpc>
-                <a:spcPct val="100000"/>
-              </a:lnSpc>
-              <a:spcBef>
-                <a:spcPct val="0"/>
-              </a:spcBef>
-              <a:spcAft>
-                <a:spcPct val="0"/>
-              </a:spcAft>
-              <a:buClrTx/>
-              <a:buSzTx/>
-              <a:buFontTx/>
-              <a:buNone/>
-              <a:tabLst/>
-            </a:pPr>
-            <a:r>
-              <a:rPr kumimoji="0" lang="ru-RU" sz="1400" b="1" i="0" u="none" strike="noStrike" cap="none" normalizeH="0" baseline="0" dirty="0" smtClean="0">
-                <a:ln>
-                  <a:noFill/>
-                </a:ln>
-                <a:solidFill>
-                  <a:schemeClr val="tx1"/>
-                </a:solidFill>
-                <a:effectLst/>
-                <a:latin typeface="Arial" pitchFamily="34" charset="0"/>
-                <a:ea typeface="Times New Roman" pitchFamily="18" charset="0"/>
-                <a:cs typeface="Arial" pitchFamily="34" charset="0"/>
-              </a:rPr>
-              <a:t>КАФЕДРА</a:t>
-            </a:r>
-            <a:r>
-              <a:rPr kumimoji="0" lang="ru-RU" sz="1400" b="0" i="0" u="none" strike="noStrike" cap="none" normalizeH="0" baseline="0" dirty="0" smtClean="0">
-                <a:ln>
-                  <a:noFill/>
-                </a:ln>
-                <a:solidFill>
-                  <a:schemeClr val="tx1"/>
-                </a:solidFill>
-                <a:effectLst/>
-                <a:latin typeface="Arial" pitchFamily="34" charset="0"/>
-                <a:ea typeface="Times New Roman" pitchFamily="18" charset="0"/>
-                <a:cs typeface="Arial" pitchFamily="34" charset="0"/>
-              </a:rPr>
-              <a:t> </a:t>
-            </a:r>
-            <a:r>
-              <a:rPr kumimoji="0" lang="ru-RU" sz="1400" b="0" i="0" u="none" strike="noStrike" cap="none" normalizeH="0" baseline="0" dirty="0" smtClean="0">
-                <a:ln>
-                  <a:noFill/>
-                </a:ln>
-                <a:solidFill>
-                  <a:srgbClr val="000000"/>
-                </a:solidFill>
-                <a:effectLst/>
-                <a:latin typeface="Arial" pitchFamily="34" charset="0"/>
-                <a:ea typeface="Times New Roman" pitchFamily="18" charset="0"/>
-                <a:cs typeface="Arial" pitchFamily="34" charset="0"/>
-              </a:rPr>
-              <a:t>Программное</a:t>
-            </a:r>
-            <a:r>
-              <a:rPr kumimoji="0" lang="ru-RU" sz="1200" b="0" i="0" u="none" strike="noStrike" cap="none" normalizeH="0" baseline="0" dirty="0" smtClean="0">
-                <a:ln>
-                  <a:noFill/>
-                </a:ln>
-                <a:solidFill>
-                  <a:srgbClr val="000000"/>
-                </a:solidFill>
-                <a:effectLst/>
-                <a:latin typeface="Arial" pitchFamily="34" charset="0"/>
-                <a:ea typeface="Times New Roman" pitchFamily="18" charset="0"/>
-                <a:cs typeface="Arial" pitchFamily="34" charset="0"/>
-              </a:rPr>
-              <a:t> </a:t>
-            </a:r>
-            <a:r>
-              <a:rPr kumimoji="0" lang="ru-RU" sz="1400" b="0" i="0" u="none" strike="noStrike" cap="none" normalizeH="0" baseline="0" dirty="0" smtClean="0">
-                <a:ln>
-                  <a:noFill/>
-                </a:ln>
-                <a:solidFill>
-                  <a:srgbClr val="000000"/>
-                </a:solidFill>
-                <a:effectLst/>
-                <a:latin typeface="Arial" pitchFamily="34" charset="0"/>
-                <a:ea typeface="Times New Roman" pitchFamily="18" charset="0"/>
-                <a:cs typeface="Arial" pitchFamily="34" charset="0"/>
-              </a:rPr>
-              <a:t>обеспечение ЭВМ и информационные технологии</a:t>
-            </a:r>
-            <a:endParaRPr kumimoji="0" lang="ru-RU" sz="1800" b="0" i="0" u="none" strike="noStrike" cap="none" normalizeH="0" baseline="0" dirty="0" smtClean="0">
-              <a:ln>
-                <a:noFill/>
-              </a:ln>
-              <a:solidFill>
-                <a:schemeClr val="tx1"/>
-              </a:solidFill>
-              <a:effectLst/>
-              <a:latin typeface="Arial" pitchFamily="34" charset="0"/>
-              <a:cs typeface="Arial" pitchFamily="34" charset="0"/>
-            </a:endParaRPr>
           </a:p>
         </p:txBody>
       </p:sp>
@@ -4199,16 +3693,26 @@
             <p:ph type="title"/>
           </p:nvPr>
         </p:nvSpPr>
-        <p:spPr/>
-        <p:txBody>
-          <a:bodyPr/>
-          <a:lstStyle/>
-          <a:p>
-            <a:r>
-              <a:rPr lang="ru-RU" dirty="0" smtClean="0"/>
-              <a:t>Координирование сил МЧС</a:t>
-            </a:r>
-            <a:endParaRPr lang="ru-RU" dirty="0"/>
+        <p:spPr>
+          <a:xfrm>
+            <a:off x="467544" y="44624"/>
+            <a:ext cx="8229600" cy="1143000"/>
+          </a:xfrm>
+        </p:spPr>
+        <p:txBody>
+          <a:bodyPr>
+            <a:normAutofit/>
+          </a:bodyPr>
+          <a:lstStyle/>
+          <a:p>
+            <a:r>
+              <a:rPr lang="ru-RU" sz="3200" dirty="0" smtClean="0"/>
+              <a:t>Метод </a:t>
+            </a:r>
+            <a:r>
+              <a:rPr lang="ru-RU" sz="3200" dirty="0"/>
+              <a:t>выборки необходимых аварийно-спасательных подразделений</a:t>
+            </a:r>
           </a:p>
         </p:txBody>
       </p:sp>
@@ -4222,59 +3726,77 @@
             <p:ph idx="1"/>
           </p:nvPr>
         </p:nvSpPr>
-        <p:spPr/>
+        <p:spPr>
+          <a:xfrm>
+            <a:off x="457200" y="1340768"/>
+            <a:ext cx="8229600" cy="4785395"/>
+          </a:xfrm>
+        </p:spPr>
         <p:txBody>
           <a:bodyPr>
-            <a:normAutofit lnSpcReduction="10000"/>
+            <a:normAutofit/>
           </a:bodyPr>
           <a:lstStyle/>
           <a:p>
-            <a:pPr marL="0" indent="0">
-              <a:buNone/>
-            </a:pPr>
-            <a:r>
-              <a:rPr lang="ru-RU" dirty="0" smtClean="0"/>
-              <a:t>Для координирования пункты реагирования условно разделяются на 2 части:</a:t>
-            </a:r>
-          </a:p>
-          <a:p>
-            <a:pPr marL="914400" lvl="1" indent="-514350">
+            <a:pPr marL="514350" lvl="0" indent="-514350">
               <a:buFont typeface="+mj-lt"/>
               <a:buAutoNum type="arabicPeriod"/>
             </a:pPr>
             <a:r>
-              <a:rPr lang="ru-RU" dirty="0" smtClean="0"/>
-              <a:t>с необходимым обезвреживающим веществом;</a:t>
-            </a:r>
-          </a:p>
-          <a:p>
-            <a:pPr marL="914400" lvl="1" indent="-514350">
+              <a:rPr lang="ru-RU" sz="2400" dirty="0"/>
+              <a:t>О</a:t>
+            </a:r>
+            <a:r>
+              <a:rPr lang="ru-RU" sz="2400" dirty="0" smtClean="0"/>
+              <a:t>повестить </a:t>
+            </a:r>
+            <a:r>
+              <a:rPr lang="ru-RU" sz="2400" dirty="0"/>
+              <a:t>пункты, в которых есть необходимое обезвреживающее вещество в необходимом суммарном </a:t>
+            </a:r>
+            <a:r>
+              <a:rPr lang="ru-RU" sz="2400" dirty="0" smtClean="0"/>
+              <a:t>количестве.</a:t>
+            </a:r>
+            <a:endParaRPr lang="ru-RU" sz="2400" dirty="0"/>
+          </a:p>
+          <a:p>
+            <a:pPr marL="514350" lvl="0" indent="-514350">
               <a:buFont typeface="+mj-lt"/>
               <a:buAutoNum type="arabicPeriod"/>
             </a:pPr>
             <a:r>
-              <a:rPr lang="ru-RU" dirty="0" smtClean="0"/>
-              <a:t>с работниками и специализированными машинами для устранения последствий аварии.</a:t>
-            </a:r>
-          </a:p>
-          <a:p>
-            <a:pPr marL="400050" lvl="1" indent="0">
-              <a:buNone/>
+              <a:rPr lang="ru-RU" sz="2400" dirty="0" smtClean="0"/>
+              <a:t>Последовательно </a:t>
+            </a:r>
+            <a:r>
+              <a:rPr lang="ru-RU" sz="2400" dirty="0"/>
+              <a:t>фиксировать ограничение во времени устранения, начиная с 1 часа, находить аварийно-спасательные подразделения, суммарные ресурсы которых позволяют устранить последствия за это время, и суммировать его со временем прибытия самого дальнего </a:t>
+            </a:r>
+            <a:r>
+              <a:rPr lang="ru-RU" sz="2400" dirty="0" smtClean="0"/>
+              <a:t>состава.</a:t>
+            </a:r>
+            <a:endParaRPr lang="ru-RU" sz="2400" dirty="0"/>
+          </a:p>
+          <a:p>
+            <a:pPr marL="514350" lvl="0" indent="-514350">
+              <a:buFont typeface="+mj-lt"/>
+              <a:buAutoNum type="arabicPeriod"/>
             </a:pPr>
-            <a:endParaRPr lang="ru-RU" dirty="0" smtClean="0"/>
-          </a:p>
-          <a:p>
-            <a:pPr marL="400050" lvl="1" indent="0">
+            <a:r>
+              <a:rPr lang="ru-RU" sz="2400" dirty="0" smtClean="0"/>
+              <a:t>Найти </a:t>
+            </a:r>
+            <a:r>
+              <a:rPr lang="ru-RU" sz="2400" dirty="0"/>
+              <a:t>минимальную из таких сумм и оповестить используемые при получении данного результата подразделения ФПС МЧС России.</a:t>
+            </a:r>
+          </a:p>
+          <a:p>
+            <a:pPr marL="0" indent="0">
               <a:buNone/>
             </a:pPr>
-            <a:r>
-              <a:rPr lang="ru-RU" dirty="0"/>
-              <a:t>	</a:t>
-            </a:r>
-            <a:r>
-              <a:rPr lang="ru-RU" dirty="0" smtClean="0"/>
-              <a:t>Пункты первого типа могут содержать в себе пункты второго типа.</a:t>
-            </a:r>
             <a:endParaRPr lang="ru-RU" dirty="0"/>
           </a:p>
         </p:txBody>
@@ -4305,7 +3827,7 @@
     </p:spTree>
     <p:extLst>
       <p:ext uri="{BB962C8B-B14F-4D97-AF65-F5344CB8AC3E}">
-        <p14:creationId xmlns:p14="http://schemas.microsoft.com/office/powerpoint/2010/main" val="1974285474"/>
+        <p14:creationId xmlns:p14="http://schemas.microsoft.com/office/powerpoint/2010/main" val="3755868686"/>
       </p:ext>
     </p:extLst>
   </p:cSld>
@@ -4344,6 +3866,596 @@
         </p:nvSpPr>
         <p:spPr>
           <a:xfrm>
+            <a:off x="467544" y="-99392"/>
+            <a:ext cx="8229600" cy="1143000"/>
+          </a:xfrm>
+        </p:spPr>
+        <p:txBody>
+          <a:bodyPr>
+            <a:normAutofit/>
+          </a:bodyPr>
+          <a:lstStyle/>
+          <a:p>
+            <a:r>
+              <a:rPr lang="ru-RU" sz="3200" dirty="0" smtClean="0"/>
+              <a:t>Алгоритм выборки необходимых аварийно-спасательных подразделений</a:t>
+            </a:r>
+            <a:endParaRPr lang="ru-RU" sz="3200" dirty="0"/>
+          </a:p>
+        </p:txBody>
+      </p:sp>
+      <p:sp>
+        <p:nvSpPr>
+          <p:cNvPr id="4" name="Номер слайда 3"/>
+          <p:cNvSpPr>
+            <a:spLocks noGrp="1"/>
+          </p:cNvSpPr>
+          <p:nvPr>
+            <p:ph type="sldNum" sz="quarter" idx="12"/>
+          </p:nvPr>
+        </p:nvSpPr>
+        <p:spPr/>
+        <p:txBody>
+          <a:bodyPr/>
+          <a:lstStyle/>
+          <a:p>
+            <a:fld id="{61BE07CB-EFF4-4703-B3C2-D7B73A5F42A0}" type="slidenum">
+              <a:rPr lang="ru-RU" smtClean="0"/>
+              <a:t>11</a:t>
+            </a:fld>
+            <a:endParaRPr lang="ru-RU"/>
+          </a:p>
+        </p:txBody>
+      </p:sp>
+      <p:pic>
+        <p:nvPicPr>
+          <p:cNvPr id="4098" name="Picture 2" descr="поиск пунктов сил МЧС"/>
+          <p:cNvPicPr>
+            <a:picLocks noChangeAspect="1" noChangeArrowheads="1"/>
+          </p:cNvPicPr>
+          <p:nvPr/>
+        </p:nvPicPr>
+        <p:blipFill>
+          <a:blip r:embed="rId2">
+            <a:extLst>
+              <a:ext uri="{28A0092B-C50C-407E-A947-70E740481C1C}">
+                <a14:useLocalDpi xmlns:a14="http://schemas.microsoft.com/office/drawing/2010/main" val="0"/>
+              </a:ext>
+            </a:extLst>
+          </a:blip>
+          <a:srcRect/>
+          <a:stretch>
+            <a:fillRect/>
+          </a:stretch>
+        </p:blipFill>
+        <p:spPr bwMode="auto">
+          <a:xfrm>
+            <a:off x="188315" y="1374615"/>
+            <a:ext cx="2799510" cy="4288764"/>
+          </a:xfrm>
+          <a:prstGeom prst="rect">
+            <a:avLst/>
+          </a:prstGeom>
+          <a:noFill/>
+          <a:ln>
+            <a:noFill/>
+          </a:ln>
+          <a:extLst>
+            <a:ext uri="{909E8E84-426E-40DD-AFC4-6F175D3DCCD1}">
+              <a14:hiddenFill xmlns:a14="http://schemas.microsoft.com/office/drawing/2010/main">
+                <a:solidFill>
+                  <a:srgbClr val="FFFFFF"/>
+                </a:solidFill>
+              </a14:hiddenFill>
+            </a:ext>
+            <a:ext uri="{91240B29-F687-4F45-9708-019B960494DF}">
+              <a14:hiddenLine xmlns:a14="http://schemas.microsoft.com/office/drawing/2010/main" w="9525">
+                <a:solidFill>
+                  <a:srgbClr val="000000"/>
+                </a:solidFill>
+                <a:miter lim="800000"/>
+                <a:headEnd/>
+                <a:tailEnd/>
+              </a14:hiddenLine>
+            </a:ext>
+          </a:extLst>
+        </p:spPr>
+      </p:pic>
+      <p:pic>
+        <p:nvPicPr>
+          <p:cNvPr id="4099" name="Picture 3" descr="расчёт времени устранения1"/>
+          <p:cNvPicPr>
+            <a:picLocks noChangeAspect="1" noChangeArrowheads="1"/>
+          </p:cNvPicPr>
+          <p:nvPr/>
+        </p:nvPicPr>
+        <p:blipFill>
+          <a:blip r:embed="rId3">
+            <a:extLst>
+              <a:ext uri="{28A0092B-C50C-407E-A947-70E740481C1C}">
+                <a14:useLocalDpi xmlns:a14="http://schemas.microsoft.com/office/drawing/2010/main" val="0"/>
+              </a:ext>
+            </a:extLst>
+          </a:blip>
+          <a:srcRect/>
+          <a:stretch>
+            <a:fillRect/>
+          </a:stretch>
+        </p:blipFill>
+        <p:spPr bwMode="auto">
+          <a:xfrm>
+            <a:off x="2986153" y="1160083"/>
+            <a:ext cx="2940721" cy="5209836"/>
+          </a:xfrm>
+          <a:prstGeom prst="rect">
+            <a:avLst/>
+          </a:prstGeom>
+          <a:noFill/>
+          <a:ln>
+            <a:noFill/>
+          </a:ln>
+          <a:extLst>
+            <a:ext uri="{909E8E84-426E-40DD-AFC4-6F175D3DCCD1}">
+              <a14:hiddenFill xmlns:a14="http://schemas.microsoft.com/office/drawing/2010/main">
+                <a:solidFill>
+                  <a:srgbClr val="FFFFFF"/>
+                </a:solidFill>
+              </a14:hiddenFill>
+            </a:ext>
+            <a:ext uri="{91240B29-F687-4F45-9708-019B960494DF}">
+              <a14:hiddenLine xmlns:a14="http://schemas.microsoft.com/office/drawing/2010/main" w="9525">
+                <a:solidFill>
+                  <a:srgbClr val="000000"/>
+                </a:solidFill>
+                <a:miter lim="800000"/>
+                <a:headEnd/>
+                <a:tailEnd/>
+              </a14:hiddenLine>
+            </a:ext>
+          </a:extLst>
+        </p:spPr>
+      </p:pic>
+      <p:pic>
+        <p:nvPicPr>
+          <p:cNvPr id="4100" name="Picture 4" descr="расчёт времени устранения2"/>
+          <p:cNvPicPr>
+            <a:picLocks noChangeAspect="1" noChangeArrowheads="1"/>
+          </p:cNvPicPr>
+          <p:nvPr/>
+        </p:nvPicPr>
+        <p:blipFill>
+          <a:blip r:embed="rId4">
+            <a:extLst>
+              <a:ext uri="{28A0092B-C50C-407E-A947-70E740481C1C}">
+                <a14:useLocalDpi xmlns:a14="http://schemas.microsoft.com/office/drawing/2010/main" val="0"/>
+              </a:ext>
+            </a:extLst>
+          </a:blip>
+          <a:srcRect/>
+          <a:stretch>
+            <a:fillRect/>
+          </a:stretch>
+        </p:blipFill>
+        <p:spPr bwMode="auto">
+          <a:xfrm>
+            <a:off x="5652119" y="2184325"/>
+            <a:ext cx="3415843" cy="3161352"/>
+          </a:xfrm>
+          <a:prstGeom prst="rect">
+            <a:avLst/>
+          </a:prstGeom>
+          <a:noFill/>
+          <a:ln>
+            <a:noFill/>
+          </a:ln>
+          <a:extLst>
+            <a:ext uri="{909E8E84-426E-40DD-AFC4-6F175D3DCCD1}">
+              <a14:hiddenFill xmlns:a14="http://schemas.microsoft.com/office/drawing/2010/main">
+                <a:solidFill>
+                  <a:srgbClr val="FFFFFF"/>
+                </a:solidFill>
+              </a14:hiddenFill>
+            </a:ext>
+            <a:ext uri="{91240B29-F687-4F45-9708-019B960494DF}">
+              <a14:hiddenLine xmlns:a14="http://schemas.microsoft.com/office/drawing/2010/main" w="9525">
+                <a:solidFill>
+                  <a:srgbClr val="000000"/>
+                </a:solidFill>
+                <a:miter lim="800000"/>
+                <a:headEnd/>
+                <a:tailEnd/>
+              </a14:hiddenLine>
+            </a:ext>
+          </a:extLst>
+        </p:spPr>
+      </p:pic>
+    </p:spTree>
+    <p:extLst>
+      <p:ext uri="{BB962C8B-B14F-4D97-AF65-F5344CB8AC3E}">
+        <p14:creationId xmlns:p14="http://schemas.microsoft.com/office/powerpoint/2010/main" val="1974285474"/>
+      </p:ext>
+    </p:extLst>
+  </p:cSld>
+  <p:clrMapOvr>
+    <a:masterClrMapping/>
+  </p:clrMapOvr>
+</p:sld>
+</file>
+
+<file path=ppt/slides/slide12.xml><?xml version="1.0" encoding="utf-8"?>
+<p:sld xmlns:a="http://schemas.openxmlformats.org/drawingml/2006/main" xmlns:r="http://schemas.openxmlformats.org/officeDocument/2006/relationships" xmlns:p="http://schemas.openxmlformats.org/presentationml/2006/main">
+  <p:cSld>
+    <p:spTree>
+      <p:nvGrpSpPr>
+        <p:cNvPr id="1" name=""/>
+        <p:cNvGrpSpPr/>
+        <p:nvPr/>
+      </p:nvGrpSpPr>
+      <p:grpSpPr>
+        <a:xfrm>
+          <a:off x="0" y="0"/>
+          <a:ext cx="0" cy="0"/>
+          <a:chOff x="0" y="0"/>
+          <a:chExt cx="0" cy="0"/>
+        </a:xfrm>
+      </p:grpSpPr>
+      <p:sp>
+        <p:nvSpPr>
+          <p:cNvPr id="2" name="Заголовок 1"/>
+          <p:cNvSpPr>
+            <a:spLocks noGrp="1"/>
+          </p:cNvSpPr>
+          <p:nvPr>
+            <p:ph type="title"/>
+          </p:nvPr>
+        </p:nvSpPr>
+        <p:spPr>
+          <a:xfrm>
+            <a:off x="467544" y="1856"/>
+            <a:ext cx="8229600" cy="1143000"/>
+          </a:xfrm>
+        </p:spPr>
+        <p:txBody>
+          <a:bodyPr/>
+          <a:lstStyle/>
+          <a:p>
+            <a:r>
+              <a:rPr lang="ru-RU" dirty="0" smtClean="0"/>
+              <a:t>Создание отчёта</a:t>
+            </a:r>
+            <a:endParaRPr lang="ru-RU" dirty="0"/>
+          </a:p>
+        </p:txBody>
+      </p:sp>
+      <p:sp>
+        <p:nvSpPr>
+          <p:cNvPr id="4" name="Номер слайда 3"/>
+          <p:cNvSpPr>
+            <a:spLocks noGrp="1"/>
+          </p:cNvSpPr>
+          <p:nvPr>
+            <p:ph type="sldNum" sz="quarter" idx="12"/>
+          </p:nvPr>
+        </p:nvSpPr>
+        <p:spPr/>
+        <p:txBody>
+          <a:bodyPr/>
+          <a:lstStyle/>
+          <a:p>
+            <a:fld id="{61BE07CB-EFF4-4703-B3C2-D7B73A5F42A0}" type="slidenum">
+              <a:rPr lang="ru-RU" smtClean="0"/>
+              <a:t>12</a:t>
+            </a:fld>
+            <a:endParaRPr lang="ru-RU"/>
+          </a:p>
+        </p:txBody>
+      </p:sp>
+      <p:pic>
+        <p:nvPicPr>
+          <p:cNvPr id="5122" name="Picture 2" descr="отчёт"/>
+          <p:cNvPicPr>
+            <a:picLocks noChangeAspect="1" noChangeArrowheads="1"/>
+          </p:cNvPicPr>
+          <p:nvPr/>
+        </p:nvPicPr>
+        <p:blipFill>
+          <a:blip r:embed="rId2">
+            <a:extLst>
+              <a:ext uri="{28A0092B-C50C-407E-A947-70E740481C1C}">
+                <a14:useLocalDpi xmlns:a14="http://schemas.microsoft.com/office/drawing/2010/main" val="0"/>
+              </a:ext>
+            </a:extLst>
+          </a:blip>
+          <a:srcRect/>
+          <a:stretch>
+            <a:fillRect/>
+          </a:stretch>
+        </p:blipFill>
+        <p:spPr bwMode="auto">
+          <a:xfrm>
+            <a:off x="1308394" y="1124744"/>
+            <a:ext cx="6768752" cy="5110184"/>
+          </a:xfrm>
+          <a:prstGeom prst="rect">
+            <a:avLst/>
+          </a:prstGeom>
+          <a:noFill/>
+          <a:ln>
+            <a:noFill/>
+          </a:ln>
+          <a:extLst>
+            <a:ext uri="{909E8E84-426E-40DD-AFC4-6F175D3DCCD1}">
+              <a14:hiddenFill xmlns:a14="http://schemas.microsoft.com/office/drawing/2010/main">
+                <a:solidFill>
+                  <a:srgbClr val="FFFFFF"/>
+                </a:solidFill>
+              </a14:hiddenFill>
+            </a:ext>
+            <a:ext uri="{91240B29-F687-4F45-9708-019B960494DF}">
+              <a14:hiddenLine xmlns:a14="http://schemas.microsoft.com/office/drawing/2010/main" w="9525">
+                <a:solidFill>
+                  <a:srgbClr val="000000"/>
+                </a:solidFill>
+                <a:miter lim="800000"/>
+                <a:headEnd/>
+                <a:tailEnd/>
+              </a14:hiddenLine>
+            </a:ext>
+          </a:extLst>
+        </p:spPr>
+      </p:pic>
+    </p:spTree>
+    <p:extLst>
+      <p:ext uri="{BB962C8B-B14F-4D97-AF65-F5344CB8AC3E}">
+        <p14:creationId xmlns:p14="http://schemas.microsoft.com/office/powerpoint/2010/main" val="1566712121"/>
+      </p:ext>
+    </p:extLst>
+  </p:cSld>
+  <p:clrMapOvr>
+    <a:masterClrMapping/>
+  </p:clrMapOvr>
+</p:sld>
+</file>
+
+<file path=ppt/slides/slide13.xml><?xml version="1.0" encoding="utf-8"?>
+<p:sld xmlns:a="http://schemas.openxmlformats.org/drawingml/2006/main" xmlns:r="http://schemas.openxmlformats.org/officeDocument/2006/relationships" xmlns:p="http://schemas.openxmlformats.org/presentationml/2006/main">
+  <p:cSld>
+    <p:spTree>
+      <p:nvGrpSpPr>
+        <p:cNvPr id="1" name=""/>
+        <p:cNvGrpSpPr/>
+        <p:nvPr/>
+      </p:nvGrpSpPr>
+      <p:grpSpPr>
+        <a:xfrm>
+          <a:off x="0" y="0"/>
+          <a:ext cx="0" cy="0"/>
+          <a:chOff x="0" y="0"/>
+          <a:chExt cx="0" cy="0"/>
+        </a:xfrm>
+      </p:grpSpPr>
+      <p:sp>
+        <p:nvSpPr>
+          <p:cNvPr id="2" name="Заголовок 1"/>
+          <p:cNvSpPr>
+            <a:spLocks noGrp="1"/>
+          </p:cNvSpPr>
+          <p:nvPr>
+            <p:ph type="title"/>
+          </p:nvPr>
+        </p:nvSpPr>
+        <p:spPr>
+          <a:xfrm>
+            <a:off x="467544" y="-315416"/>
+            <a:ext cx="8229600" cy="1143000"/>
+          </a:xfrm>
+        </p:spPr>
+        <p:txBody>
+          <a:bodyPr/>
+          <a:lstStyle/>
+          <a:p>
+            <a:r>
+              <a:rPr lang="ru-RU" dirty="0" smtClean="0"/>
+              <a:t>Выводы и дальнейшее развитие</a:t>
+            </a:r>
+            <a:endParaRPr lang="ru-RU" dirty="0"/>
+          </a:p>
+        </p:txBody>
+      </p:sp>
+      <p:sp>
+        <p:nvSpPr>
+          <p:cNvPr id="3" name="Объект 2"/>
+          <p:cNvSpPr>
+            <a:spLocks noGrp="1"/>
+          </p:cNvSpPr>
+          <p:nvPr>
+            <p:ph idx="1"/>
+          </p:nvPr>
+        </p:nvSpPr>
+        <p:spPr>
+          <a:xfrm>
+            <a:off x="467544" y="692696"/>
+            <a:ext cx="8229600" cy="5544616"/>
+          </a:xfrm>
+        </p:spPr>
+        <p:txBody>
+          <a:bodyPr>
+            <a:normAutofit fontScale="62500" lnSpcReduction="20000"/>
+          </a:bodyPr>
+          <a:lstStyle/>
+          <a:p>
+            <a:pPr marL="0" indent="0">
+              <a:buNone/>
+            </a:pPr>
+            <a:r>
+              <a:rPr lang="ru-RU" dirty="0"/>
+              <a:t>В процессе проектирования системы достигнуты следующие результаты:</a:t>
+            </a:r>
+          </a:p>
+          <a:p>
+            <a:pPr lvl="0"/>
+            <a:r>
+              <a:rPr lang="ru-RU" dirty="0"/>
+              <a:t>спроектирована база данных, хранящая информацию о: перевозках АХОВ; подразделениях ФПС МЧС России;  авариях с АХОВ;</a:t>
+            </a:r>
+          </a:p>
+          <a:p>
+            <a:pPr lvl="0"/>
+            <a:r>
+              <a:rPr lang="ru-RU" dirty="0"/>
+              <a:t>разработаны методы:</a:t>
+            </a:r>
+          </a:p>
+          <a:p>
+            <a:pPr lvl="1"/>
+            <a:r>
+              <a:rPr lang="ru-RU" dirty="0"/>
+              <a:t>идентификации перевозки АХОВ по месту и времени;</a:t>
+            </a:r>
+          </a:p>
+          <a:p>
+            <a:pPr lvl="1"/>
+            <a:r>
+              <a:rPr lang="ru-RU" dirty="0"/>
+              <a:t>выборки необходимых подразделений ФПС МЧС России по критериям их предназначения и времени прибытия к месту чрезвычайной ситуации;</a:t>
+            </a:r>
+          </a:p>
+          <a:p>
+            <a:pPr lvl="0"/>
+            <a:r>
+              <a:rPr lang="ru-RU" dirty="0"/>
+              <a:t>реализована подсистема ввода данных: посредством работы с картой, а также путём ручного ввода информации в интерфейсные поля;</a:t>
+            </a:r>
+          </a:p>
+          <a:p>
+            <a:pPr lvl="0"/>
+            <a:r>
+              <a:rPr lang="ru-RU" dirty="0"/>
+              <a:t>реализована подсистема вывода данных: формирование подробных отчётов, а также отображение сводной информации на карте</a:t>
+            </a:r>
+            <a:r>
+              <a:rPr lang="ru-RU" dirty="0" smtClean="0"/>
+              <a:t>.</a:t>
+            </a:r>
+          </a:p>
+          <a:p>
+            <a:pPr lvl="0"/>
+            <a:endParaRPr lang="ru-RU" dirty="0" smtClean="0"/>
+          </a:p>
+          <a:p>
+            <a:pPr marL="0" lvl="0" indent="0">
+              <a:buNone/>
+            </a:pPr>
+            <a:r>
+              <a:rPr lang="ru-RU" dirty="0" smtClean="0"/>
+              <a:t>Перспективы развития:</a:t>
+            </a:r>
+          </a:p>
+          <a:p>
+            <a:pPr lvl="0"/>
+            <a:r>
+              <a:rPr lang="ru-RU" dirty="0" smtClean="0"/>
+              <a:t>расчет </a:t>
+            </a:r>
+            <a:r>
+              <a:rPr lang="ru-RU" dirty="0"/>
+              <a:t>сил МЧС России и времени  устранения последствий </a:t>
+            </a:r>
+            <a:r>
+              <a:rPr lang="ru-RU" dirty="0" smtClean="0"/>
+              <a:t>нескольких аварий одновременно;</a:t>
+            </a:r>
+            <a:endParaRPr lang="ru-RU" dirty="0"/>
+          </a:p>
+          <a:p>
+            <a:pPr lvl="0"/>
+            <a:r>
+              <a:rPr lang="ru-RU" dirty="0"/>
+              <a:t>использование разработанных методов для выявления «слабых мест» в схеме расположения аварийно-спасательных подразделений;</a:t>
+            </a:r>
+          </a:p>
+          <a:p>
+            <a:pPr lvl="0"/>
+            <a:r>
+              <a:rPr lang="ru-RU" dirty="0"/>
+              <a:t>использование разработанных методов для составления графика перевозок АХОВ</a:t>
+            </a:r>
+            <a:r>
+              <a:rPr lang="ru-RU" dirty="0" smtClean="0"/>
+              <a:t>;</a:t>
+            </a:r>
+            <a:endParaRPr lang="ru-RU" dirty="0"/>
+          </a:p>
+          <a:p>
+            <a:endParaRPr lang="ru-RU" dirty="0"/>
+          </a:p>
+        </p:txBody>
+      </p:sp>
+      <p:sp>
+        <p:nvSpPr>
+          <p:cNvPr id="4" name="Номер слайда 3"/>
+          <p:cNvSpPr>
+            <a:spLocks noGrp="1"/>
+          </p:cNvSpPr>
+          <p:nvPr>
+            <p:ph type="sldNum" sz="quarter" idx="12"/>
+          </p:nvPr>
+        </p:nvSpPr>
+        <p:spPr/>
+        <p:txBody>
+          <a:bodyPr/>
+          <a:lstStyle/>
+          <a:p>
+            <a:fld id="{61BE07CB-EFF4-4703-B3C2-D7B73A5F42A0}" type="slidenum">
+              <a:rPr lang="ru-RU" smtClean="0"/>
+              <a:t>13</a:t>
+            </a:fld>
+            <a:endParaRPr lang="ru-RU"/>
+          </a:p>
+        </p:txBody>
+      </p:sp>
+    </p:spTree>
+    <p:extLst>
+      <p:ext uri="{BB962C8B-B14F-4D97-AF65-F5344CB8AC3E}">
+        <p14:creationId xmlns:p14="http://schemas.microsoft.com/office/powerpoint/2010/main" val="710453339"/>
+      </p:ext>
+    </p:extLst>
+  </p:cSld>
+  <p:clrMapOvr>
+    <a:masterClrMapping/>
+  </p:clrMapOvr>
+</p:sld>
+</file>
+
+<file path=ppt/slides/slide14.xml><?xml version="1.0" encoding="utf-8"?>
+<p:sld xmlns:a="http://schemas.openxmlformats.org/drawingml/2006/main" xmlns:r="http://schemas.openxmlformats.org/officeDocument/2006/relationships" xmlns:p="http://schemas.openxmlformats.org/presentationml/2006/main">
+  <p:cSld>
+    <p:spTree>
+      <p:nvGrpSpPr>
+        <p:cNvPr id="1" name=""/>
+        <p:cNvGrpSpPr/>
+        <p:nvPr/>
+      </p:nvGrpSpPr>
+      <p:grpSpPr>
+        <a:xfrm>
+          <a:off x="0" y="0"/>
+          <a:ext cx="0" cy="0"/>
+          <a:chOff x="0" y="0"/>
+          <a:chExt cx="0" cy="0"/>
+        </a:xfrm>
+      </p:grpSpPr>
+      <p:sp>
+        <p:nvSpPr>
+          <p:cNvPr id="2" name="Заголовок 1"/>
+          <p:cNvSpPr>
+            <a:spLocks noGrp="1"/>
+          </p:cNvSpPr>
+          <p:nvPr>
+            <p:ph type="title"/>
+          </p:nvPr>
+        </p:nvSpPr>
+        <p:spPr>
+          <a:xfrm>
             <a:off x="539552" y="2420888"/>
             <a:ext cx="8229600" cy="1143000"/>
           </a:xfrm>
@@ -4377,7 +4489,7 @@
           <a:p>
             <a:fld id="{61BE07CB-EFF4-4703-B3C2-D7B73A5F42A0}" type="slidenum">
               <a:rPr lang="ru-RU" smtClean="0"/>
-              <a:t>11</a:t>
+              <a:t>14</a:t>
             </a:fld>
             <a:endParaRPr lang="ru-RU"/>
           </a:p>
@@ -4430,7 +4542,7 @@
           <a:p>
             <a:r>
               <a:rPr lang="ru-RU" dirty="0" smtClean="0"/>
-              <a:t>Постановка задачи</a:t>
+              <a:t>Актуальность разработки</a:t>
             </a:r>
             <a:endParaRPr lang="ru-RU" dirty="0"/>
           </a:p>
@@ -4449,66 +4561,89 @@
         <p:spPr/>
         <p:txBody>
           <a:bodyPr>
-            <a:normAutofit fontScale="92500" lnSpcReduction="20000"/>
+            <a:normAutofit fontScale="85000" lnSpcReduction="10000"/>
           </a:bodyPr>
           <a:lstStyle/>
           <a:p>
+            <a:pPr marL="0" indent="0">
+              <a:buNone/>
+            </a:pPr>
             <a:r>
               <a:rPr lang="ru-RU" dirty="0" smtClean="0"/>
-              <a:t>Требуется:</a:t>
-            </a:r>
-          </a:p>
-          <a:p>
-            <a:pPr lvl="1"/>
+              <a:t>Необходимо объединить в одной системе</a:t>
+            </a:r>
+          </a:p>
+          <a:p>
             <a:r>
               <a:rPr lang="ru-RU" dirty="0" smtClean="0"/>
-              <a:t>выявить местонахождение транспортных средств в заданный промежуток времени;</a:t>
-            </a:r>
-          </a:p>
-          <a:p>
-            <a:pPr lvl="1"/>
+              <a:t>мониторинг </a:t>
+            </a:r>
+            <a:r>
+              <a:rPr lang="ru-RU" dirty="0"/>
+              <a:t>перевозок </a:t>
+            </a:r>
             <a:r>
               <a:rPr lang="ru-RU" dirty="0" smtClean="0"/>
-              <a:t>спрогнозировать химическую обстановку;</a:t>
-            </a:r>
-          </a:p>
-          <a:p>
-            <a:pPr lvl="1"/>
+              <a:t>АХОВ</a:t>
+            </a:r>
+            <a:r>
+              <a:rPr lang="ru-RU" dirty="0"/>
+              <a:t>;</a:t>
+            </a:r>
             <a:r>
               <a:rPr lang="ru-RU" dirty="0" smtClean="0"/>
-              <a:t>скоординировать силы МЧС для устранения последствий аварии.</a:t>
+              <a:t> </a:t>
             </a:r>
           </a:p>
           <a:p>
             <a:r>
               <a:rPr lang="ru-RU" dirty="0" smtClean="0"/>
-              <a:t>Для этого необходимо:</a:t>
-            </a:r>
-          </a:p>
-          <a:p>
-            <a:pPr lvl="1"/>
+              <a:t>расчёт </a:t>
+            </a:r>
             <a:r>
               <a:rPr lang="ru-RU" dirty="0"/>
-              <a:t>прогноз времени нахождения водителя в каждом посещаемом </a:t>
+              <a:t>химической обстановки в случае </a:t>
             </a:r>
             <a:r>
               <a:rPr lang="ru-RU" dirty="0" smtClean="0"/>
-              <a:t>городе;</a:t>
-            </a:r>
-          </a:p>
-          <a:p>
-            <a:pPr lvl="1"/>
+              <a:t>аварии;</a:t>
+            </a:r>
+          </a:p>
+          <a:p>
             <a:r>
               <a:rPr lang="ru-RU" dirty="0" smtClean="0"/>
-              <a:t>расчёт модели прогнозирования;</a:t>
-            </a:r>
-          </a:p>
-          <a:p>
-            <a:pPr lvl="1"/>
+              <a:t>оповещение </a:t>
+            </a:r>
+            <a:r>
+              <a:rPr lang="ru-RU" dirty="0"/>
+              <a:t>рационально выбранных аварийно-спасательных подразделений по критериям их предназначения и времени прибытия к месту чрезвычайной ситуации с целью устранения последствий произошедшей аварии</a:t>
+            </a:r>
             <a:r>
               <a:rPr lang="ru-RU" dirty="0" smtClean="0"/>
-              <a:t>поиск ближайших пунктов сил МЧС.</a:t>
-            </a:r>
+              <a:t>.</a:t>
+            </a:r>
+          </a:p>
+          <a:p>
+            <a:pPr marL="0" indent="0">
+              <a:buNone/>
+            </a:pPr>
+            <a:endParaRPr lang="ru-RU" dirty="0" smtClean="0"/>
+          </a:p>
+          <a:p>
+            <a:pPr marL="0" indent="0">
+              <a:buNone/>
+            </a:pPr>
+            <a:r>
+              <a:rPr lang="ru-RU" dirty="0" smtClean="0"/>
+              <a:t>На данный момент подобные системы не известны.</a:t>
+            </a:r>
+            <a:endParaRPr lang="ru-RU" dirty="0"/>
+          </a:p>
+          <a:p>
+            <a:pPr marL="0" indent="0">
+              <a:buNone/>
+            </a:pPr>
+            <a:endParaRPr lang="ru-RU" dirty="0"/>
           </a:p>
         </p:txBody>
       </p:sp>
@@ -4538,7 +4673,7 @@
     </p:spTree>
     <p:extLst>
       <p:ext uri="{BB962C8B-B14F-4D97-AF65-F5344CB8AC3E}">
-        <p14:creationId xmlns:p14="http://schemas.microsoft.com/office/powerpoint/2010/main" val="3372353231"/>
+        <p14:creationId xmlns:p14="http://schemas.microsoft.com/office/powerpoint/2010/main" val="1807801039"/>
       </p:ext>
     </p:extLst>
   </p:cSld>
@@ -4582,15 +4717,162 @@
             <p:ph type="title"/>
           </p:nvPr>
         </p:nvSpPr>
-        <p:spPr/>
+        <p:spPr>
+          <a:xfrm>
+            <a:off x="467544" y="0"/>
+            <a:ext cx="8229600" cy="1143000"/>
+          </a:xfrm>
+        </p:spPr>
         <p:txBody>
           <a:bodyPr/>
           <a:lstStyle/>
           <a:p>
             <a:r>
               <a:rPr lang="ru-RU" dirty="0" smtClean="0"/>
-              <a:t>Анализ предметной области</a:t>
-            </a:r>
+              <a:t>Цель и </a:t>
+            </a:r>
+            <a:r>
+              <a:rPr lang="ru-RU" dirty="0" smtClean="0"/>
+              <a:t>задачи</a:t>
+            </a:r>
+            <a:endParaRPr lang="ru-RU" dirty="0"/>
+          </a:p>
+        </p:txBody>
+      </p:sp>
+      <p:sp>
+        <p:nvSpPr>
+          <p:cNvPr id="3" name="Объект 2"/>
+          <p:cNvSpPr>
+            <a:spLocks noGrp="1"/>
+          </p:cNvSpPr>
+          <p:nvPr>
+            <p:ph idx="1"/>
+          </p:nvPr>
+        </p:nvSpPr>
+        <p:spPr>
+          <a:xfrm>
+            <a:off x="467544" y="1124744"/>
+            <a:ext cx="8229600" cy="4968552"/>
+          </a:xfrm>
+        </p:spPr>
+        <p:txBody>
+          <a:bodyPr>
+            <a:normAutofit fontScale="77500" lnSpcReduction="20000"/>
+          </a:bodyPr>
+          <a:lstStyle/>
+          <a:p>
+            <a:r>
+              <a:rPr lang="ru-RU" dirty="0" smtClean="0"/>
+              <a:t>Цель:</a:t>
+            </a:r>
+            <a:endParaRPr lang="ru-RU" dirty="0" smtClean="0"/>
+          </a:p>
+          <a:p>
+            <a:pPr marL="457200" lvl="1" indent="0">
+              <a:buNone/>
+            </a:pPr>
+            <a:r>
+              <a:rPr lang="ru-RU" dirty="0" smtClean="0"/>
+              <a:t>создать специальное программное обеспечение </a:t>
+            </a:r>
+            <a:r>
+              <a:rPr lang="ru-RU" dirty="0"/>
+              <a:t>поддержки принятия управленческих решений при реагировании подразделений МЧС России на чрезвычайные ситуации с участием транспортных средств, перевозящих АХОВ.</a:t>
+            </a:r>
+            <a:endParaRPr lang="ru-RU" dirty="0" smtClean="0"/>
+          </a:p>
+          <a:p>
+            <a:r>
+              <a:rPr lang="ru-RU" dirty="0" smtClean="0"/>
+              <a:t>Для </a:t>
+            </a:r>
+            <a:r>
+              <a:rPr lang="ru-RU" dirty="0" smtClean="0"/>
+              <a:t>этого необходимо:</a:t>
+            </a:r>
+          </a:p>
+          <a:p>
+            <a:pPr lvl="1"/>
+            <a:r>
+              <a:rPr lang="ru-RU" dirty="0" smtClean="0"/>
+              <a:t>спроектировать систему, использующую </a:t>
+            </a:r>
+            <a:r>
+              <a:rPr lang="ru-RU" dirty="0"/>
+              <a:t>карту и базу данных;</a:t>
+            </a:r>
+          </a:p>
+          <a:p>
+            <a:pPr lvl="1"/>
+            <a:r>
+              <a:rPr lang="ru-RU" dirty="0" smtClean="0"/>
+              <a:t>идентифицировать перевозку </a:t>
+            </a:r>
+            <a:r>
+              <a:rPr lang="ru-RU" dirty="0"/>
+              <a:t>АХОВ по месту и времени;</a:t>
+            </a:r>
+          </a:p>
+          <a:p>
+            <a:pPr lvl="1"/>
+            <a:r>
+              <a:rPr lang="ru-RU" dirty="0" smtClean="0"/>
+              <a:t>рассчитать химическую обстановку </a:t>
+            </a:r>
+            <a:r>
+              <a:rPr lang="ru-RU" dirty="0"/>
+              <a:t>при свободном разливе АХОВ</a:t>
+            </a:r>
+            <a:r>
+              <a:rPr lang="ru-RU" dirty="0" smtClean="0"/>
+              <a:t>;</a:t>
+            </a:r>
+          </a:p>
+          <a:p>
+            <a:pPr lvl="1"/>
+            <a:r>
+              <a:rPr lang="ru-RU" dirty="0" smtClean="0"/>
+              <a:t>выбрать необходимые подразделения </a:t>
+            </a:r>
+            <a:r>
+              <a:rPr lang="ru-RU" dirty="0"/>
+              <a:t>ФПС МЧС России по критериям их предназначения и времени прибытия к месту чрезвычайной ситуации</a:t>
+            </a:r>
+            <a:r>
+              <a:rPr lang="ru-RU" dirty="0" smtClean="0"/>
+              <a:t>;</a:t>
+            </a:r>
+          </a:p>
+          <a:p>
+            <a:pPr lvl="1"/>
+            <a:r>
+              <a:rPr lang="ru-RU" dirty="0" smtClean="0"/>
+              <a:t>оформить полученную </a:t>
+            </a:r>
+            <a:r>
+              <a:rPr lang="ru-RU" dirty="0"/>
+              <a:t>в результате анализа </a:t>
+            </a:r>
+            <a:r>
+              <a:rPr lang="ru-RU" dirty="0" smtClean="0"/>
+              <a:t>информацию </a:t>
+            </a:r>
+            <a:r>
+              <a:rPr lang="ru-RU" dirty="0"/>
+              <a:t>в виде отчёта</a:t>
+            </a:r>
+            <a:r>
+              <a:rPr lang="ru-RU" dirty="0" smtClean="0"/>
+              <a:t>.</a:t>
+            </a:r>
+            <a:endParaRPr lang="ru-RU" dirty="0"/>
+          </a:p>
+          <a:p>
+            <a:pPr lvl="1"/>
+            <a:endParaRPr lang="ru-RU" dirty="0" smtClean="0"/>
+          </a:p>
+          <a:p>
+            <a:pPr lvl="1"/>
             <a:endParaRPr lang="ru-RU" dirty="0"/>
           </a:p>
         </p:txBody>
@@ -4618,55 +4900,23 @@
           </a:p>
         </p:txBody>
       </p:sp>
-      <p:pic>
-        <p:nvPicPr>
-          <p:cNvPr id="5" name="Рисунок 4"/>
-          <p:cNvPicPr>
-            <a:picLocks noChangeAspect="1"/>
-          </p:cNvPicPr>
-          <p:nvPr/>
-        </p:nvPicPr>
-        <p:blipFill>
-          <a:blip r:embed="rId2">
-            <a:extLst>
-              <a:ext uri="{BEBA8EAE-BF5A-486C-A8C5-ECC9F3942E4B}">
-                <a14:imgProps xmlns:a14="http://schemas.microsoft.com/office/drawing/2010/main">
-                  <a14:imgLayer r:embed="rId3">
-                    <a14:imgEffect>
-                      <a14:saturation sat="0"/>
-                    </a14:imgEffect>
-                  </a14:imgLayer>
-                </a14:imgProps>
-              </a:ext>
-              <a:ext uri="{28A0092B-C50C-407E-A947-70E740481C1C}">
-                <a14:useLocalDpi xmlns:a14="http://schemas.microsoft.com/office/drawing/2010/main" val="0"/>
-              </a:ext>
-            </a:extLst>
-          </a:blip>
-          <a:stretch>
-            <a:fillRect/>
-          </a:stretch>
-        </p:blipFill>
-        <p:spPr>
-          <a:xfrm>
-            <a:off x="223837" y="1484784"/>
-            <a:ext cx="8696325" cy="4610100"/>
-          </a:xfrm>
-          <a:prstGeom prst="rect">
-            <a:avLst/>
-          </a:prstGeom>
-        </p:spPr>
-      </p:pic>
     </p:spTree>
     <p:extLst>
       <p:ext uri="{BB962C8B-B14F-4D97-AF65-F5344CB8AC3E}">
-        <p14:creationId xmlns:p14="http://schemas.microsoft.com/office/powerpoint/2010/main" val="1986757563"/>
+        <p14:creationId xmlns:p14="http://schemas.microsoft.com/office/powerpoint/2010/main" val="3372353231"/>
       </p:ext>
     </p:extLst>
   </p:cSld>
   <p:clrMapOvr>
     <a:masterClrMapping/>
   </p:clrMapOvr>
+  <p:timing>
+    <p:tnLst>
+      <p:par>
+        <p:cTn id="1" dur="indefinite" restart="never" nodeType="tmRoot"/>
+      </p:par>
+    </p:tnLst>
+  </p:timing>
 </p:sld>
 </file>
 
@@ -4699,12 +4949,14 @@
         </p:nvSpPr>
         <p:spPr/>
         <p:txBody>
-          <a:bodyPr/>
+          <a:bodyPr>
+            <a:normAutofit fontScale="90000"/>
+          </a:bodyPr>
           <a:lstStyle/>
           <a:p>
             <a:r>
               <a:rPr lang="ru-RU" dirty="0" smtClean="0"/>
-              <a:t>Обзор существующих решений</a:t>
+              <a:t>Основные допущения и ограничения</a:t>
             </a:r>
             <a:endParaRPr lang="ru-RU" dirty="0"/>
           </a:p>
@@ -4712,7 +4964,127 @@
       </p:sp>
       <p:sp>
         <p:nvSpPr>
-          <p:cNvPr id="5" name="Номер слайда 4"/>
+          <p:cNvPr id="3" name="Объект 2"/>
+          <p:cNvSpPr>
+            <a:spLocks noGrp="1"/>
+          </p:cNvSpPr>
+          <p:nvPr>
+            <p:ph idx="1"/>
+          </p:nvPr>
+        </p:nvSpPr>
+        <p:spPr>
+          <a:xfrm>
+            <a:off x="457200" y="1600200"/>
+            <a:ext cx="8147248" cy="4525963"/>
+          </a:xfrm>
+        </p:spPr>
+        <p:txBody>
+          <a:bodyPr>
+            <a:normAutofit fontScale="92500" lnSpcReduction="10000"/>
+          </a:bodyPr>
+          <a:lstStyle/>
+          <a:p>
+            <a:r>
+              <a:rPr lang="ru-RU" sz="2000" dirty="0" smtClean="0"/>
+              <a:t>Маршрут зарегистрированной перевозки не может быть изменён.</a:t>
+            </a:r>
+          </a:p>
+          <a:p>
+            <a:r>
+              <a:rPr lang="ru-RU" sz="2000" dirty="0" smtClean="0"/>
+              <a:t>Водитель движется с постоянной скоростью 60 км/ч и не имеет права останавливаться.</a:t>
+            </a:r>
+          </a:p>
+          <a:p>
+            <a:pPr lvl="0"/>
+            <a:r>
+              <a:rPr lang="ru-RU" sz="2000" dirty="0"/>
+              <a:t>Расчёт химической обстановки ведётся с допущением следующих условий: изотермия, скорость приземного ветра на высоте 1 </a:t>
+            </a:r>
+            <a:r>
+              <a:rPr lang="ru-RU" sz="2000" dirty="0" smtClean="0"/>
+              <a:t>м – </a:t>
+            </a:r>
+            <a:r>
+              <a:rPr lang="ru-RU" sz="2000" dirty="0"/>
+              <a:t>3 м/с (на высоте флюгера – 5-7 м/с); температура </a:t>
+            </a:r>
+            <a:r>
+              <a:rPr lang="ru-RU" sz="2000" dirty="0" smtClean="0"/>
+              <a:t>воздуха – </a:t>
+            </a:r>
+            <a:r>
+              <a:rPr lang="ru-RU" sz="2000" dirty="0"/>
+              <a:t>+20</a:t>
+            </a:r>
+            <a:r>
+              <a:rPr lang="ru-RU" sz="2000" baseline="30000" dirty="0"/>
+              <a:t>о</a:t>
+            </a:r>
+            <a:r>
+              <a:rPr lang="ru-RU" sz="2000" dirty="0"/>
+              <a:t> С</a:t>
+            </a:r>
+            <a:r>
+              <a:rPr lang="ru-RU" sz="2000" dirty="0" smtClean="0"/>
+              <a:t>.</a:t>
+            </a:r>
+          </a:p>
+          <a:p>
+            <a:r>
+              <a:rPr lang="ru-RU" sz="2000" dirty="0" smtClean="0"/>
+              <a:t>В перевозках могут быть зарегистрированы АХОВ из строго определённого перечня.</a:t>
+            </a:r>
+          </a:p>
+          <a:p>
+            <a:pPr lvl="0"/>
+            <a:r>
+              <a:rPr lang="ru-RU" sz="2000" dirty="0"/>
+              <a:t>Последствия аварии необходимо устранить за 24 часа. Считается, что через большее время действие АХОВ прекращается</a:t>
+            </a:r>
+            <a:r>
+              <a:rPr lang="ru-RU" sz="2000" dirty="0" smtClean="0"/>
+              <a:t>.</a:t>
+            </a:r>
+          </a:p>
+          <a:p>
+            <a:r>
+              <a:rPr lang="ru-RU" sz="2000" dirty="0"/>
+              <a:t>На устранение аварии оповещённый пункт сил МЧС направляет все доступные ресурсы и все запасы необходимого обезвреживающего вещества</a:t>
+            </a:r>
+            <a:r>
+              <a:rPr lang="ru-RU" sz="2000" dirty="0" smtClean="0"/>
+              <a:t>.</a:t>
+            </a:r>
+            <a:endParaRPr lang="ru-RU" sz="2000" dirty="0"/>
+          </a:p>
+          <a:p>
+            <a:pPr lvl="0"/>
+            <a:r>
+              <a:rPr lang="ru-RU" sz="2000" dirty="0"/>
+              <a:t>Автомобили аварийно-спасательных подразделений перемещаются со скоростью 100 км/ч.</a:t>
+            </a:r>
+          </a:p>
+          <a:p>
+            <a:endParaRPr lang="ru-RU" sz="2000" dirty="0" smtClean="0"/>
+          </a:p>
+          <a:p>
+            <a:endParaRPr lang="ru-RU" sz="2000" dirty="0" smtClean="0"/>
+          </a:p>
+          <a:p>
+            <a:endParaRPr lang="ru-RU" sz="2000" dirty="0" smtClean="0"/>
+          </a:p>
+          <a:p>
+            <a:endParaRPr lang="ru-RU" dirty="0" smtClean="0"/>
+          </a:p>
+          <a:p>
+            <a:endParaRPr lang="ru-RU" dirty="0"/>
+          </a:p>
+        </p:txBody>
+      </p:sp>
+      <p:sp>
+        <p:nvSpPr>
+          <p:cNvPr id="4" name="Номер слайда 3"/>
           <p:cNvSpPr>
             <a:spLocks noGrp="1"/>
           </p:cNvSpPr>
@@ -4730,226 +5102,13 @@
               <a:t>4</a:t>
             </a:fld>
             <a:endParaRPr lang="ru-RU"/>
-          </a:p>
-        </p:txBody>
-      </p:sp>
-      <p:pic>
-        <p:nvPicPr>
-          <p:cNvPr id="7" name="Рисунок 6" descr="C:\Users\MCHS-05\Desktop\Модели от 23.04\ХИМИЯ\4.png"/>
-          <p:cNvPicPr/>
-          <p:nvPr/>
-        </p:nvPicPr>
-        <p:blipFill>
-          <a:blip r:embed="rId2" cstate="print">
-            <a:extLst>
-              <a:ext uri="{BEBA8EAE-BF5A-486C-A8C5-ECC9F3942E4B}">
-                <a14:imgProps xmlns:a14="http://schemas.microsoft.com/office/drawing/2010/main">
-                  <a14:imgLayer r:embed="rId3">
-                    <a14:imgEffect>
-                      <a14:saturation sat="0"/>
-                    </a14:imgEffect>
-                  </a14:imgLayer>
-                </a14:imgProps>
-              </a:ext>
-              <a:ext uri="{28A0092B-C50C-407E-A947-70E740481C1C}">
-                <a14:useLocalDpi xmlns:a14="http://schemas.microsoft.com/office/drawing/2010/main" val="0"/>
-              </a:ext>
-            </a:extLst>
-          </a:blip>
-          <a:srcRect/>
-          <a:stretch>
-            <a:fillRect/>
-          </a:stretch>
-        </p:blipFill>
-        <p:spPr bwMode="auto">
-          <a:xfrm>
-            <a:off x="4644008" y="3501008"/>
-            <a:ext cx="4158027" cy="2623421"/>
-          </a:xfrm>
-          <a:prstGeom prst="rect">
-            <a:avLst/>
-          </a:prstGeom>
-          <a:noFill/>
-          <a:ln>
-            <a:noFill/>
-          </a:ln>
-        </p:spPr>
-      </p:pic>
-      <p:sp>
-        <p:nvSpPr>
-          <p:cNvPr id="3" name="Прямоугольник 2"/>
-          <p:cNvSpPr/>
-          <p:nvPr/>
-        </p:nvSpPr>
-        <p:spPr>
-          <a:xfrm>
-            <a:off x="395536" y="1340768"/>
-            <a:ext cx="8028022" cy="1200329"/>
-          </a:xfrm>
-          <a:prstGeom prst="rect">
-            <a:avLst/>
-          </a:prstGeom>
-        </p:spPr>
-        <p:txBody>
-          <a:bodyPr wrap="square">
-            <a:spAutoFit/>
-          </a:bodyPr>
-          <a:lstStyle/>
-          <a:p>
-            <a:pPr algn="just"/>
-            <a:r>
-              <a:rPr lang="ru-RU" dirty="0" smtClean="0"/>
-              <a:t>	</a:t>
-            </a:r>
-            <a:r>
-              <a:rPr lang="x-none" smtClean="0"/>
-              <a:t>Расчётная </a:t>
-            </a:r>
-            <a:r>
-              <a:rPr lang="x-none"/>
-              <a:t>модель </a:t>
-            </a:r>
-            <a:r>
-              <a:rPr lang="ru-RU" i="1" dirty="0"/>
-              <a:t>«Прогнозирование и оценка химической обстановки при   выбросах в окружающую среду АХОВ</a:t>
-            </a:r>
-            <a:r>
-              <a:rPr lang="ru-RU" i="1" dirty="0" smtClean="0"/>
-              <a:t>» </a:t>
-            </a:r>
-            <a:r>
-              <a:rPr lang="ru-RU" dirty="0" smtClean="0"/>
-              <a:t>предназначена </a:t>
-            </a:r>
-            <a:r>
-              <a:rPr lang="ru-RU" dirty="0"/>
-              <a:t>для оценки последствий ЧС на химически опасном объекте или на транспорте осуществляющем перевозку опасных грузов. </a:t>
-            </a:r>
-          </a:p>
-        </p:txBody>
-      </p:sp>
-      <p:sp>
-        <p:nvSpPr>
-          <p:cNvPr id="4" name="TextBox 3"/>
-          <p:cNvSpPr txBox="1"/>
-          <p:nvPr/>
-        </p:nvSpPr>
-        <p:spPr>
-          <a:xfrm>
-            <a:off x="395536" y="2636912"/>
-            <a:ext cx="7824258" cy="646331"/>
-          </a:xfrm>
-          <a:prstGeom prst="rect">
-            <a:avLst/>
-          </a:prstGeom>
-          <a:noFill/>
-        </p:spPr>
-        <p:txBody>
-          <a:bodyPr wrap="none" rtlCol="0">
-            <a:spAutoFit/>
-          </a:bodyPr>
-          <a:lstStyle/>
-          <a:p>
-            <a:r>
-              <a:rPr lang="ru-RU" dirty="0" smtClean="0"/>
-              <a:t>Плюсы: </a:t>
-            </a:r>
-          </a:p>
-          <a:p>
-            <a:pPr marL="285750" indent="-285750">
-              <a:buFont typeface="Arial" panose="020B0604020202020204" pitchFamily="34" charset="0"/>
-              <a:buChar char="•"/>
-            </a:pPr>
-            <a:r>
-              <a:rPr lang="ru-RU" dirty="0" smtClean="0"/>
-              <a:t>детальный расчёт химической обстановки с учётом </a:t>
-            </a:r>
-            <a:r>
-              <a:rPr lang="ru-RU" dirty="0" err="1" smtClean="0"/>
-              <a:t>внешнихй</a:t>
-            </a:r>
-            <a:r>
-              <a:rPr lang="ru-RU" dirty="0" smtClean="0"/>
-              <a:t> параметров</a:t>
-            </a:r>
-            <a:endParaRPr lang="ru-RU" dirty="0"/>
-          </a:p>
-        </p:txBody>
-      </p:sp>
-      <p:sp>
-        <p:nvSpPr>
-          <p:cNvPr id="8" name="TextBox 7"/>
-          <p:cNvSpPr txBox="1"/>
-          <p:nvPr/>
-        </p:nvSpPr>
-        <p:spPr>
-          <a:xfrm>
-            <a:off x="539552" y="3501008"/>
-            <a:ext cx="3869995" cy="2862322"/>
-          </a:xfrm>
-          <a:prstGeom prst="rect">
-            <a:avLst/>
-          </a:prstGeom>
-          <a:noFill/>
-        </p:spPr>
-        <p:txBody>
-          <a:bodyPr wrap="square" rtlCol="0">
-            <a:spAutoFit/>
-          </a:bodyPr>
-          <a:lstStyle/>
-          <a:p>
-            <a:r>
-              <a:rPr lang="ru-RU" dirty="0" smtClean="0"/>
-              <a:t>Минусы:</a:t>
-            </a:r>
-          </a:p>
-          <a:p>
-            <a:pPr marL="285750" indent="-285750">
-              <a:buFont typeface="Arial" panose="020B0604020202020204" pitchFamily="34" charset="0"/>
-              <a:buChar char="•"/>
-            </a:pPr>
-            <a:r>
-              <a:rPr lang="ru-RU" dirty="0" smtClean="0"/>
-              <a:t>ручной ввод оператором всех параметров;</a:t>
-            </a:r>
-          </a:p>
-          <a:p>
-            <a:pPr marL="285750" indent="-285750">
-              <a:buFont typeface="Arial" panose="020B0604020202020204" pitchFamily="34" charset="0"/>
-              <a:buChar char="•"/>
-            </a:pPr>
-            <a:r>
-              <a:rPr lang="ru-RU" dirty="0" smtClean="0"/>
-              <a:t>отсутствие мониторинга перевозок;</a:t>
-            </a:r>
-          </a:p>
-          <a:p>
-            <a:pPr marL="285750" indent="-285750">
-              <a:buFont typeface="Arial" panose="020B0604020202020204" pitchFamily="34" charset="0"/>
-              <a:buChar char="•"/>
-            </a:pPr>
-            <a:r>
-              <a:rPr lang="ru-RU" dirty="0" smtClean="0"/>
-              <a:t>отсутствие информации о пунктах расположения сил МЧС;</a:t>
-            </a:r>
-          </a:p>
-          <a:p>
-            <a:pPr marL="285750" indent="-285750">
-              <a:buFont typeface="Arial" panose="020B0604020202020204" pitchFamily="34" charset="0"/>
-              <a:buChar char="•"/>
-            </a:pPr>
-            <a:r>
-              <a:rPr lang="ru-RU" dirty="0" smtClean="0"/>
-              <a:t>отсутствие прогнозирования времени устранения последствий аварии.</a:t>
-            </a:r>
-            <a:endParaRPr lang="ru-RU" dirty="0"/>
           </a:p>
         </p:txBody>
       </p:sp>
     </p:spTree>
     <p:extLst>
       <p:ext uri="{BB962C8B-B14F-4D97-AF65-F5344CB8AC3E}">
-        <p14:creationId xmlns:p14="http://schemas.microsoft.com/office/powerpoint/2010/main" val="469619164"/>
+        <p14:creationId xmlns:p14="http://schemas.microsoft.com/office/powerpoint/2010/main" val="413706906"/>
       </p:ext>
     </p:extLst>
   </p:cSld>
@@ -4995,17 +5154,19 @@
         </p:nvSpPr>
         <p:spPr>
           <a:xfrm>
-            <a:off x="467544" y="188640"/>
-            <a:ext cx="8229600" cy="882352"/>
+            <a:off x="467544" y="-243408"/>
+            <a:ext cx="8229600" cy="1143000"/>
           </a:xfrm>
         </p:spPr>
         <p:txBody>
-          <a:bodyPr/>
+          <a:bodyPr>
+            <a:normAutofit fontScale="90000"/>
+          </a:bodyPr>
           <a:lstStyle/>
           <a:p>
             <a:r>
               <a:rPr lang="ru-RU" dirty="0" smtClean="0"/>
-              <a:t>Структура программы</a:t>
+              <a:t>Варианты использования системы</a:t>
             </a:r>
             <a:endParaRPr lang="ru-RU" dirty="0"/>
           </a:p>
@@ -5036,13 +5197,11 @@
       </p:sp>
       <p:pic>
         <p:nvPicPr>
-          <p:cNvPr id="7" name="Объект 6"/>
+          <p:cNvPr id="1026" name="Picture 2" descr="прецедент11"/>
           <p:cNvPicPr>
-            <a:picLocks noGrp="1" noChangeAspect="1"/>
+            <a:picLocks noChangeAspect="1" noChangeArrowheads="1"/>
           </p:cNvPicPr>
-          <p:nvPr>
-            <p:ph idx="1"/>
-          </p:nvPr>
+          <p:nvPr/>
         </p:nvPicPr>
         <p:blipFill>
           <a:blip r:embed="rId2">
@@ -5052,27 +5211,61 @@
               </a:ext>
             </a:extLst>
           </a:blip>
+          <a:srcRect/>
           <a:stretch>
             <a:fillRect/>
           </a:stretch>
         </p:blipFill>
-        <p:spPr>
+        <p:spPr bwMode="auto">
           <a:xfrm>
-            <a:off x="899592" y="1196752"/>
-            <a:ext cx="7488832" cy="5470789"/>
+            <a:off x="1331640" y="734599"/>
+            <a:ext cx="6664027" cy="6123402"/>
           </a:xfrm>
+          <a:prstGeom prst="rect">
+            <a:avLst/>
+          </a:prstGeom>
+          <a:noFill/>
+          <a:ln>
+            <a:noFill/>
+          </a:ln>
+          <a:extLst>
+            <a:ext uri="{909E8E84-426E-40DD-AFC4-6F175D3DCCD1}">
+              <a14:hiddenFill xmlns:a14="http://schemas.microsoft.com/office/drawing/2010/main">
+                <a:solidFill>
+                  <a:srgbClr val="FFFFFF"/>
+                </a:solidFill>
+              </a14:hiddenFill>
+            </a:ext>
+            <a:ext uri="{91240B29-F687-4F45-9708-019B960494DF}">
+              <a14:hiddenLine xmlns:a14="http://schemas.microsoft.com/office/drawing/2010/main" w="9525">
+                <a:solidFill>
+                  <a:srgbClr val="000000"/>
+                </a:solidFill>
+                <a:miter lim="800000"/>
+                <a:headEnd/>
+                <a:tailEnd/>
+              </a14:hiddenLine>
+            </a:ext>
+          </a:extLst>
         </p:spPr>
       </p:pic>
     </p:spTree>
     <p:extLst>
       <p:ext uri="{BB962C8B-B14F-4D97-AF65-F5344CB8AC3E}">
-        <p14:creationId xmlns:p14="http://schemas.microsoft.com/office/powerpoint/2010/main" val="2421701798"/>
+        <p14:creationId xmlns:p14="http://schemas.microsoft.com/office/powerpoint/2010/main" val="702928724"/>
       </p:ext>
     </p:extLst>
   </p:cSld>
   <p:clrMapOvr>
     <a:masterClrMapping/>
   </p:clrMapOvr>
+  <p:timing>
+    <p:tnLst>
+      <p:par>
+        <p:cTn id="1" dur="indefinite" restart="never" nodeType="tmRoot"/>
+      </p:par>
+    </p:tnLst>
+  </p:timing>
 </p:sld>
 </file>
 
@@ -5103,80 +5296,19 @@
             <p:ph type="title"/>
           </p:nvPr>
         </p:nvSpPr>
-        <p:spPr/>
-        <p:txBody>
-          <a:bodyPr>
-            <a:normAutofit fontScale="90000"/>
-          </a:bodyPr>
+        <p:spPr>
+          <a:xfrm>
+            <a:off x="467544" y="-17253"/>
+            <a:ext cx="8229600" cy="1143000"/>
+          </a:xfrm>
+        </p:spPr>
+        <p:txBody>
+          <a:bodyPr/>
           <a:lstStyle/>
           <a:p>
             <a:r>
               <a:rPr lang="ru-RU" dirty="0" smtClean="0"/>
-              <a:t>Генерирование промежуточных стадий перевозки</a:t>
-            </a:r>
-            <a:endParaRPr lang="ru-RU" dirty="0"/>
-          </a:p>
-        </p:txBody>
-      </p:sp>
-      <p:sp>
-        <p:nvSpPr>
-          <p:cNvPr id="3" name="Объект 2"/>
-          <p:cNvSpPr>
-            <a:spLocks noGrp="1"/>
-          </p:cNvSpPr>
-          <p:nvPr>
-            <p:ph idx="1"/>
-          </p:nvPr>
-        </p:nvSpPr>
-        <p:spPr/>
-        <p:txBody>
-          <a:bodyPr/>
-          <a:lstStyle/>
-          <a:p>
-            <a:pPr marL="0" indent="0">
-              <a:buNone/>
-            </a:pPr>
-            <a:r>
-              <a:rPr lang="ru-RU" dirty="0" smtClean="0"/>
-              <a:t>Подходы к организации данных:</a:t>
-            </a:r>
-          </a:p>
-          <a:p>
-            <a:r>
-              <a:rPr lang="ru-RU" dirty="0" smtClean="0"/>
-              <a:t>Хранение временных таблиц в БД</a:t>
-            </a:r>
-          </a:p>
-          <a:p>
-            <a:pPr marL="457200" lvl="1" indent="0">
-              <a:buNone/>
-            </a:pPr>
-            <a:r>
-              <a:rPr lang="ru-RU" dirty="0" smtClean="0"/>
-              <a:t>Минус: долгие операции удаления/создания – самые частые.</a:t>
-            </a:r>
-          </a:p>
-          <a:p>
-            <a:r>
-              <a:rPr lang="ru-RU" dirty="0" smtClean="0"/>
-              <a:t>Хранение временных файлов</a:t>
-            </a:r>
-          </a:p>
-          <a:p>
-            <a:pPr marL="457200" lvl="1" indent="0">
-              <a:buNone/>
-            </a:pPr>
-            <a:r>
-              <a:rPr lang="ru-RU" dirty="0" smtClean="0"/>
-              <a:t>Плюс: быстрые (в аспекте удаления и создания) файловые потоки с</a:t>
-            </a:r>
-            <a:r>
-              <a:rPr lang="en-US" dirty="0" smtClean="0"/>
-              <a:t> </a:t>
-            </a:r>
-            <a:r>
-              <a:rPr lang="ru-RU" dirty="0" smtClean="0"/>
-              <a:t>количеством записей, не превышающим количество перевозок.</a:t>
+              <a:t>Общая схема программы</a:t>
             </a:r>
             <a:endParaRPr lang="ru-RU" dirty="0"/>
           </a:p>
@@ -5205,16 +5337,77 @@
           </a:p>
         </p:txBody>
       </p:sp>
+      <p:pic>
+        <p:nvPicPr>
+          <p:cNvPr id="2050" name="Picture 2" descr="main_logic3"/>
+          <p:cNvPicPr>
+            <a:picLocks noChangeAspect="1" noChangeArrowheads="1"/>
+          </p:cNvPicPr>
+          <p:nvPr/>
+        </p:nvPicPr>
+        <p:blipFill>
+          <a:blip r:embed="rId2">
+            <a:extLst>
+              <a:ext uri="{28A0092B-C50C-407E-A947-70E740481C1C}">
+                <a14:useLocalDpi xmlns:a14="http://schemas.microsoft.com/office/drawing/2010/main" val="0"/>
+              </a:ext>
+            </a:extLst>
+          </a:blip>
+          <a:srcRect/>
+          <a:stretch>
+            <a:fillRect/>
+          </a:stretch>
+        </p:blipFill>
+        <p:spPr bwMode="auto">
+          <a:xfrm>
+            <a:off x="755576" y="1268760"/>
+            <a:ext cx="7687904" cy="5328592"/>
+          </a:xfrm>
+          <a:prstGeom prst="rect">
+            <a:avLst/>
+          </a:prstGeom>
+          <a:noFill/>
+          <a:ln>
+            <a:noFill/>
+          </a:ln>
+          <a:extLst>
+            <a:ext uri="{909E8E84-426E-40DD-AFC4-6F175D3DCCD1}">
+              <a14:hiddenFill xmlns:a14="http://schemas.microsoft.com/office/drawing/2010/main">
+                <a:solidFill>
+                  <a:srgbClr val="FFFFFF"/>
+                </a:solidFill>
+              </a14:hiddenFill>
+            </a:ext>
+            <a:ext uri="{91240B29-F687-4F45-9708-019B960494DF}">
+              <a14:hiddenLine xmlns:a14="http://schemas.microsoft.com/office/drawing/2010/main" w="9525">
+                <a:solidFill>
+                  <a:srgbClr val="000000"/>
+                </a:solidFill>
+                <a:miter lim="800000"/>
+                <a:headEnd/>
+                <a:tailEnd/>
+              </a14:hiddenLine>
+            </a:ext>
+          </a:extLst>
+        </p:spPr>
+      </p:pic>
     </p:spTree>
     <p:extLst>
       <p:ext uri="{BB962C8B-B14F-4D97-AF65-F5344CB8AC3E}">
-        <p14:creationId xmlns:p14="http://schemas.microsoft.com/office/powerpoint/2010/main" val="2268017010"/>
+        <p14:creationId xmlns:p14="http://schemas.microsoft.com/office/powerpoint/2010/main" val="1986757563"/>
       </p:ext>
     </p:extLst>
   </p:cSld>
   <p:clrMapOvr>
     <a:masterClrMapping/>
   </p:clrMapOvr>
+  <p:timing>
+    <p:tnLst>
+      <p:par>
+        <p:cTn id="1" dur="indefinite" restart="never" nodeType="tmRoot"/>
+      </p:par>
+    </p:tnLst>
+  </p:timing>
 </p:sld>
 </file>
 
@@ -5245,7 +5438,12 @@
             <p:ph type="title"/>
           </p:nvPr>
         </p:nvSpPr>
-        <p:spPr/>
+        <p:spPr>
+          <a:xfrm>
+            <a:off x="504758" y="188640"/>
+            <a:ext cx="8229600" cy="1143000"/>
+          </a:xfrm>
+        </p:spPr>
         <p:txBody>
           <a:bodyPr>
             <a:normAutofit fontScale="90000"/>
@@ -5253,53 +5451,10 @@
           <a:lstStyle/>
           <a:p>
             <a:r>
-              <a:rPr lang="ru-RU" dirty="0"/>
-              <a:t>Генерирование промежуточных стадий перевозки</a:t>
-            </a:r>
-          </a:p>
-        </p:txBody>
-      </p:sp>
-      <p:sp>
-        <p:nvSpPr>
-          <p:cNvPr id="3" name="Объект 2"/>
-          <p:cNvSpPr>
-            <a:spLocks noGrp="1"/>
-          </p:cNvSpPr>
-          <p:nvPr>
-            <p:ph idx="1"/>
-          </p:nvPr>
-        </p:nvSpPr>
-        <p:spPr/>
-        <p:txBody>
-          <a:bodyPr>
-            <a:normAutofit/>
-          </a:bodyPr>
-          <a:lstStyle/>
-          <a:p>
-            <a:pPr marL="0" indent="0">
-              <a:buNone/>
-            </a:pPr>
-            <a:r>
-              <a:rPr lang="ru-RU" sz="2800" dirty="0" smtClean="0"/>
-              <a:t>Механизм предобработки данных основан на технологии </a:t>
-            </a:r>
-            <a:r>
-              <a:rPr lang="en-US" sz="2800" dirty="0" smtClean="0"/>
-              <a:t>Map/Reduce.</a:t>
-            </a:r>
-            <a:endParaRPr lang="ru-RU" sz="2800" dirty="0" smtClean="0"/>
-          </a:p>
-          <a:p>
-            <a:pPr marL="0" indent="0">
-              <a:buNone/>
-            </a:pPr>
-            <a:endParaRPr lang="ru-RU" sz="2800" dirty="0"/>
-          </a:p>
-          <a:p>
-            <a:pPr marL="0" indent="0">
-              <a:buNone/>
-            </a:pPr>
-            <a:endParaRPr lang="ru-RU" sz="2800" dirty="0" smtClean="0"/>
+              <a:rPr lang="ru-RU" dirty="0" smtClean="0"/>
+              <a:t>Взаимодействие основных процессов</a:t>
+            </a:r>
+            <a:endParaRPr lang="ru-RU" dirty="0"/>
           </a:p>
         </p:txBody>
       </p:sp>
@@ -5328,9 +5483,9 @@
       </p:sp>
       <p:pic>
         <p:nvPicPr>
-          <p:cNvPr id="5" name="Рисунок 4"/>
+          <p:cNvPr id="3074" name="Picture 2" descr="IDEF0"/>
           <p:cNvPicPr>
-            <a:picLocks noChangeAspect="1"/>
+            <a:picLocks noChangeAspect="1" noChangeArrowheads="1"/>
           </p:cNvPicPr>
           <p:nvPr/>
         </p:nvPicPr>
@@ -5342,24 +5497,48 @@
               </a:ext>
             </a:extLst>
           </a:blip>
+          <a:srcRect/>
           <a:stretch>
             <a:fillRect/>
           </a:stretch>
         </p:blipFill>
-        <p:spPr>
+        <p:spPr bwMode="auto">
           <a:xfrm>
-            <a:off x="825968" y="2780928"/>
-            <a:ext cx="7492064" cy="3542857"/>
+            <a:off x="323528" y="1514613"/>
+            <a:ext cx="8592061" cy="4536504"/>
           </a:xfrm>
           <a:prstGeom prst="rect">
             <a:avLst/>
           </a:prstGeom>
+          <a:noFill/>
+          <a:ln>
+            <a:noFill/>
+          </a:ln>
+          <a:extLst>
+            <a:ext uri="{909E8E84-426E-40DD-AFC4-6F175D3DCCD1}">
+              <a14:hiddenFill xmlns:a14="http://schemas.microsoft.com/office/drawing/2010/main">
+                <a:solidFill>
+                  <a:srgbClr val="FFFFFF"/>
+                </a:solidFill>
+              </a14:hiddenFill>
+            </a:ext>
+            <a:ext uri="{91240B29-F687-4F45-9708-019B960494DF}">
+              <a14:hiddenLine xmlns:a14="http://schemas.microsoft.com/office/drawing/2010/main" w="9525">
+                <a:solidFill>
+                  <a:srgbClr val="000000"/>
+                </a:solidFill>
+                <a:miter lim="800000"/>
+                <a:headEnd/>
+                <a:tailEnd/>
+              </a14:hiddenLine>
+            </a:ext>
+          </a:extLst>
         </p:spPr>
       </p:pic>
     </p:spTree>
     <p:extLst>
       <p:ext uri="{BB962C8B-B14F-4D97-AF65-F5344CB8AC3E}">
-        <p14:creationId xmlns:p14="http://schemas.microsoft.com/office/powerpoint/2010/main" val="807522931"/>
+        <p14:creationId xmlns:p14="http://schemas.microsoft.com/office/powerpoint/2010/main" val="3721312874"/>
       </p:ext>
     </p:extLst>
   </p:cSld>
@@ -5405,7 +5584,11 @@
           <a:p>
             <a:r>
               <a:rPr lang="ru-RU" dirty="0" smtClean="0"/>
-              <a:t>Анализ опасности. Поиск наиболее вероятной перевозки </a:t>
+              <a:t>Расчёт </a:t>
+            </a:r>
+            <a:r>
+              <a:rPr lang="ru-RU" dirty="0" smtClean="0"/>
+              <a:t>промежуточных стадий перевозки</a:t>
             </a:r>
             <a:endParaRPr lang="ru-RU" dirty="0"/>
           </a:p>
@@ -5424,108 +5607,69 @@
         <p:spPr/>
         <p:txBody>
           <a:bodyPr>
-            <a:normAutofit fontScale="92500" lnSpcReduction="10000"/>
+            <a:normAutofit/>
           </a:bodyPr>
           <a:lstStyle/>
           <a:p>
-            <a:pPr marL="514350" indent="-514350">
-              <a:buFont typeface="+mj-lt"/>
-              <a:buAutoNum type="arabicPeriod"/>
+            <a:pPr marL="0" indent="0">
+              <a:buNone/>
             </a:pPr>
             <a:r>
-              <a:rPr lang="ru-RU" sz="2400" dirty="0" smtClean="0"/>
-              <a:t> Выполняется выборка из файла времени, сгенерированного  или дополненного на этапе регистрации перевозки. </a:t>
-            </a:r>
-          </a:p>
-          <a:p>
-            <a:pPr marL="514350" indent="-514350">
-              <a:buFont typeface="+mj-lt"/>
-              <a:buAutoNum type="arabicPeriod"/>
+              <a:rPr lang="ru-RU" sz="2000" dirty="0" smtClean="0"/>
+              <a:t>Подходы к организации данных:</a:t>
+            </a:r>
+          </a:p>
+          <a:p>
+            <a:r>
+              <a:rPr lang="ru-RU" sz="2000" dirty="0" smtClean="0"/>
+              <a:t>Хранение временных таблиц в БД</a:t>
+            </a:r>
+          </a:p>
+          <a:p>
+            <a:pPr marL="457200" lvl="1" indent="0">
+              <a:buNone/>
             </a:pPr>
-            <a:endParaRPr lang="ru-RU" sz="2400" dirty="0"/>
-          </a:p>
-          <a:p>
-            <a:pPr marL="514350" indent="-514350">
-              <a:buFont typeface="+mj-lt"/>
-              <a:buAutoNum type="arabicPeriod"/>
+            <a:r>
+              <a:rPr lang="ru-RU" sz="2000" dirty="0" smtClean="0"/>
+              <a:t>Минус: долгие операции </a:t>
+            </a:r>
+            <a:r>
+              <a:rPr lang="ru-RU" sz="2000" dirty="0" smtClean="0"/>
+              <a:t>удаления/создания.</a:t>
+            </a:r>
+            <a:endParaRPr lang="ru-RU" sz="2000" dirty="0" smtClean="0"/>
+          </a:p>
+          <a:p>
+            <a:r>
+              <a:rPr lang="ru-RU" sz="2000" dirty="0" smtClean="0"/>
+              <a:t>Хранение временных файлов</a:t>
+            </a:r>
+          </a:p>
+          <a:p>
+            <a:pPr marL="457200" lvl="1" indent="0">
+              <a:buNone/>
             </a:pPr>
-            <a:endParaRPr lang="ru-RU" sz="2400" dirty="0" smtClean="0"/>
-          </a:p>
-          <a:p>
-            <a:pPr marL="514350" indent="-514350">
-              <a:buFont typeface="+mj-lt"/>
-              <a:buAutoNum type="arabicPeriod"/>
-            </a:pPr>
-            <a:endParaRPr lang="ru-RU" sz="2400" dirty="0"/>
-          </a:p>
-          <a:p>
-            <a:pPr marL="514350" indent="-514350">
-              <a:buFont typeface="+mj-lt"/>
-              <a:buAutoNum type="arabicPeriod"/>
-            </a:pPr>
-            <a:endParaRPr lang="ru-RU" sz="2400" dirty="0" smtClean="0"/>
-          </a:p>
-          <a:p>
-            <a:pPr marL="514350" indent="-514350">
-              <a:buFont typeface="+mj-lt"/>
-              <a:buAutoNum type="arabicPeriod"/>
-            </a:pPr>
-            <a:endParaRPr lang="ru-RU" sz="2400" dirty="0" smtClean="0"/>
-          </a:p>
-          <a:p>
-            <a:pPr marL="514350" indent="-514350">
-              <a:buFont typeface="+mj-lt"/>
-              <a:buAutoNum type="arabicPeriod"/>
-            </a:pPr>
-            <a:r>
-              <a:rPr lang="ru-RU" sz="2400" dirty="0" smtClean="0"/>
-              <a:t>Из подходящих перевозок, </a:t>
-            </a:r>
-          </a:p>
-          <a:p>
-            <a:pPr marL="0" indent="0">
-              <a:buNone/>
-            </a:pPr>
-            <a:r>
-              <a:rPr lang="ru-RU" sz="2400" dirty="0"/>
+            <a:r>
+              <a:rPr lang="ru-RU" sz="2000" dirty="0" smtClean="0"/>
+              <a:t>Плюс: быстрые (</a:t>
+            </a:r>
+            <a:r>
+              <a:rPr lang="ru-RU" sz="2000" dirty="0" smtClean="0"/>
+              <a:t>в плане удаления </a:t>
+            </a:r>
+            <a:r>
+              <a:rPr lang="ru-RU" sz="2000" dirty="0" smtClean="0"/>
+              <a:t>и создания) файловые потоки с</a:t>
+            </a:r>
+            <a:r>
+              <a:rPr lang="en-US" sz="2000" dirty="0" smtClean="0"/>
               <a:t> </a:t>
             </a:r>
             <a:r>
-              <a:rPr lang="ru-RU" sz="2400" dirty="0" smtClean="0"/>
-              <a:t>       используя файл перевозки, </a:t>
-            </a:r>
-          </a:p>
-          <a:p>
-            <a:pPr marL="0" indent="0">
-              <a:buNone/>
-            </a:pPr>
-            <a:r>
-              <a:rPr lang="ru-RU" sz="2400" dirty="0" smtClean="0"/>
-              <a:t>        выбирается та, для которой </a:t>
-            </a:r>
-          </a:p>
-          <a:p>
-            <a:pPr marL="0" indent="0">
-              <a:buNone/>
-            </a:pPr>
-            <a:r>
-              <a:rPr lang="ru-RU" sz="2400" dirty="0" smtClean="0"/>
-              <a:t>        текущая стадия </a:t>
-            </a:r>
-          </a:p>
-          <a:p>
-            <a:pPr marL="0" indent="0">
-              <a:buNone/>
-            </a:pPr>
-            <a:r>
-              <a:rPr lang="ru-RU" sz="2400" dirty="0"/>
-              <a:t> </a:t>
-            </a:r>
-            <a:r>
-              <a:rPr lang="ru-RU" sz="2400" dirty="0" smtClean="0"/>
-              <a:t>       наиболее ранняя.</a:t>
-            </a:r>
-            <a:endParaRPr lang="ru-RU" sz="2400" dirty="0"/>
+              <a:rPr lang="ru-RU" sz="2000" dirty="0" smtClean="0"/>
+              <a:t>количеством записей, не превышающим количество перевозок.</a:t>
+            </a:r>
+            <a:endParaRPr lang="ru-RU" sz="2000" dirty="0"/>
           </a:p>
         </p:txBody>
       </p:sp>
@@ -5583,7 +5727,7 @@
         </p:blipFill>
         <p:spPr>
           <a:xfrm>
-            <a:off x="5124935" y="2413529"/>
+            <a:off x="755575" y="4304531"/>
             <a:ext cx="3819525" cy="1381125"/>
           </a:xfrm>
           <a:prstGeom prst="rect">
@@ -5591,75 +5735,9 @@
           </a:prstGeom>
         </p:spPr>
       </p:pic>
-      <p:sp>
-        <p:nvSpPr>
-          <p:cNvPr id="6" name="TextBox 5"/>
-          <p:cNvSpPr txBox="1"/>
-          <p:nvPr/>
-        </p:nvSpPr>
-        <p:spPr>
-          <a:xfrm>
-            <a:off x="1095097" y="2780927"/>
-            <a:ext cx="3827843" cy="646331"/>
-          </a:xfrm>
-          <a:prstGeom prst="rect">
-            <a:avLst/>
-          </a:prstGeom>
-          <a:noFill/>
-        </p:spPr>
-        <p:txBody>
-          <a:bodyPr wrap="none" rtlCol="0">
-            <a:spAutoFit/>
-          </a:bodyPr>
-          <a:lstStyle/>
-          <a:p>
-            <a:r>
-              <a:rPr lang="ru-RU" dirty="0" smtClean="0"/>
-              <a:t>Количество записей в файле </a:t>
-            </a:r>
-          </a:p>
-          <a:p>
-            <a:r>
-              <a:rPr lang="ru-RU" dirty="0" smtClean="0"/>
-              <a:t>не превышает количество перевозок</a:t>
-            </a:r>
-            <a:endParaRPr lang="ru-RU" dirty="0"/>
-          </a:p>
-        </p:txBody>
-      </p:sp>
-      <p:sp>
-        <p:nvSpPr>
-          <p:cNvPr id="7" name="TextBox 6"/>
-          <p:cNvSpPr txBox="1"/>
-          <p:nvPr/>
-        </p:nvSpPr>
-        <p:spPr>
-          <a:xfrm>
-            <a:off x="5914112" y="3794654"/>
-            <a:ext cx="2260362" cy="338554"/>
-          </a:xfrm>
-          <a:prstGeom prst="rect">
-            <a:avLst/>
-          </a:prstGeom>
-          <a:noFill/>
-        </p:spPr>
-        <p:txBody>
-          <a:bodyPr wrap="none" rtlCol="0">
-            <a:spAutoFit/>
-          </a:bodyPr>
-          <a:lstStyle/>
-          <a:p>
-            <a:r>
-              <a:rPr lang="ru-RU" sz="1600" dirty="0" smtClean="0"/>
-              <a:t>Формат файла времени</a:t>
-            </a:r>
-            <a:endParaRPr lang="ru-RU" sz="1600" dirty="0"/>
-          </a:p>
-        </p:txBody>
-      </p:sp>
       <p:pic>
         <p:nvPicPr>
-          <p:cNvPr id="8" name="Рисунок 7"/>
+          <p:cNvPr id="6" name="Рисунок 5"/>
           <p:cNvPicPr>
             <a:picLocks noChangeAspect="1"/>
           </p:cNvPicPr>
@@ -5688,7 +5766,7 @@
         </p:blipFill>
         <p:spPr>
           <a:xfrm>
-            <a:off x="5148064" y="4312583"/>
+            <a:off x="4932040" y="3933056"/>
             <a:ext cx="3819525" cy="1752600"/>
           </a:xfrm>
           <a:prstGeom prst="rect">
@@ -5698,13 +5776,13 @@
       </p:pic>
       <p:sp>
         <p:nvSpPr>
-          <p:cNvPr id="9" name="TextBox 8"/>
+          <p:cNvPr id="7" name="TextBox 6"/>
           <p:cNvSpPr txBox="1"/>
           <p:nvPr/>
         </p:nvSpPr>
         <p:spPr>
           <a:xfrm>
-            <a:off x="5937241" y="6065183"/>
+            <a:off x="5711621" y="5719193"/>
             <a:ext cx="2410660" cy="338554"/>
           </a:xfrm>
           <a:prstGeom prst="rect">
@@ -5720,7 +5798,41 @@
           <a:p>
             <a:r>
               <a:rPr lang="ru-RU" sz="1600" dirty="0" smtClean="0"/>
-              <a:t>Формат файла перевозки</a:t>
+              <a:t>Формат файла </a:t>
+            </a:r>
+            <a:r>
+              <a:rPr lang="ru-RU" sz="1600" dirty="0" smtClean="0"/>
+              <a:t>перевозки</a:t>
+            </a:r>
+            <a:endParaRPr lang="ru-RU" sz="1600" dirty="0"/>
+          </a:p>
+        </p:txBody>
+      </p:sp>
+      <p:sp>
+        <p:nvSpPr>
+          <p:cNvPr id="8" name="TextBox 7"/>
+          <p:cNvSpPr txBox="1"/>
+          <p:nvPr/>
+        </p:nvSpPr>
+        <p:spPr>
+          <a:xfrm>
+            <a:off x="1535156" y="5718577"/>
+            <a:ext cx="2260362" cy="338554"/>
+          </a:xfrm>
+          <a:prstGeom prst="rect">
+            <a:avLst/>
+          </a:prstGeom>
+          <a:noFill/>
+        </p:spPr>
+        <p:txBody>
+          <a:bodyPr wrap="none" rtlCol="0">
+            <a:spAutoFit/>
+          </a:bodyPr>
+          <a:lstStyle/>
+          <a:p>
+            <a:r>
+              <a:rPr lang="ru-RU" sz="1600" dirty="0" smtClean="0"/>
+              <a:t>Формат файла времени</a:t>
             </a:r>
             <a:endParaRPr lang="ru-RU" sz="1600" dirty="0"/>
           </a:p>
@@ -5729,7 +5841,7 @@
     </p:spTree>
     <p:extLst>
       <p:ext uri="{BB962C8B-B14F-4D97-AF65-F5344CB8AC3E}">
-        <p14:creationId xmlns:p14="http://schemas.microsoft.com/office/powerpoint/2010/main" val="564455800"/>
+        <p14:creationId xmlns:p14="http://schemas.microsoft.com/office/powerpoint/2010/main" val="2268017010"/>
       </p:ext>
     </p:extLst>
   </p:cSld>
@@ -5774,14 +5886,13 @@
           <a:lstStyle/>
           <a:p>
             <a:r>
+              <a:rPr lang="ru-RU" dirty="0" smtClean="0"/>
+              <a:t>Расчёт </a:t>
+            </a:r>
+            <a:r>
               <a:rPr lang="ru-RU" dirty="0"/>
-              <a:t>Анализ опасности. </a:t>
-            </a:r>
-            <a:r>
-              <a:rPr lang="ru-RU" dirty="0" smtClean="0"/>
-              <a:t>Расчёт химической обстановки </a:t>
-            </a:r>
-            <a:endParaRPr lang="ru-RU" dirty="0"/>
+              <a:t>промежуточных стадий перевозки</a:t>
+            </a:r>
           </a:p>
         </p:txBody>
       </p:sp>
@@ -5797,8 +5908,8 @@
         </p:nvSpPr>
         <p:spPr>
           <a:xfrm>
-            <a:off x="457200" y="1600200"/>
-            <a:ext cx="8219256" cy="1252736"/>
+            <a:off x="457200" y="1700808"/>
+            <a:ext cx="8229600" cy="4425355"/>
           </a:xfrm>
         </p:spPr>
         <p:txBody>
@@ -5807,14 +5918,34 @@
           </a:bodyPr>
           <a:lstStyle/>
           <a:p>
-            <a:pPr marL="0" indent="0" algn="just">
+            <a:pPr marL="0" indent="0">
               <a:buNone/>
             </a:pPr>
             <a:r>
-              <a:rPr lang="ru-RU" sz="2400" dirty="0" smtClean="0"/>
-              <a:t>Производится по методике РД 52.04.253-90. Алгоритм позволяет определить площадь заражения, обезвреживающее вещество и его количество.</a:t>
-            </a:r>
-            <a:endParaRPr lang="ru-RU" dirty="0"/>
+              <a:rPr lang="ru-RU" sz="2000" dirty="0" smtClean="0"/>
+              <a:t>Механизм предобработки данных основан на технологии </a:t>
+            </a:r>
+            <a:r>
+              <a:rPr lang="en-US" sz="2000" dirty="0" err="1" smtClean="0"/>
+              <a:t>MapReduce</a:t>
+            </a:r>
+            <a:r>
+              <a:rPr lang="en-US" sz="2000" dirty="0" smtClean="0"/>
+              <a:t>.</a:t>
+            </a:r>
+            <a:endParaRPr lang="ru-RU" sz="2000" dirty="0" smtClean="0"/>
+          </a:p>
+          <a:p>
+            <a:pPr marL="0" indent="0">
+              <a:buNone/>
+            </a:pPr>
+            <a:endParaRPr lang="ru-RU" sz="2800" dirty="0"/>
+          </a:p>
+          <a:p>
+            <a:pPr marL="0" indent="0">
+              <a:buNone/>
+            </a:pPr>
+            <a:endParaRPr lang="ru-RU" sz="2800" dirty="0" smtClean="0"/>
           </a:p>
         </p:txBody>
       </p:sp>
@@ -5843,7 +5974,7 @@
       </p:sp>
       <p:pic>
         <p:nvPicPr>
-          <p:cNvPr id="7" name="Рисунок 6"/>
+          <p:cNvPr id="5" name="Рисунок 4"/>
           <p:cNvPicPr>
             <a:picLocks noChangeAspect="1"/>
           </p:cNvPicPr>
@@ -5852,15 +5983,6 @@
         <p:blipFill>
           <a:blip r:embed="rId2">
             <a:extLst>
-              <a:ext uri="{BEBA8EAE-BF5A-486C-A8C5-ECC9F3942E4B}">
-                <a14:imgProps xmlns:a14="http://schemas.microsoft.com/office/drawing/2010/main">
-                  <a14:imgLayer r:embed="rId3">
-                    <a14:imgEffect>
-                      <a14:saturation sat="0"/>
-                    </a14:imgEffect>
-                  </a14:imgLayer>
-                </a14:imgProps>
-              </a:ext>
               <a:ext uri="{28A0092B-C50C-407E-A947-70E740481C1C}">
                 <a14:useLocalDpi xmlns:a14="http://schemas.microsoft.com/office/drawing/2010/main" val="0"/>
               </a:ext>
@@ -5872,8 +5994,8 @@
         </p:blipFill>
         <p:spPr>
           <a:xfrm>
-            <a:off x="151421" y="3212976"/>
-            <a:ext cx="8782050" cy="2543175"/>
+            <a:off x="825241" y="2564904"/>
+            <a:ext cx="7492064" cy="3542857"/>
           </a:xfrm>
           <a:prstGeom prst="rect">
             <a:avLst/>
@@ -5883,7 +6005,7 @@
     </p:spTree>
     <p:extLst>
       <p:ext uri="{BB962C8B-B14F-4D97-AF65-F5344CB8AC3E}">
-        <p14:creationId xmlns:p14="http://schemas.microsoft.com/office/powerpoint/2010/main" val="79784137"/>
+        <p14:creationId xmlns:p14="http://schemas.microsoft.com/office/powerpoint/2010/main" val="807522931"/>
       </p:ext>
     </p:extLst>
   </p:cSld>

--- a/РПЗ/Презентация.pptx
+++ b/РПЗ/Презентация.pptx
@@ -9,17 +9,17 @@
   </p:notesMasterIdLst>
   <p:sldIdLst>
     <p:sldId id="256" r:id="rId2"/>
-    <p:sldId id="274" r:id="rId3"/>
-    <p:sldId id="266" r:id="rId4"/>
-    <p:sldId id="275" r:id="rId5"/>
-    <p:sldId id="276" r:id="rId6"/>
-    <p:sldId id="267" r:id="rId7"/>
-    <p:sldId id="277" r:id="rId8"/>
+    <p:sldId id="266" r:id="rId3"/>
+    <p:sldId id="275" r:id="rId4"/>
+    <p:sldId id="276" r:id="rId5"/>
+    <p:sldId id="267" r:id="rId6"/>
+    <p:sldId id="277" r:id="rId7"/>
+    <p:sldId id="269" r:id="rId8"/>
     <p:sldId id="268" r:id="rId9"/>
-    <p:sldId id="269" r:id="rId10"/>
-    <p:sldId id="280" r:id="rId11"/>
-    <p:sldId id="273" r:id="rId12"/>
-    <p:sldId id="278" r:id="rId13"/>
+    <p:sldId id="280" r:id="rId10"/>
+    <p:sldId id="273" r:id="rId11"/>
+    <p:sldId id="278" r:id="rId12"/>
+    <p:sldId id="281" r:id="rId13"/>
     <p:sldId id="279" r:id="rId14"/>
     <p:sldId id="265" r:id="rId15"/>
   </p:sldIdLst>
@@ -205,7 +205,7 @@
           <a:p>
             <a:fld id="{C730F506-EF63-4341-AF7B-F6DB2EA94D2D}" type="datetimeFigureOut">
               <a:rPr lang="ru-RU" smtClean="0"/>
-              <a:t>30.05.2015</a:t>
+              <a:t>31.05.2015</a:t>
             </a:fld>
             <a:endParaRPr lang="ru-RU"/>
           </a:p>
@@ -654,7 +654,7 @@
           <a:p>
             <a:fld id="{4E25848D-CB8C-4FE8-A10A-D947B21F1304}" type="datetime1">
               <a:rPr lang="ru-RU" smtClean="0"/>
-              <a:t>30.05.2015</a:t>
+              <a:t>31.05.2015</a:t>
             </a:fld>
             <a:endParaRPr lang="ru-RU"/>
           </a:p>
@@ -824,7 +824,7 @@
           <a:p>
             <a:fld id="{5E475643-127F-4557-9492-20E6AB57BAF5}" type="datetime1">
               <a:rPr lang="ru-RU" smtClean="0"/>
-              <a:t>30.05.2015</a:t>
+              <a:t>31.05.2015</a:t>
             </a:fld>
             <a:endParaRPr lang="ru-RU"/>
           </a:p>
@@ -1004,7 +1004,7 @@
           <a:p>
             <a:fld id="{F0321801-3379-4C6F-AEF1-F0CEEA4618BD}" type="datetime1">
               <a:rPr lang="ru-RU" smtClean="0"/>
-              <a:t>30.05.2015</a:t>
+              <a:t>31.05.2015</a:t>
             </a:fld>
             <a:endParaRPr lang="ru-RU"/>
           </a:p>
@@ -1174,7 +1174,7 @@
           <a:p>
             <a:fld id="{AEE6A114-20B6-4466-BD8E-EA0F33E87D9D}" type="datetime1">
               <a:rPr lang="ru-RU" smtClean="0"/>
-              <a:t>30.05.2015</a:t>
+              <a:t>31.05.2015</a:t>
             </a:fld>
             <a:endParaRPr lang="ru-RU"/>
           </a:p>
@@ -1420,7 +1420,7 @@
           <a:p>
             <a:fld id="{45EC15D3-8E54-4002-AA50-19E6FA2B2DB8}" type="datetime1">
               <a:rPr lang="ru-RU" smtClean="0"/>
-              <a:t>30.05.2015</a:t>
+              <a:t>31.05.2015</a:t>
             </a:fld>
             <a:endParaRPr lang="ru-RU"/>
           </a:p>
@@ -1708,7 +1708,7 @@
           <a:p>
             <a:fld id="{97BF2791-FC52-465E-975E-61B6523C0B9E}" type="datetime1">
               <a:rPr lang="ru-RU" smtClean="0"/>
-              <a:t>30.05.2015</a:t>
+              <a:t>31.05.2015</a:t>
             </a:fld>
             <a:endParaRPr lang="ru-RU"/>
           </a:p>
@@ -2130,7 +2130,7 @@
           <a:p>
             <a:fld id="{DA7728D6-C8AD-432D-9C2F-616A89722BC0}" type="datetime1">
               <a:rPr lang="ru-RU" smtClean="0"/>
-              <a:t>30.05.2015</a:t>
+              <a:t>31.05.2015</a:t>
             </a:fld>
             <a:endParaRPr lang="ru-RU"/>
           </a:p>
@@ -2248,7 +2248,7 @@
           <a:p>
             <a:fld id="{A1B9300E-CD00-40EC-B082-FA4253D1643D}" type="datetime1">
               <a:rPr lang="ru-RU" smtClean="0"/>
-              <a:t>30.05.2015</a:t>
+              <a:t>31.05.2015</a:t>
             </a:fld>
             <a:endParaRPr lang="ru-RU"/>
           </a:p>
@@ -2343,7 +2343,7 @@
           <a:p>
             <a:fld id="{9AE6DE28-9DDF-4513-AF17-CF750CE20313}" type="datetime1">
               <a:rPr lang="ru-RU" smtClean="0"/>
-              <a:t>30.05.2015</a:t>
+              <a:t>31.05.2015</a:t>
             </a:fld>
             <a:endParaRPr lang="ru-RU"/>
           </a:p>
@@ -2620,7 +2620,7 @@
           <a:p>
             <a:fld id="{904DEBEB-9F1A-4B4D-A93B-9F07D00B81CE}" type="datetime1">
               <a:rPr lang="ru-RU" smtClean="0"/>
-              <a:t>30.05.2015</a:t>
+              <a:t>31.05.2015</a:t>
             </a:fld>
             <a:endParaRPr lang="ru-RU"/>
           </a:p>
@@ -2873,7 +2873,7 @@
           <a:p>
             <a:fld id="{5FA49091-EF67-49C9-A9B0-5183862871E9}" type="datetime1">
               <a:rPr lang="ru-RU" smtClean="0"/>
-              <a:t>30.05.2015</a:t>
+              <a:t>31.05.2015</a:t>
             </a:fld>
             <a:endParaRPr lang="ru-RU"/>
           </a:p>
@@ -3086,7 +3086,7 @@
           <a:p>
             <a:fld id="{13F5BCA4-39B8-47F0-88D6-DB717347CF39}" type="datetime1">
               <a:rPr lang="ru-RU" smtClean="0"/>
-              <a:t>30.05.2015</a:t>
+              <a:t>31.05.2015</a:t>
             </a:fld>
             <a:endParaRPr lang="ru-RU"/>
           </a:p>
@@ -3564,27 +3564,14 @@
             <a:pPr algn="r"/>
             <a:r>
               <a:rPr lang="ru-RU" dirty="0" smtClean="0"/>
-              <a:t>Студент: </a:t>
-            </a:r>
+              <a:t>Студент: Пахомов Александр Александрович</a:t>
+            </a:r>
+          </a:p>
+          <a:p>
+            <a:pPr algn="r"/>
             <a:r>
               <a:rPr lang="ru-RU" dirty="0" smtClean="0"/>
-              <a:t>Пахомов Александр </a:t>
-            </a:r>
-            <a:r>
-              <a:rPr lang="ru-RU" dirty="0" smtClean="0"/>
-              <a:t>Александрович</a:t>
-            </a:r>
-            <a:endParaRPr lang="ru-RU" dirty="0" smtClean="0"/>
-          </a:p>
-          <a:p>
-            <a:pPr algn="r"/>
-            <a:r>
-              <a:rPr lang="ru-RU" dirty="0" smtClean="0"/>
-              <a:t>	Руководитель: Волкова Лилия </a:t>
-            </a:r>
-            <a:r>
-              <a:rPr lang="ru-RU" dirty="0" smtClean="0"/>
-              <a:t>Леонидовна</a:t>
+              <a:t>	Руководитель: Волкова Лилия Леонидовна</a:t>
             </a:r>
             <a:endParaRPr lang="ru-RU" dirty="0"/>
           </a:p>
@@ -3695,177 +3682,6 @@
         </p:nvSpPr>
         <p:spPr>
           <a:xfrm>
-            <a:off x="467544" y="44624"/>
-            <a:ext cx="8229600" cy="1143000"/>
-          </a:xfrm>
-        </p:spPr>
-        <p:txBody>
-          <a:bodyPr>
-            <a:normAutofit/>
-          </a:bodyPr>
-          <a:lstStyle/>
-          <a:p>
-            <a:r>
-              <a:rPr lang="ru-RU" sz="3200" dirty="0" smtClean="0"/>
-              <a:t>Метод </a:t>
-            </a:r>
-            <a:r>
-              <a:rPr lang="ru-RU" sz="3200" dirty="0"/>
-              <a:t>выборки необходимых аварийно-спасательных подразделений</a:t>
-            </a:r>
-          </a:p>
-        </p:txBody>
-      </p:sp>
-      <p:sp>
-        <p:nvSpPr>
-          <p:cNvPr id="3" name="Объект 2"/>
-          <p:cNvSpPr>
-            <a:spLocks noGrp="1"/>
-          </p:cNvSpPr>
-          <p:nvPr>
-            <p:ph idx="1"/>
-          </p:nvPr>
-        </p:nvSpPr>
-        <p:spPr>
-          <a:xfrm>
-            <a:off x="457200" y="1340768"/>
-            <a:ext cx="8229600" cy="4785395"/>
-          </a:xfrm>
-        </p:spPr>
-        <p:txBody>
-          <a:bodyPr>
-            <a:normAutofit/>
-          </a:bodyPr>
-          <a:lstStyle/>
-          <a:p>
-            <a:pPr marL="514350" lvl="0" indent="-514350">
-              <a:buFont typeface="+mj-lt"/>
-              <a:buAutoNum type="arabicPeriod"/>
-            </a:pPr>
-            <a:r>
-              <a:rPr lang="ru-RU" sz="2400" dirty="0"/>
-              <a:t>О</a:t>
-            </a:r>
-            <a:r>
-              <a:rPr lang="ru-RU" sz="2400" dirty="0" smtClean="0"/>
-              <a:t>повестить </a:t>
-            </a:r>
-            <a:r>
-              <a:rPr lang="ru-RU" sz="2400" dirty="0"/>
-              <a:t>пункты, в которых есть необходимое обезвреживающее вещество в необходимом суммарном </a:t>
-            </a:r>
-            <a:r>
-              <a:rPr lang="ru-RU" sz="2400" dirty="0" smtClean="0"/>
-              <a:t>количестве.</a:t>
-            </a:r>
-            <a:endParaRPr lang="ru-RU" sz="2400" dirty="0"/>
-          </a:p>
-          <a:p>
-            <a:pPr marL="514350" lvl="0" indent="-514350">
-              <a:buFont typeface="+mj-lt"/>
-              <a:buAutoNum type="arabicPeriod"/>
-            </a:pPr>
-            <a:r>
-              <a:rPr lang="ru-RU" sz="2400" dirty="0" smtClean="0"/>
-              <a:t>Последовательно </a:t>
-            </a:r>
-            <a:r>
-              <a:rPr lang="ru-RU" sz="2400" dirty="0"/>
-              <a:t>фиксировать ограничение во времени устранения, начиная с 1 часа, находить аварийно-спасательные подразделения, суммарные ресурсы которых позволяют устранить последствия за это время, и суммировать его со временем прибытия самого дальнего </a:t>
-            </a:r>
-            <a:r>
-              <a:rPr lang="ru-RU" sz="2400" dirty="0" smtClean="0"/>
-              <a:t>состава.</a:t>
-            </a:r>
-            <a:endParaRPr lang="ru-RU" sz="2400" dirty="0"/>
-          </a:p>
-          <a:p>
-            <a:pPr marL="514350" lvl="0" indent="-514350">
-              <a:buFont typeface="+mj-lt"/>
-              <a:buAutoNum type="arabicPeriod"/>
-            </a:pPr>
-            <a:r>
-              <a:rPr lang="ru-RU" sz="2400" dirty="0" smtClean="0"/>
-              <a:t>Найти </a:t>
-            </a:r>
-            <a:r>
-              <a:rPr lang="ru-RU" sz="2400" dirty="0"/>
-              <a:t>минимальную из таких сумм и оповестить используемые при получении данного результата подразделения ФПС МЧС России.</a:t>
-            </a:r>
-          </a:p>
-          <a:p>
-            <a:pPr marL="0" indent="0">
-              <a:buNone/>
-            </a:pPr>
-            <a:endParaRPr lang="ru-RU" dirty="0"/>
-          </a:p>
-        </p:txBody>
-      </p:sp>
-      <p:sp>
-        <p:nvSpPr>
-          <p:cNvPr id="4" name="Номер слайда 3"/>
-          <p:cNvSpPr>
-            <a:spLocks noGrp="1"/>
-          </p:cNvSpPr>
-          <p:nvPr>
-            <p:ph type="sldNum" sz="quarter" idx="12"/>
-          </p:nvPr>
-        </p:nvSpPr>
-        <p:spPr/>
-        <p:txBody>
-          <a:bodyPr/>
-          <a:lstStyle/>
-          <a:p>
-            <a:fld id="{61BE07CB-EFF4-4703-B3C2-D7B73A5F42A0}" type="slidenum">
-              <a:rPr lang="ru-RU" smtClean="0"/>
-              <a:t>10</a:t>
-            </a:fld>
-            <a:endParaRPr lang="ru-RU"/>
-          </a:p>
-        </p:txBody>
-      </p:sp>
-    </p:spTree>
-    <p:extLst>
-      <p:ext uri="{BB962C8B-B14F-4D97-AF65-F5344CB8AC3E}">
-        <p14:creationId xmlns:p14="http://schemas.microsoft.com/office/powerpoint/2010/main" val="3755868686"/>
-      </p:ext>
-    </p:extLst>
-  </p:cSld>
-  <p:clrMapOvr>
-    <a:masterClrMapping/>
-  </p:clrMapOvr>
-</p:sld>
-</file>
-
-<file path=ppt/slides/slide11.xml><?xml version="1.0" encoding="utf-8"?>
-<p:sld xmlns:a="http://schemas.openxmlformats.org/drawingml/2006/main" xmlns:r="http://schemas.openxmlformats.org/officeDocument/2006/relationships" xmlns:p="http://schemas.openxmlformats.org/presentationml/2006/main">
-  <p:cSld>
-    <p:spTree>
-      <p:nvGrpSpPr>
-        <p:cNvPr id="1" name=""/>
-        <p:cNvGrpSpPr/>
-        <p:nvPr/>
-      </p:nvGrpSpPr>
-      <p:grpSpPr>
-        <a:xfrm>
-          <a:off x="0" y="0"/>
-          <a:ext cx="0" cy="0"/>
-          <a:chOff x="0" y="0"/>
-          <a:chExt cx="0" cy="0"/>
-        </a:xfrm>
-      </p:grpSpPr>
-      <p:sp>
-        <p:nvSpPr>
-          <p:cNvPr id="2" name="Заголовок 1"/>
-          <p:cNvSpPr>
-            <a:spLocks noGrp="1"/>
-          </p:cNvSpPr>
-          <p:nvPr>
-            <p:ph type="title"/>
-          </p:nvPr>
-        </p:nvSpPr>
-        <p:spPr>
-          <a:xfrm>
             <a:off x="467544" y="-99392"/>
             <a:ext cx="8229600" cy="1143000"/>
           </a:xfrm>
@@ -3901,7 +3717,7 @@
           <a:p>
             <a:fld id="{61BE07CB-EFF4-4703-B3C2-D7B73A5F42A0}" type="slidenum">
               <a:rPr lang="ru-RU" smtClean="0"/>
-              <a:t>11</a:t>
+              <a:t>10</a:t>
             </a:fld>
             <a:endParaRPr lang="ru-RU"/>
           </a:p>
@@ -4017,9 +3833,9 @@
       </p:pic>
       <p:pic>
         <p:nvPicPr>
-          <p:cNvPr id="4100" name="Picture 4" descr="расчёт времени устранения2"/>
+          <p:cNvPr id="3" name="Рисунок 2"/>
           <p:cNvPicPr>
-            <a:picLocks noChangeAspect="1" noChangeArrowheads="1"/>
+            <a:picLocks noChangeAspect="1"/>
           </p:cNvPicPr>
           <p:nvPr/>
         </p:nvPicPr>
@@ -4031,42 +3847,18 @@
               </a:ext>
             </a:extLst>
           </a:blip>
-          <a:srcRect/>
           <a:stretch>
             <a:fillRect/>
           </a:stretch>
         </p:blipFill>
-        <p:spPr bwMode="auto">
+        <p:spPr>
           <a:xfrm>
-            <a:off x="5652119" y="2184325"/>
-            <a:ext cx="3415843" cy="3161352"/>
+            <a:off x="5665385" y="1988840"/>
+            <a:ext cx="3431407" cy="3228064"/>
           </a:xfrm>
           <a:prstGeom prst="rect">
             <a:avLst/>
           </a:prstGeom>
-          <a:noFill/>
-          <a:ln>
-            <a:noFill/>
-          </a:ln>
-          <a:extLst>
-            <a:ext uri="{909E8E84-426E-40DD-AFC4-6F175D3DCCD1}">
-              <a14:hiddenFill xmlns:a14="http://schemas.microsoft.com/office/drawing/2010/main">
-                <a:solidFill>
-                  <a:srgbClr val="FFFFFF"/>
-                </a:solidFill>
-              </a14:hiddenFill>
-            </a:ext>
-            <a:ext uri="{91240B29-F687-4F45-9708-019B960494DF}">
-              <a14:hiddenLine xmlns:a14="http://schemas.microsoft.com/office/drawing/2010/main" w="9525">
-                <a:solidFill>
-                  <a:srgbClr val="000000"/>
-                </a:solidFill>
-                <a:miter lim="800000"/>
-                <a:headEnd/>
-                <a:tailEnd/>
-              </a14:hiddenLine>
-            </a:ext>
-          </a:extLst>
         </p:spPr>
       </p:pic>
     </p:spTree>
@@ -4082,7 +3874,7 @@
 </p:sld>
 </file>
 
-<file path=ppt/slides/slide12.xml><?xml version="1.0" encoding="utf-8"?>
+<file path=ppt/slides/slide11.xml><?xml version="1.0" encoding="utf-8"?>
 <p:sld xmlns:a="http://schemas.openxmlformats.org/drawingml/2006/main" xmlns:r="http://schemas.openxmlformats.org/officeDocument/2006/relationships" xmlns:p="http://schemas.openxmlformats.org/presentationml/2006/main">
   <p:cSld>
     <p:spTree>
@@ -4121,7 +3913,11 @@
           <a:p>
             <a:r>
               <a:rPr lang="ru-RU" dirty="0" smtClean="0"/>
-              <a:t>Создание отчёта</a:t>
+              <a:t>Пример созданного</a:t>
+            </a:r>
+            <a:r>
+              <a:rPr lang="ru-RU" dirty="0" smtClean="0"/>
+              <a:t> отчёта</a:t>
             </a:r>
             <a:endParaRPr lang="ru-RU" dirty="0"/>
           </a:p>
@@ -4144,7 +3940,7 @@
           <a:p>
             <a:fld id="{61BE07CB-EFF4-4703-B3C2-D7B73A5F42A0}" type="slidenum">
               <a:rPr lang="ru-RU" smtClean="0"/>
-              <a:t>12</a:t>
+              <a:t>11</a:t>
             </a:fld>
             <a:endParaRPr lang="ru-RU"/>
           </a:p>
@@ -4173,8 +3969,8 @@
         </p:blipFill>
         <p:spPr bwMode="auto">
           <a:xfrm>
-            <a:off x="1308394" y="1124744"/>
-            <a:ext cx="6768752" cy="5110184"/>
+            <a:off x="971600" y="980728"/>
+            <a:ext cx="7272808" cy="5490728"/>
           </a:xfrm>
           <a:prstGeom prst="rect">
             <a:avLst/>
@@ -4217,6 +4013,256 @@
 </p:sld>
 </file>
 
+<file path=ppt/slides/slide12.xml><?xml version="1.0" encoding="utf-8"?>
+<p:sld xmlns:a="http://schemas.openxmlformats.org/drawingml/2006/main" xmlns:r="http://schemas.openxmlformats.org/officeDocument/2006/relationships" xmlns:p="http://schemas.openxmlformats.org/presentationml/2006/main">
+  <p:cSld>
+    <p:spTree>
+      <p:nvGrpSpPr>
+        <p:cNvPr id="1" name=""/>
+        <p:cNvGrpSpPr/>
+        <p:nvPr/>
+      </p:nvGrpSpPr>
+      <p:grpSpPr>
+        <a:xfrm>
+          <a:off x="0" y="0"/>
+          <a:ext cx="0" cy="0"/>
+          <a:chOff x="0" y="0"/>
+          <a:chExt cx="0" cy="0"/>
+        </a:xfrm>
+      </p:grpSpPr>
+      <p:sp>
+        <p:nvSpPr>
+          <p:cNvPr id="2" name="Заголовок 1"/>
+          <p:cNvSpPr>
+            <a:spLocks noGrp="1"/>
+          </p:cNvSpPr>
+          <p:nvPr>
+            <p:ph type="title"/>
+          </p:nvPr>
+        </p:nvSpPr>
+        <p:spPr>
+          <a:xfrm>
+            <a:off x="467544" y="0"/>
+            <a:ext cx="8229600" cy="1143000"/>
+          </a:xfrm>
+        </p:spPr>
+        <p:txBody>
+          <a:bodyPr>
+            <a:noAutofit/>
+          </a:bodyPr>
+          <a:lstStyle/>
+          <a:p>
+            <a:r>
+              <a:rPr lang="ru-RU" sz="3600" smtClean="0"/>
+              <a:t>Примеры </a:t>
+            </a:r>
+            <a:r>
+              <a:rPr lang="ru-RU" sz="3600" dirty="0" smtClean="0"/>
+              <a:t>отчётов о ЧС последствия которых не удастся устранить за 24 часа</a:t>
+            </a:r>
+            <a:endParaRPr lang="ru-RU" sz="3600" dirty="0"/>
+          </a:p>
+        </p:txBody>
+      </p:sp>
+      <p:sp>
+        <p:nvSpPr>
+          <p:cNvPr id="4" name="Номер слайда 3"/>
+          <p:cNvSpPr>
+            <a:spLocks noGrp="1"/>
+          </p:cNvSpPr>
+          <p:nvPr>
+            <p:ph type="sldNum" sz="quarter" idx="12"/>
+          </p:nvPr>
+        </p:nvSpPr>
+        <p:spPr/>
+        <p:txBody>
+          <a:bodyPr/>
+          <a:lstStyle/>
+          <a:p>
+            <a:fld id="{61BE07CB-EFF4-4703-B3C2-D7B73A5F42A0}" type="slidenum">
+              <a:rPr lang="ru-RU" smtClean="0"/>
+              <a:t>12</a:t>
+            </a:fld>
+            <a:endParaRPr lang="ru-RU"/>
+          </a:p>
+        </p:txBody>
+      </p:sp>
+      <p:pic>
+        <p:nvPicPr>
+          <p:cNvPr id="5" name="Picture 2"/>
+          <p:cNvPicPr>
+            <a:picLocks noChangeAspect="1" noChangeArrowheads="1"/>
+          </p:cNvPicPr>
+          <p:nvPr/>
+        </p:nvPicPr>
+        <p:blipFill>
+          <a:blip r:embed="rId2">
+            <a:grayscl/>
+            <a:extLst>
+              <a:ext uri="{28A0092B-C50C-407E-A947-70E740481C1C}">
+                <a14:useLocalDpi xmlns:a14="http://schemas.microsoft.com/office/drawing/2010/main" val="0"/>
+              </a:ext>
+            </a:extLst>
+          </a:blip>
+          <a:srcRect/>
+          <a:stretch>
+            <a:fillRect/>
+          </a:stretch>
+        </p:blipFill>
+        <p:spPr bwMode="auto">
+          <a:xfrm>
+            <a:off x="3295768" y="1412776"/>
+            <a:ext cx="5654309" cy="3816424"/>
+          </a:xfrm>
+          <a:prstGeom prst="rect">
+            <a:avLst/>
+          </a:prstGeom>
+          <a:noFill/>
+          <a:ln>
+            <a:noFill/>
+          </a:ln>
+          <a:extLst>
+            <a:ext uri="{909E8E84-426E-40DD-AFC4-6F175D3DCCD1}">
+              <a14:hiddenFill xmlns:a14="http://schemas.microsoft.com/office/drawing/2010/main">
+                <a:solidFill>
+                  <a:srgbClr val="FFFFFF"/>
+                </a:solidFill>
+              </a14:hiddenFill>
+            </a:ext>
+            <a:ext uri="{91240B29-F687-4F45-9708-019B960494DF}">
+              <a14:hiddenLine xmlns:a14="http://schemas.microsoft.com/office/drawing/2010/main" w="9525">
+                <a:solidFill>
+                  <a:srgbClr val="000000"/>
+                </a:solidFill>
+                <a:miter lim="800000"/>
+                <a:headEnd/>
+                <a:tailEnd/>
+              </a14:hiddenLine>
+            </a:ext>
+          </a:extLst>
+        </p:spPr>
+      </p:pic>
+      <p:pic>
+        <p:nvPicPr>
+          <p:cNvPr id="6" name="Рисунок 5"/>
+          <p:cNvPicPr>
+            <a:picLocks noChangeAspect="1"/>
+          </p:cNvPicPr>
+          <p:nvPr/>
+        </p:nvPicPr>
+        <p:blipFill>
+          <a:blip r:embed="rId3">
+            <a:extLst>
+              <a:ext uri="{28A0092B-C50C-407E-A947-70E740481C1C}">
+                <a14:useLocalDpi xmlns:a14="http://schemas.microsoft.com/office/drawing/2010/main" val="0"/>
+              </a:ext>
+            </a:extLst>
+          </a:blip>
+          <a:stretch>
+            <a:fillRect/>
+          </a:stretch>
+        </p:blipFill>
+        <p:spPr>
+          <a:xfrm>
+            <a:off x="395536" y="5543178"/>
+            <a:ext cx="4325516" cy="1019389"/>
+          </a:xfrm>
+          <a:prstGeom prst="rect">
+            <a:avLst/>
+          </a:prstGeom>
+        </p:spPr>
+      </p:pic>
+      <p:sp>
+        <p:nvSpPr>
+          <p:cNvPr id="7" name="TextBox 6"/>
+          <p:cNvSpPr txBox="1"/>
+          <p:nvPr/>
+        </p:nvSpPr>
+        <p:spPr>
+          <a:xfrm>
+            <a:off x="539552" y="2204864"/>
+            <a:ext cx="2621743" cy="1200329"/>
+          </a:xfrm>
+          <a:prstGeom prst="rect">
+            <a:avLst/>
+          </a:prstGeom>
+          <a:noFill/>
+        </p:spPr>
+        <p:txBody>
+          <a:bodyPr wrap="none" rtlCol="0">
+            <a:spAutoFit/>
+          </a:bodyPr>
+          <a:lstStyle/>
+          <a:p>
+            <a:r>
+              <a:rPr lang="ru-RU" dirty="0" smtClean="0"/>
+              <a:t>Отчёт получен анализе </a:t>
+            </a:r>
+          </a:p>
+          <a:p>
+            <a:r>
+              <a:rPr lang="ru-RU" dirty="0" smtClean="0"/>
+              <a:t>опасности двух крупных </a:t>
+            </a:r>
+          </a:p>
+          <a:p>
+            <a:r>
+              <a:rPr lang="ru-RU" dirty="0" smtClean="0"/>
+              <a:t>аварий в разных частях </a:t>
+            </a:r>
+          </a:p>
+          <a:p>
+            <a:r>
+              <a:rPr lang="ru-RU" dirty="0" smtClean="0"/>
+              <a:t>страны одновременно</a:t>
+            </a:r>
+            <a:endParaRPr lang="ru-RU" dirty="0"/>
+          </a:p>
+        </p:txBody>
+      </p:sp>
+      <p:sp>
+        <p:nvSpPr>
+          <p:cNvPr id="8" name="TextBox 7"/>
+          <p:cNvSpPr txBox="1"/>
+          <p:nvPr/>
+        </p:nvSpPr>
+        <p:spPr>
+          <a:xfrm>
+            <a:off x="4871567" y="5683540"/>
+            <a:ext cx="3888432" cy="738664"/>
+          </a:xfrm>
+          <a:prstGeom prst="rect">
+            <a:avLst/>
+          </a:prstGeom>
+          <a:noFill/>
+        </p:spPr>
+        <p:txBody>
+          <a:bodyPr wrap="square" rtlCol="0">
+            <a:spAutoFit/>
+          </a:bodyPr>
+          <a:lstStyle/>
+          <a:p>
+            <a:r>
+              <a:rPr lang="ru-RU" sz="1400" dirty="0" smtClean="0"/>
+              <a:t>Отчёт получен при анализе опасности аварии с АХОВ, требующим большого количества обезвреживающего вещества (сероуглерод)</a:t>
+            </a:r>
+            <a:endParaRPr lang="ru-RU" sz="1400" dirty="0"/>
+          </a:p>
+        </p:txBody>
+      </p:sp>
+    </p:spTree>
+    <p:extLst>
+      <p:ext uri="{BB962C8B-B14F-4D97-AF65-F5344CB8AC3E}">
+        <p14:creationId xmlns:p14="http://schemas.microsoft.com/office/powerpoint/2010/main" val="1533214950"/>
+      </p:ext>
+    </p:extLst>
+  </p:cSld>
+  <p:clrMapOvr>
+    <a:masterClrMapping/>
+  </p:clrMapOvr>
+</p:sld>
+</file>
+
 <file path=ppt/slides/slide13.xml><?xml version="1.0" encoding="utf-8"?>
 <p:sld xmlns:a="http://schemas.openxmlformats.org/drawingml/2006/main" xmlns:r="http://schemas.openxmlformats.org/officeDocument/2006/relationships" xmlns:p="http://schemas.openxmlformats.org/presentationml/2006/main">
   <p:cSld>
@@ -4246,7 +4292,7 @@
         </p:nvSpPr>
         <p:spPr>
           <a:xfrm>
-            <a:off x="467544" y="-315416"/>
+            <a:off x="467544" y="29641"/>
             <a:ext cx="8229600" cy="1143000"/>
           </a:xfrm>
         </p:spPr>
@@ -4256,7 +4302,7 @@
           <a:p>
             <a:r>
               <a:rPr lang="ru-RU" dirty="0" smtClean="0"/>
-              <a:t>Выводы и дальнейшее развитие</a:t>
+              <a:t>Выводы</a:t>
             </a:r>
             <a:endParaRPr lang="ru-RU" dirty="0"/>
           </a:p>
@@ -4274,13 +4320,13 @@
         </p:nvSpPr>
         <p:spPr>
           <a:xfrm>
-            <a:off x="467544" y="692696"/>
-            <a:ext cx="8229600" cy="5544616"/>
+            <a:off x="467544" y="1196752"/>
+            <a:ext cx="8229600" cy="5184576"/>
           </a:xfrm>
         </p:spPr>
         <p:txBody>
           <a:bodyPr>
-            <a:normAutofit fontScale="62500" lnSpcReduction="20000"/>
+            <a:normAutofit fontScale="70000" lnSpcReduction="20000"/>
           </a:bodyPr>
           <a:lstStyle/>
           <a:p>
@@ -4288,8 +4334,12 @@
               <a:buNone/>
             </a:pPr>
             <a:r>
+              <a:rPr lang="ru-RU" dirty="0" smtClean="0"/>
+              <a:t>В процессе разработки системы </a:t>
+            </a:r>
+            <a:r>
               <a:rPr lang="ru-RU" dirty="0"/>
-              <a:t>В процессе проектирования системы достигнуты следующие результаты:</a:t>
+              <a:t>достигнуты следующие результаты:</a:t>
             </a:r>
           </a:p>
           <a:p>
@@ -4324,8 +4374,13 @@
             <a:pPr lvl="0"/>
             <a:r>
               <a:rPr lang="ru-RU" dirty="0"/>
-              <a:t>реализована подсистема ввода данных: посредством работы с картой, а также путём ручного ввода информации в интерфейсные поля;</a:t>
-            </a:r>
+              <a:t>реализована подсистема ввода данных: посредством работы с картой, а также путём ручного ввода информации в </a:t>
+            </a:r>
+            <a:r>
+              <a:rPr lang="ru-RU" dirty="0" smtClean="0"/>
+              <a:t>предоставляемые поля ввода;</a:t>
+            </a:r>
+            <a:endParaRPr lang="ru-RU" dirty="0"/>
           </a:p>
           <a:p>
             <a:pPr lvl="0"/>
@@ -4341,50 +4396,6 @@
           <a:p>
             <a:pPr lvl="0"/>
             <a:endParaRPr lang="ru-RU" dirty="0" smtClean="0"/>
-          </a:p>
-          <a:p>
-            <a:pPr marL="0" lvl="0" indent="0">
-              <a:buNone/>
-            </a:pPr>
-            <a:r>
-              <a:rPr lang="ru-RU" dirty="0" smtClean="0"/>
-              <a:t>Перспективы развития:</a:t>
-            </a:r>
-          </a:p>
-          <a:p>
-            <a:pPr lvl="0"/>
-            <a:r>
-              <a:rPr lang="ru-RU" dirty="0" smtClean="0"/>
-              <a:t>расчет </a:t>
-            </a:r>
-            <a:r>
-              <a:rPr lang="ru-RU" dirty="0"/>
-              <a:t>сил МЧС России и времени  устранения последствий </a:t>
-            </a:r>
-            <a:r>
-              <a:rPr lang="ru-RU" dirty="0" smtClean="0"/>
-              <a:t>нескольких аварий одновременно;</a:t>
-            </a:r>
-            <a:endParaRPr lang="ru-RU" dirty="0"/>
-          </a:p>
-          <a:p>
-            <a:pPr lvl="0"/>
-            <a:r>
-              <a:rPr lang="ru-RU" dirty="0"/>
-              <a:t>использование разработанных методов для выявления «слабых мест» в схеме расположения аварийно-спасательных подразделений;</a:t>
-            </a:r>
-          </a:p>
-          <a:p>
-            <a:pPr lvl="0"/>
-            <a:r>
-              <a:rPr lang="ru-RU" dirty="0"/>
-              <a:t>использование разработанных методов для составления графика перевозок АХОВ</a:t>
-            </a:r>
-            <a:r>
-              <a:rPr lang="ru-RU" dirty="0" smtClean="0"/>
-              <a:t>;</a:t>
-            </a:r>
-            <a:endParaRPr lang="ru-RU" dirty="0"/>
           </a:p>
           <a:p>
             <a:endParaRPr lang="ru-RU" dirty="0"/>
@@ -4456,7 +4467,7 @@
         </p:nvSpPr>
         <p:spPr>
           <a:xfrm>
-            <a:off x="539552" y="2420888"/>
+            <a:off x="539552" y="0"/>
             <a:ext cx="8229600" cy="1143000"/>
           </a:xfrm>
         </p:spPr>
@@ -4466,7 +4477,7 @@
           <a:p>
             <a:r>
               <a:rPr lang="ru-RU" dirty="0" smtClean="0"/>
-              <a:t>Спасибо за внимание!</a:t>
+              <a:t>Дальнейшее развитие</a:t>
             </a:r>
             <a:endParaRPr lang="ru-RU" dirty="0"/>
           </a:p>
@@ -4492,6 +4503,78 @@
               <a:t>14</a:t>
             </a:fld>
             <a:endParaRPr lang="ru-RU"/>
+          </a:p>
+        </p:txBody>
+      </p:sp>
+      <p:sp>
+        <p:nvSpPr>
+          <p:cNvPr id="3" name="Прямоугольник 2"/>
+          <p:cNvSpPr/>
+          <p:nvPr/>
+        </p:nvSpPr>
+        <p:spPr>
+          <a:xfrm>
+            <a:off x="539552" y="1124744"/>
+            <a:ext cx="8208912" cy="4401205"/>
+          </a:xfrm>
+          <a:prstGeom prst="rect">
+            <a:avLst/>
+          </a:prstGeom>
+        </p:spPr>
+        <p:txBody>
+          <a:bodyPr wrap="square">
+            <a:spAutoFit/>
+          </a:bodyPr>
+          <a:lstStyle/>
+          <a:p>
+            <a:pPr lvl="0"/>
+            <a:r>
+              <a:rPr lang="ru-RU" sz="2800" dirty="0" smtClean="0"/>
+              <a:t>Разработанная система имеет следующие перспективы </a:t>
+            </a:r>
+            <a:r>
+              <a:rPr lang="ru-RU" sz="2800" dirty="0"/>
+              <a:t>развития</a:t>
+            </a:r>
+            <a:r>
+              <a:rPr lang="ru-RU" sz="2800" dirty="0" smtClean="0"/>
+              <a:t>:</a:t>
+            </a:r>
+          </a:p>
+          <a:p>
+            <a:pPr lvl="0"/>
+            <a:endParaRPr lang="ru-RU" sz="2800" dirty="0"/>
+          </a:p>
+          <a:p>
+            <a:pPr marL="457200" lvl="0" indent="-457200">
+              <a:buFont typeface="Arial" panose="020B0604020202020204" pitchFamily="34" charset="0"/>
+              <a:buChar char="•"/>
+            </a:pPr>
+            <a:r>
+              <a:rPr lang="ru-RU" sz="2800" dirty="0"/>
+              <a:t>расчет сил МЧС России и времени  устранения последствий нескольких аварий одновременно;</a:t>
+            </a:r>
+          </a:p>
+          <a:p>
+            <a:pPr marL="457200" lvl="0" indent="-457200">
+              <a:buFont typeface="Arial" panose="020B0604020202020204" pitchFamily="34" charset="0"/>
+              <a:buChar char="•"/>
+            </a:pPr>
+            <a:r>
+              <a:rPr lang="ru-RU" sz="2800" dirty="0"/>
+              <a:t>использование разработанных методов для выявления «слабых мест» в схеме расположения аварийно-спасательных подразделений;</a:t>
+            </a:r>
+          </a:p>
+          <a:p>
+            <a:pPr marL="457200" lvl="0" indent="-457200">
+              <a:buFont typeface="Arial" panose="020B0604020202020204" pitchFamily="34" charset="0"/>
+              <a:buChar char="•"/>
+            </a:pPr>
+            <a:r>
+              <a:rPr lang="ru-RU" sz="2800" dirty="0"/>
+              <a:t>использование разработанных методов для составления графика перевозок АХОВ;</a:t>
+            </a:r>
+            <a:endParaRPr lang="ru-RU" sz="2800" dirty="0"/>
           </a:p>
         </p:txBody>
       </p:sp>
@@ -4535,14 +4618,19 @@
             <p:ph type="title"/>
           </p:nvPr>
         </p:nvSpPr>
-        <p:spPr/>
+        <p:spPr>
+          <a:xfrm>
+            <a:off x="467544" y="0"/>
+            <a:ext cx="8229600" cy="1143000"/>
+          </a:xfrm>
+        </p:spPr>
         <p:txBody>
           <a:bodyPr/>
           <a:lstStyle/>
           <a:p>
             <a:r>
               <a:rPr lang="ru-RU" dirty="0" smtClean="0"/>
-              <a:t>Актуальность разработки</a:t>
+              <a:t>Цель и задачи</a:t>
             </a:r>
             <a:endParaRPr lang="ru-RU" dirty="0"/>
           </a:p>
@@ -4558,91 +4646,125 @@
             <p:ph idx="1"/>
           </p:nvPr>
         </p:nvSpPr>
-        <p:spPr/>
+        <p:spPr>
+          <a:xfrm>
+            <a:off x="467544" y="1124744"/>
+            <a:ext cx="8229600" cy="4968552"/>
+          </a:xfrm>
+        </p:spPr>
         <p:txBody>
           <a:bodyPr>
-            <a:normAutofit fontScale="85000" lnSpcReduction="10000"/>
+            <a:normAutofit fontScale="77500" lnSpcReduction="20000"/>
           </a:bodyPr>
           <a:lstStyle/>
           <a:p>
-            <a:pPr marL="0" indent="0">
+            <a:r>
+              <a:rPr lang="ru-RU" dirty="0" smtClean="0"/>
+              <a:t>Цель:</a:t>
+            </a:r>
+          </a:p>
+          <a:p>
+            <a:pPr marL="457200" lvl="1" indent="0">
               <a:buNone/>
             </a:pPr>
             <a:r>
               <a:rPr lang="ru-RU" dirty="0" smtClean="0"/>
-              <a:t>Необходимо объединить в одной системе</a:t>
-            </a:r>
-          </a:p>
-          <a:p>
+              <a:t>создать специальное программное обеспечение </a:t>
+            </a:r>
+            <a:r>
+              <a:rPr lang="ru-RU" dirty="0"/>
+              <a:t>поддержки принятия управленческих решений при реагировании подразделений МЧС России на чрезвычайные ситуации с участием </a:t>
+            </a:r>
             <a:r>
               <a:rPr lang="ru-RU" dirty="0" smtClean="0"/>
-              <a:t>мониторинг </a:t>
+              <a:t>ТС, </a:t>
             </a:r>
             <a:r>
               <a:rPr lang="ru-RU" dirty="0"/>
-              <a:t>перевозок </a:t>
-            </a:r>
+              <a:t>перевозящих АХОВ.</a:t>
+            </a:r>
+            <a:endParaRPr lang="ru-RU" dirty="0" smtClean="0"/>
+          </a:p>
+          <a:p>
             <a:r>
               <a:rPr lang="ru-RU" dirty="0" smtClean="0"/>
-              <a:t>АХОВ</a:t>
+              <a:t>Для этого необходимо:</a:t>
+            </a:r>
+          </a:p>
+          <a:p>
+            <a:pPr lvl="1"/>
+            <a:r>
+              <a:rPr lang="ru-RU" dirty="0" smtClean="0"/>
+              <a:t>спроектировать систему, использующую </a:t>
             </a:r>
             <a:r>
               <a:rPr lang="ru-RU" dirty="0"/>
+              <a:t>карту и базу данных;</a:t>
+            </a:r>
+          </a:p>
+          <a:p>
+            <a:pPr lvl="1"/>
+            <a:r>
+              <a:rPr lang="ru-RU" dirty="0" smtClean="0"/>
+              <a:t>идентифицировать перевозку </a:t>
+            </a:r>
+            <a:r>
+              <a:rPr lang="ru-RU" dirty="0"/>
+              <a:t>АХОВ по месту и времени;</a:t>
+            </a:r>
+          </a:p>
+          <a:p>
+            <a:pPr lvl="1"/>
+            <a:r>
+              <a:rPr lang="ru-RU" dirty="0" smtClean="0"/>
+              <a:t>рассчитать химическую обстановку </a:t>
+            </a:r>
+            <a:r>
+              <a:rPr lang="ru-RU" dirty="0"/>
+              <a:t>при свободном разливе АХОВ</a:t>
+            </a:r>
+            <a:r>
+              <a:rPr lang="ru-RU" dirty="0" smtClean="0"/>
               <a:t>;</a:t>
             </a:r>
+          </a:p>
+          <a:p>
+            <a:pPr lvl="1"/>
             <a:r>
               <a:rPr lang="ru-RU" dirty="0" smtClean="0"/>
-              <a:t> </a:t>
-            </a:r>
-          </a:p>
-          <a:p>
+              <a:t>выбрать необходимые подразделения </a:t>
+            </a:r>
+            <a:r>
+              <a:rPr lang="ru-RU" dirty="0"/>
+              <a:t>ФПС МЧС России по критериям их предназначения и времени прибытия к месту чрезвычайной ситуации</a:t>
+            </a:r>
             <a:r>
               <a:rPr lang="ru-RU" dirty="0" smtClean="0"/>
-              <a:t>расчёт </a:t>
+              <a:t>;</a:t>
+            </a:r>
+          </a:p>
+          <a:p>
+            <a:pPr lvl="1"/>
+            <a:r>
+              <a:rPr lang="ru-RU" dirty="0" smtClean="0"/>
+              <a:t>предоставить результаты анализа в </a:t>
             </a:r>
             <a:r>
               <a:rPr lang="ru-RU" dirty="0"/>
-              <a:t>химической обстановки в случае </a:t>
-            </a:r>
-            <a:r>
-              <a:rPr lang="ru-RU" dirty="0" smtClean="0"/>
-              <a:t>аварии;</a:t>
-            </a:r>
-          </a:p>
-          <a:p>
-            <a:r>
-              <a:rPr lang="ru-RU" dirty="0" smtClean="0"/>
-              <a:t>оповещение </a:t>
-            </a:r>
-            <a:r>
-              <a:rPr lang="ru-RU" dirty="0"/>
-              <a:t>рационально выбранных аварийно-спасательных подразделений по критериям их предназначения и времени прибытия к месту чрезвычайной ситуации с целью устранения последствий произошедшей аварии</a:t>
+              <a:t>виде отчёта</a:t>
             </a:r>
             <a:r>
               <a:rPr lang="ru-RU" dirty="0" smtClean="0"/>
               <a:t>.</a:t>
             </a:r>
-          </a:p>
-          <a:p>
-            <a:pPr marL="0" indent="0">
-              <a:buNone/>
-            </a:pPr>
+            <a:endParaRPr lang="ru-RU" dirty="0"/>
+          </a:p>
+          <a:p>
+            <a:pPr lvl="1"/>
             <a:endParaRPr lang="ru-RU" dirty="0" smtClean="0"/>
           </a:p>
           <a:p>
-            <a:pPr marL="0" indent="0">
-              <a:buNone/>
-            </a:pPr>
-            <a:r>
-              <a:rPr lang="ru-RU" dirty="0" smtClean="0"/>
-              <a:t>На данный момент подобные системы не известны.</a:t>
-            </a:r>
-            <a:endParaRPr lang="ru-RU" dirty="0"/>
-          </a:p>
-          <a:p>
-            <a:pPr marL="0" indent="0">
-              <a:buNone/>
-            </a:pPr>
+            <a:pPr lvl="1"/>
             <a:endParaRPr lang="ru-RU" dirty="0"/>
           </a:p>
         </p:txBody>
@@ -4673,7 +4795,7 @@
     </p:spTree>
     <p:extLst>
       <p:ext uri="{BB962C8B-B14F-4D97-AF65-F5344CB8AC3E}">
-        <p14:creationId xmlns:p14="http://schemas.microsoft.com/office/powerpoint/2010/main" val="1807801039"/>
+        <p14:creationId xmlns:p14="http://schemas.microsoft.com/office/powerpoint/2010/main" val="3372353231"/>
       </p:ext>
     </p:extLst>
   </p:cSld>
@@ -4717,162 +4839,137 @@
             <p:ph type="title"/>
           </p:nvPr>
         </p:nvSpPr>
+        <p:spPr/>
+        <p:txBody>
+          <a:bodyPr>
+            <a:normAutofit fontScale="90000"/>
+          </a:bodyPr>
+          <a:lstStyle/>
+          <a:p>
+            <a:r>
+              <a:rPr lang="ru-RU" dirty="0" smtClean="0"/>
+              <a:t>Основные допущения и ограничения</a:t>
+            </a:r>
+            <a:endParaRPr lang="ru-RU" dirty="0"/>
+          </a:p>
+        </p:txBody>
+      </p:sp>
+      <p:sp>
+        <p:nvSpPr>
+          <p:cNvPr id="3" name="Объект 2"/>
+          <p:cNvSpPr>
+            <a:spLocks noGrp="1"/>
+          </p:cNvSpPr>
+          <p:nvPr>
+            <p:ph idx="1"/>
+          </p:nvPr>
+        </p:nvSpPr>
         <p:spPr>
           <a:xfrm>
-            <a:off x="467544" y="0"/>
-            <a:ext cx="8229600" cy="1143000"/>
+            <a:off x="457200" y="1600200"/>
+            <a:ext cx="8147248" cy="4525963"/>
           </a:xfrm>
         </p:spPr>
         <p:txBody>
-          <a:bodyPr/>
-          <a:lstStyle/>
-          <a:p>
-            <a:r>
-              <a:rPr lang="ru-RU" dirty="0" smtClean="0"/>
-              <a:t>Цель и </a:t>
-            </a:r>
-            <a:r>
-              <a:rPr lang="ru-RU" dirty="0" smtClean="0"/>
-              <a:t>задачи</a:t>
-            </a:r>
-            <a:endParaRPr lang="ru-RU" dirty="0"/>
-          </a:p>
-        </p:txBody>
-      </p:sp>
-      <p:sp>
-        <p:nvSpPr>
-          <p:cNvPr id="3" name="Объект 2"/>
-          <p:cNvSpPr>
-            <a:spLocks noGrp="1"/>
-          </p:cNvSpPr>
-          <p:nvPr>
-            <p:ph idx="1"/>
-          </p:nvPr>
-        </p:nvSpPr>
-        <p:spPr>
-          <a:xfrm>
-            <a:off x="467544" y="1124744"/>
-            <a:ext cx="8229600" cy="4968552"/>
-          </a:xfrm>
-        </p:spPr>
-        <p:txBody>
           <a:bodyPr>
-            <a:normAutofit fontScale="77500" lnSpcReduction="20000"/>
+            <a:normAutofit fontScale="92500" lnSpcReduction="10000"/>
           </a:bodyPr>
           <a:lstStyle/>
           <a:p>
             <a:r>
-              <a:rPr lang="ru-RU" dirty="0" smtClean="0"/>
-              <a:t>Цель:</a:t>
-            </a:r>
+              <a:rPr lang="ru-RU" sz="2000" dirty="0" smtClean="0"/>
+              <a:t>Маршрут зарегистрированной перевозки не может быть изменён.</a:t>
+            </a:r>
+          </a:p>
+          <a:p>
+            <a:r>
+              <a:rPr lang="ru-RU" sz="2000" dirty="0" smtClean="0"/>
+              <a:t>Водитель движется с постоянной скоростью 60 км/ч и не имеет права останавливаться.</a:t>
+            </a:r>
+          </a:p>
+          <a:p>
+            <a:pPr lvl="0"/>
+            <a:r>
+              <a:rPr lang="ru-RU" sz="2000" dirty="0"/>
+              <a:t>Расчёт химической обстановки ведётся с допущением следующих условий: изотермия, скорость приземного ветра на высоте 1 </a:t>
+            </a:r>
+            <a:r>
+              <a:rPr lang="ru-RU" sz="2000" dirty="0" smtClean="0"/>
+              <a:t>м – </a:t>
+            </a:r>
+            <a:r>
+              <a:rPr lang="ru-RU" sz="2000" dirty="0"/>
+              <a:t>3 м/с (на высоте флюгера – 5-7 м/с); температура </a:t>
+            </a:r>
+            <a:r>
+              <a:rPr lang="ru-RU" sz="2000" dirty="0" smtClean="0"/>
+              <a:t>воздуха – </a:t>
+            </a:r>
+            <a:r>
+              <a:rPr lang="ru-RU" sz="2000" dirty="0"/>
+              <a:t>+20</a:t>
+            </a:r>
+            <a:r>
+              <a:rPr lang="ru-RU" sz="2000" baseline="30000" dirty="0"/>
+              <a:t>о</a:t>
+            </a:r>
+            <a:r>
+              <a:rPr lang="ru-RU" sz="2000" dirty="0"/>
+              <a:t> С</a:t>
+            </a:r>
+            <a:r>
+              <a:rPr lang="ru-RU" sz="2000" dirty="0" smtClean="0"/>
+              <a:t>.</a:t>
+            </a:r>
+          </a:p>
+          <a:p>
+            <a:r>
+              <a:rPr lang="ru-RU" sz="2000" dirty="0" smtClean="0"/>
+              <a:t>В перевозках могут быть зарегистрированы АХОВ из строго определённого перечня.</a:t>
+            </a:r>
+          </a:p>
+          <a:p>
+            <a:pPr lvl="0"/>
+            <a:r>
+              <a:rPr lang="ru-RU" sz="2000" dirty="0"/>
+              <a:t>Последствия аварии необходимо устранить за 24 часа. Считается, что через большее время действие АХОВ прекращается</a:t>
+            </a:r>
+            <a:r>
+              <a:rPr lang="ru-RU" sz="2000" dirty="0" smtClean="0"/>
+              <a:t>.</a:t>
+            </a:r>
+          </a:p>
+          <a:p>
+            <a:r>
+              <a:rPr lang="ru-RU" sz="2000" dirty="0"/>
+              <a:t>На устранение аварии оповещённый пункт сил МЧС направляет все доступные ресурсы и все запасы необходимого обезвреживающего вещества</a:t>
+            </a:r>
+            <a:r>
+              <a:rPr lang="ru-RU" sz="2000" dirty="0" smtClean="0"/>
+              <a:t>.</a:t>
+            </a:r>
+            <a:endParaRPr lang="ru-RU" sz="2000" dirty="0"/>
+          </a:p>
+          <a:p>
+            <a:pPr lvl="0"/>
+            <a:r>
+              <a:rPr lang="ru-RU" sz="2000" dirty="0"/>
+              <a:t>Автомобили аварийно-спасательных подразделений перемещаются со скоростью 100 км/ч.</a:t>
+            </a:r>
+          </a:p>
+          <a:p>
+            <a:endParaRPr lang="ru-RU" sz="2000" dirty="0" smtClean="0"/>
+          </a:p>
+          <a:p>
+            <a:endParaRPr lang="ru-RU" sz="2000" dirty="0" smtClean="0"/>
+          </a:p>
+          <a:p>
+            <a:endParaRPr lang="ru-RU" sz="2000" dirty="0" smtClean="0"/>
+          </a:p>
+          <a:p>
             <a:endParaRPr lang="ru-RU" dirty="0" smtClean="0"/>
           </a:p>
           <a:p>
-            <a:pPr marL="457200" lvl="1" indent="0">
-              <a:buNone/>
-            </a:pPr>
-            <a:r>
-              <a:rPr lang="ru-RU" dirty="0" smtClean="0"/>
-              <a:t>создать специальное программное обеспечение </a:t>
-            </a:r>
-            <a:r>
-              <a:rPr lang="ru-RU" dirty="0"/>
-              <a:t>поддержки принятия управленческих решений при реагировании подразделений МЧС России на чрезвычайные ситуации с участием транспортных средств, перевозящих АХОВ.</a:t>
-            </a:r>
-            <a:endParaRPr lang="ru-RU" dirty="0" smtClean="0"/>
-          </a:p>
-          <a:p>
-            <a:r>
-              <a:rPr lang="ru-RU" dirty="0" smtClean="0"/>
-              <a:t>Для </a:t>
-            </a:r>
-            <a:r>
-              <a:rPr lang="ru-RU" dirty="0" smtClean="0"/>
-              <a:t>этого необходимо:</a:t>
-            </a:r>
-          </a:p>
-          <a:p>
-            <a:pPr lvl="1"/>
-            <a:r>
-              <a:rPr lang="ru-RU" dirty="0" smtClean="0"/>
-              <a:t>спроектировать систему, использующую </a:t>
-            </a:r>
-            <a:r>
-              <a:rPr lang="ru-RU" dirty="0"/>
-              <a:t>карту и базу данных;</a:t>
-            </a:r>
-          </a:p>
-          <a:p>
-            <a:pPr lvl="1"/>
-            <a:r>
-              <a:rPr lang="ru-RU" dirty="0" smtClean="0"/>
-              <a:t>идентифицировать перевозку </a:t>
-            </a:r>
-            <a:r>
-              <a:rPr lang="ru-RU" dirty="0"/>
-              <a:t>АХОВ по месту и времени;</a:t>
-            </a:r>
-          </a:p>
-          <a:p>
-            <a:pPr lvl="1"/>
-            <a:r>
-              <a:rPr lang="ru-RU" dirty="0" smtClean="0"/>
-              <a:t>рассчитать химическую обстановку </a:t>
-            </a:r>
-            <a:r>
-              <a:rPr lang="ru-RU" dirty="0"/>
-              <a:t>при свободном разливе АХОВ</a:t>
-            </a:r>
-            <a:r>
-              <a:rPr lang="ru-RU" dirty="0" smtClean="0"/>
-              <a:t>;</a:t>
-            </a:r>
-          </a:p>
-          <a:p>
-            <a:pPr lvl="1"/>
-            <a:r>
-              <a:rPr lang="ru-RU" dirty="0" smtClean="0"/>
-              <a:t>выбрать необходимые подразделения </a:t>
-            </a:r>
-            <a:r>
-              <a:rPr lang="ru-RU" dirty="0"/>
-              <a:t>ФПС МЧС России по критериям их предназначения и времени прибытия к месту чрезвычайной ситуации</a:t>
-            </a:r>
-            <a:r>
-              <a:rPr lang="ru-RU" dirty="0" smtClean="0"/>
-              <a:t>;</a:t>
-            </a:r>
-          </a:p>
-          <a:p>
-            <a:pPr lvl="1"/>
-            <a:r>
-              <a:rPr lang="ru-RU" dirty="0" smtClean="0"/>
-              <a:t>оформить полученную </a:t>
-            </a:r>
-            <a:r>
-              <a:rPr lang="ru-RU" dirty="0"/>
-              <a:t>в результате анализа </a:t>
-            </a:r>
-            <a:r>
-              <a:rPr lang="ru-RU" dirty="0" smtClean="0"/>
-              <a:t>информацию </a:t>
-            </a:r>
-            <a:r>
-              <a:rPr lang="ru-RU" dirty="0"/>
-              <a:t>в виде отчёта</a:t>
-            </a:r>
-            <a:r>
-              <a:rPr lang="ru-RU" dirty="0" smtClean="0"/>
-              <a:t>.</a:t>
-            </a:r>
-            <a:endParaRPr lang="ru-RU" dirty="0"/>
-          </a:p>
-          <a:p>
-            <a:pPr lvl="1"/>
-            <a:endParaRPr lang="ru-RU" dirty="0" smtClean="0"/>
-          </a:p>
-          <a:p>
-            <a:pPr lvl="1"/>
             <a:endParaRPr lang="ru-RU" dirty="0"/>
           </a:p>
         </p:txBody>
@@ -4903,7 +5000,7 @@
     </p:spTree>
     <p:extLst>
       <p:ext uri="{BB962C8B-B14F-4D97-AF65-F5344CB8AC3E}">
-        <p14:creationId xmlns:p14="http://schemas.microsoft.com/office/powerpoint/2010/main" val="3372353231"/>
+        <p14:creationId xmlns:p14="http://schemas.microsoft.com/office/powerpoint/2010/main" val="413706906"/>
       </p:ext>
     </p:extLst>
   </p:cSld>
@@ -4947,211 +5044,6 @@
             <p:ph type="title"/>
           </p:nvPr>
         </p:nvSpPr>
-        <p:spPr/>
-        <p:txBody>
-          <a:bodyPr>
-            <a:normAutofit fontScale="90000"/>
-          </a:bodyPr>
-          <a:lstStyle/>
-          <a:p>
-            <a:r>
-              <a:rPr lang="ru-RU" dirty="0" smtClean="0"/>
-              <a:t>Основные допущения и ограничения</a:t>
-            </a:r>
-            <a:endParaRPr lang="ru-RU" dirty="0"/>
-          </a:p>
-        </p:txBody>
-      </p:sp>
-      <p:sp>
-        <p:nvSpPr>
-          <p:cNvPr id="3" name="Объект 2"/>
-          <p:cNvSpPr>
-            <a:spLocks noGrp="1"/>
-          </p:cNvSpPr>
-          <p:nvPr>
-            <p:ph idx="1"/>
-          </p:nvPr>
-        </p:nvSpPr>
-        <p:spPr>
-          <a:xfrm>
-            <a:off x="457200" y="1600200"/>
-            <a:ext cx="8147248" cy="4525963"/>
-          </a:xfrm>
-        </p:spPr>
-        <p:txBody>
-          <a:bodyPr>
-            <a:normAutofit fontScale="92500" lnSpcReduction="10000"/>
-          </a:bodyPr>
-          <a:lstStyle/>
-          <a:p>
-            <a:r>
-              <a:rPr lang="ru-RU" sz="2000" dirty="0" smtClean="0"/>
-              <a:t>Маршрут зарегистрированной перевозки не может быть изменён.</a:t>
-            </a:r>
-          </a:p>
-          <a:p>
-            <a:r>
-              <a:rPr lang="ru-RU" sz="2000" dirty="0" smtClean="0"/>
-              <a:t>Водитель движется с постоянной скоростью 60 км/ч и не имеет права останавливаться.</a:t>
-            </a:r>
-          </a:p>
-          <a:p>
-            <a:pPr lvl="0"/>
-            <a:r>
-              <a:rPr lang="ru-RU" sz="2000" dirty="0"/>
-              <a:t>Расчёт химической обстановки ведётся с допущением следующих условий: изотермия, скорость приземного ветра на высоте 1 </a:t>
-            </a:r>
-            <a:r>
-              <a:rPr lang="ru-RU" sz="2000" dirty="0" smtClean="0"/>
-              <a:t>м – </a:t>
-            </a:r>
-            <a:r>
-              <a:rPr lang="ru-RU" sz="2000" dirty="0"/>
-              <a:t>3 м/с (на высоте флюгера – 5-7 м/с); температура </a:t>
-            </a:r>
-            <a:r>
-              <a:rPr lang="ru-RU" sz="2000" dirty="0" smtClean="0"/>
-              <a:t>воздуха – </a:t>
-            </a:r>
-            <a:r>
-              <a:rPr lang="ru-RU" sz="2000" dirty="0"/>
-              <a:t>+20</a:t>
-            </a:r>
-            <a:r>
-              <a:rPr lang="ru-RU" sz="2000" baseline="30000" dirty="0"/>
-              <a:t>о</a:t>
-            </a:r>
-            <a:r>
-              <a:rPr lang="ru-RU" sz="2000" dirty="0"/>
-              <a:t> С</a:t>
-            </a:r>
-            <a:r>
-              <a:rPr lang="ru-RU" sz="2000" dirty="0" smtClean="0"/>
-              <a:t>.</a:t>
-            </a:r>
-          </a:p>
-          <a:p>
-            <a:r>
-              <a:rPr lang="ru-RU" sz="2000" dirty="0" smtClean="0"/>
-              <a:t>В перевозках могут быть зарегистрированы АХОВ из строго определённого перечня.</a:t>
-            </a:r>
-          </a:p>
-          <a:p>
-            <a:pPr lvl="0"/>
-            <a:r>
-              <a:rPr lang="ru-RU" sz="2000" dirty="0"/>
-              <a:t>Последствия аварии необходимо устранить за 24 часа. Считается, что через большее время действие АХОВ прекращается</a:t>
-            </a:r>
-            <a:r>
-              <a:rPr lang="ru-RU" sz="2000" dirty="0" smtClean="0"/>
-              <a:t>.</a:t>
-            </a:r>
-          </a:p>
-          <a:p>
-            <a:r>
-              <a:rPr lang="ru-RU" sz="2000" dirty="0"/>
-              <a:t>На устранение аварии оповещённый пункт сил МЧС направляет все доступные ресурсы и все запасы необходимого обезвреживающего вещества</a:t>
-            </a:r>
-            <a:r>
-              <a:rPr lang="ru-RU" sz="2000" dirty="0" smtClean="0"/>
-              <a:t>.</a:t>
-            </a:r>
-            <a:endParaRPr lang="ru-RU" sz="2000" dirty="0"/>
-          </a:p>
-          <a:p>
-            <a:pPr lvl="0"/>
-            <a:r>
-              <a:rPr lang="ru-RU" sz="2000" dirty="0"/>
-              <a:t>Автомобили аварийно-спасательных подразделений перемещаются со скоростью 100 км/ч.</a:t>
-            </a:r>
-          </a:p>
-          <a:p>
-            <a:endParaRPr lang="ru-RU" sz="2000" dirty="0" smtClean="0"/>
-          </a:p>
-          <a:p>
-            <a:endParaRPr lang="ru-RU" sz="2000" dirty="0" smtClean="0"/>
-          </a:p>
-          <a:p>
-            <a:endParaRPr lang="ru-RU" sz="2000" dirty="0" smtClean="0"/>
-          </a:p>
-          <a:p>
-            <a:endParaRPr lang="ru-RU" dirty="0" smtClean="0"/>
-          </a:p>
-          <a:p>
-            <a:endParaRPr lang="ru-RU" dirty="0"/>
-          </a:p>
-        </p:txBody>
-      </p:sp>
-      <p:sp>
-        <p:nvSpPr>
-          <p:cNvPr id="4" name="Номер слайда 3"/>
-          <p:cNvSpPr>
-            <a:spLocks noGrp="1"/>
-          </p:cNvSpPr>
-          <p:nvPr>
-            <p:ph type="sldNum" sz="quarter" idx="12"/>
-          </p:nvPr>
-        </p:nvSpPr>
-        <p:spPr/>
-        <p:txBody>
-          <a:bodyPr/>
-          <a:lstStyle/>
-          <a:p>
-            <a:fld id="{61BE07CB-EFF4-4703-B3C2-D7B73A5F42A0}" type="slidenum">
-              <a:rPr lang="ru-RU" smtClean="0"/>
-              <a:t>4</a:t>
-            </a:fld>
-            <a:endParaRPr lang="ru-RU"/>
-          </a:p>
-        </p:txBody>
-      </p:sp>
-    </p:spTree>
-    <p:extLst>
-      <p:ext uri="{BB962C8B-B14F-4D97-AF65-F5344CB8AC3E}">
-        <p14:creationId xmlns:p14="http://schemas.microsoft.com/office/powerpoint/2010/main" val="413706906"/>
-      </p:ext>
-    </p:extLst>
-  </p:cSld>
-  <p:clrMapOvr>
-    <a:masterClrMapping/>
-  </p:clrMapOvr>
-  <p:timing>
-    <p:tnLst>
-      <p:par>
-        <p:cTn id="1" dur="indefinite" restart="never" nodeType="tmRoot"/>
-      </p:par>
-    </p:tnLst>
-  </p:timing>
-</p:sld>
-</file>
-
-<file path=ppt/slides/slide5.xml><?xml version="1.0" encoding="utf-8"?>
-<p:sld xmlns:a="http://schemas.openxmlformats.org/drawingml/2006/main" xmlns:r="http://schemas.openxmlformats.org/officeDocument/2006/relationships" xmlns:p="http://schemas.openxmlformats.org/presentationml/2006/main">
-  <p:cSld>
-    <p:spTree>
-      <p:nvGrpSpPr>
-        <p:cNvPr id="1" name=""/>
-        <p:cNvGrpSpPr/>
-        <p:nvPr/>
-      </p:nvGrpSpPr>
-      <p:grpSpPr>
-        <a:xfrm>
-          <a:off x="0" y="0"/>
-          <a:ext cx="0" cy="0"/>
-          <a:chOff x="0" y="0"/>
-          <a:chExt cx="0" cy="0"/>
-        </a:xfrm>
-      </p:grpSpPr>
-      <p:sp>
-        <p:nvSpPr>
-          <p:cNvPr id="2" name="Заголовок 1"/>
-          <p:cNvSpPr>
-            <a:spLocks noGrp="1"/>
-          </p:cNvSpPr>
-          <p:nvPr>
-            <p:ph type="title"/>
-          </p:nvPr>
-        </p:nvSpPr>
         <p:spPr>
           <a:xfrm>
             <a:off x="467544" y="-243408"/>
@@ -5189,7 +5081,7 @@
           <a:p>
             <a:fld id="{61BE07CB-EFF4-4703-B3C2-D7B73A5F42A0}" type="slidenum">
               <a:rPr lang="ru-RU" smtClean="0"/>
-              <a:t>5</a:t>
+              <a:t>4</a:t>
             </a:fld>
             <a:endParaRPr lang="ru-RU"/>
           </a:p>
@@ -5269,7 +5161,7 @@
 </p:sld>
 </file>
 
-<file path=ppt/slides/slide6.xml><?xml version="1.0" encoding="utf-8"?>
+<file path=ppt/slides/slide5.xml><?xml version="1.0" encoding="utf-8"?>
 <p:sld xmlns:a="http://schemas.openxmlformats.org/drawingml/2006/main" xmlns:r="http://schemas.openxmlformats.org/officeDocument/2006/relationships" xmlns:p="http://schemas.openxmlformats.org/presentationml/2006/main">
   <p:cSld>
     <p:spTree>
@@ -5331,7 +5223,7 @@
           <a:p>
             <a:fld id="{61BE07CB-EFF4-4703-B3C2-D7B73A5F42A0}" type="slidenum">
               <a:rPr lang="ru-RU" smtClean="0"/>
-              <a:t>6</a:t>
+              <a:t>5</a:t>
             </a:fld>
             <a:endParaRPr lang="ru-RU"/>
           </a:p>
@@ -5339,9 +5231,9 @@
       </p:sp>
       <p:pic>
         <p:nvPicPr>
-          <p:cNvPr id="2050" name="Picture 2" descr="main_logic3"/>
+          <p:cNvPr id="5" name="Рисунок 4"/>
           <p:cNvPicPr>
-            <a:picLocks noChangeAspect="1" noChangeArrowheads="1"/>
+            <a:picLocks noChangeAspect="1"/>
           </p:cNvPicPr>
           <p:nvPr/>
         </p:nvPicPr>
@@ -5353,42 +5245,18 @@
               </a:ext>
             </a:extLst>
           </a:blip>
-          <a:srcRect/>
           <a:stretch>
             <a:fillRect/>
           </a:stretch>
         </p:blipFill>
-        <p:spPr bwMode="auto">
+        <p:spPr>
           <a:xfrm>
-            <a:off x="755576" y="1268760"/>
-            <a:ext cx="7687904" cy="5328592"/>
+            <a:off x="611560" y="1124744"/>
+            <a:ext cx="7920880" cy="5533208"/>
           </a:xfrm>
           <a:prstGeom prst="rect">
             <a:avLst/>
           </a:prstGeom>
-          <a:noFill/>
-          <a:ln>
-            <a:noFill/>
-          </a:ln>
-          <a:extLst>
-            <a:ext uri="{909E8E84-426E-40DD-AFC4-6F175D3DCCD1}">
-              <a14:hiddenFill xmlns:a14="http://schemas.microsoft.com/office/drawing/2010/main">
-                <a:solidFill>
-                  <a:srgbClr val="FFFFFF"/>
-                </a:solidFill>
-              </a14:hiddenFill>
-            </a:ext>
-            <a:ext uri="{91240B29-F687-4F45-9708-019B960494DF}">
-              <a14:hiddenLine xmlns:a14="http://schemas.microsoft.com/office/drawing/2010/main" w="9525">
-                <a:solidFill>
-                  <a:srgbClr val="000000"/>
-                </a:solidFill>
-                <a:miter lim="800000"/>
-                <a:headEnd/>
-                <a:tailEnd/>
-              </a14:hiddenLine>
-            </a:ext>
-          </a:extLst>
         </p:spPr>
       </p:pic>
     </p:spTree>
@@ -5411,6 +5279,119 @@
 </p:sld>
 </file>
 
+<file path=ppt/slides/slide6.xml><?xml version="1.0" encoding="utf-8"?>
+<p:sld xmlns:a="http://schemas.openxmlformats.org/drawingml/2006/main" xmlns:r="http://schemas.openxmlformats.org/officeDocument/2006/relationships" xmlns:p="http://schemas.openxmlformats.org/presentationml/2006/main">
+  <p:cSld>
+    <p:spTree>
+      <p:nvGrpSpPr>
+        <p:cNvPr id="1" name=""/>
+        <p:cNvGrpSpPr/>
+        <p:nvPr/>
+      </p:nvGrpSpPr>
+      <p:grpSpPr>
+        <a:xfrm>
+          <a:off x="0" y="0"/>
+          <a:ext cx="0" cy="0"/>
+          <a:chOff x="0" y="0"/>
+          <a:chExt cx="0" cy="0"/>
+        </a:xfrm>
+      </p:grpSpPr>
+      <p:sp>
+        <p:nvSpPr>
+          <p:cNvPr id="2" name="Заголовок 1"/>
+          <p:cNvSpPr>
+            <a:spLocks noGrp="1"/>
+          </p:cNvSpPr>
+          <p:nvPr>
+            <p:ph type="title"/>
+          </p:nvPr>
+        </p:nvSpPr>
+        <p:spPr>
+          <a:xfrm>
+            <a:off x="504758" y="188640"/>
+            <a:ext cx="8229600" cy="1143000"/>
+          </a:xfrm>
+        </p:spPr>
+        <p:txBody>
+          <a:bodyPr>
+            <a:normAutofit fontScale="90000"/>
+          </a:bodyPr>
+          <a:lstStyle/>
+          <a:p>
+            <a:r>
+              <a:rPr lang="ru-RU" dirty="0" smtClean="0"/>
+              <a:t>Взаимодействие основных процессов</a:t>
+            </a:r>
+            <a:endParaRPr lang="ru-RU" dirty="0"/>
+          </a:p>
+        </p:txBody>
+      </p:sp>
+      <p:sp>
+        <p:nvSpPr>
+          <p:cNvPr id="4" name="Номер слайда 3"/>
+          <p:cNvSpPr>
+            <a:spLocks noGrp="1"/>
+          </p:cNvSpPr>
+          <p:nvPr>
+            <p:ph type="sldNum" sz="quarter" idx="12"/>
+          </p:nvPr>
+        </p:nvSpPr>
+        <p:spPr/>
+        <p:txBody>
+          <a:bodyPr/>
+          <a:lstStyle/>
+          <a:p>
+            <a:fld id="{61BE07CB-EFF4-4703-B3C2-D7B73A5F42A0}" type="slidenum">
+              <a:rPr lang="ru-RU" smtClean="0"/>
+              <a:t>6</a:t>
+            </a:fld>
+            <a:endParaRPr lang="ru-RU"/>
+          </a:p>
+        </p:txBody>
+      </p:sp>
+      <p:pic>
+        <p:nvPicPr>
+          <p:cNvPr id="3" name="Рисунок 2"/>
+          <p:cNvPicPr>
+            <a:picLocks noChangeAspect="1"/>
+          </p:cNvPicPr>
+          <p:nvPr/>
+        </p:nvPicPr>
+        <p:blipFill>
+          <a:blip r:embed="rId2">
+            <a:extLst>
+              <a:ext uri="{28A0092B-C50C-407E-A947-70E740481C1C}">
+                <a14:useLocalDpi xmlns:a14="http://schemas.microsoft.com/office/drawing/2010/main" val="0"/>
+              </a:ext>
+            </a:extLst>
+          </a:blip>
+          <a:stretch>
+            <a:fillRect/>
+          </a:stretch>
+        </p:blipFill>
+        <p:spPr>
+          <a:xfrm>
+            <a:off x="10256" y="1556792"/>
+            <a:ext cx="9144000" cy="4853813"/>
+          </a:xfrm>
+          <a:prstGeom prst="rect">
+            <a:avLst/>
+          </a:prstGeom>
+        </p:spPr>
+      </p:pic>
+    </p:spTree>
+    <p:extLst>
+      <p:ext uri="{BB962C8B-B14F-4D97-AF65-F5344CB8AC3E}">
+        <p14:creationId xmlns:p14="http://schemas.microsoft.com/office/powerpoint/2010/main" val="3721312874"/>
+      </p:ext>
+    </p:extLst>
+  </p:cSld>
+  <p:clrMapOvr>
+    <a:masterClrMapping/>
+  </p:clrMapOvr>
+</p:sld>
+</file>
+
 <file path=ppt/slides/slide7.xml><?xml version="1.0" encoding="utf-8"?>
 <p:sld xmlns:a="http://schemas.openxmlformats.org/drawingml/2006/main" xmlns:r="http://schemas.openxmlformats.org/officeDocument/2006/relationships" xmlns:p="http://schemas.openxmlformats.org/presentationml/2006/main">
   <p:cSld>
@@ -5438,12 +5419,7 @@
             <p:ph type="title"/>
           </p:nvPr>
         </p:nvSpPr>
-        <p:spPr>
-          <a:xfrm>
-            <a:off x="504758" y="188640"/>
-            <a:ext cx="8229600" cy="1143000"/>
-          </a:xfrm>
-        </p:spPr>
+        <p:spPr/>
         <p:txBody>
           <a:bodyPr>
             <a:normAutofit fontScale="90000"/>
@@ -5452,12 +5428,148 @@
           <a:p>
             <a:r>
               <a:rPr lang="ru-RU" dirty="0" smtClean="0"/>
-              <a:t>Взаимодействие основных процессов</a:t>
-            </a:r>
-            <a:endParaRPr lang="ru-RU" dirty="0"/>
-          </a:p>
-        </p:txBody>
-      </p:sp>
+              <a:t>Расчёт </a:t>
+            </a:r>
+            <a:r>
+              <a:rPr lang="ru-RU" dirty="0"/>
+              <a:t>промежуточных стадий перевозки</a:t>
+            </a:r>
+          </a:p>
+        </p:txBody>
+      </p:sp>
+      <mc:AlternateContent xmlns:mc="http://schemas.openxmlformats.org/markup-compatibility/2006">
+        <mc:Choice xmlns:a14="http://schemas.microsoft.com/office/drawing/2010/main" Requires="a14">
+          <p:sp>
+            <p:nvSpPr>
+              <p:cNvPr id="3" name="Объект 2"/>
+              <p:cNvSpPr>
+                <a:spLocks noGrp="1"/>
+              </p:cNvSpPr>
+              <p:nvPr>
+                <p:ph idx="1"/>
+              </p:nvPr>
+            </p:nvSpPr>
+            <p:spPr>
+              <a:xfrm>
+                <a:off x="457200" y="1700808"/>
+                <a:ext cx="8229600" cy="4425355"/>
+              </a:xfrm>
+            </p:spPr>
+            <p:txBody>
+              <a:bodyPr>
+                <a:normAutofit/>
+              </a:bodyPr>
+              <a:lstStyle/>
+              <a:p>
+                <a:pPr marL="0" indent="0">
+                  <a:buNone/>
+                </a:pPr>
+                <a:r>
+                  <a:rPr lang="ru-RU" sz="2000" dirty="0" smtClean="0"/>
+                  <a:t>Механизм расчёта использует технологию </a:t>
+                </a:r>
+                <a:r>
+                  <a:rPr lang="en-US" sz="2000" dirty="0" err="1" smtClean="0"/>
+                  <a:t>MapReduce</a:t>
+                </a:r>
+                <a:r>
+                  <a:rPr lang="ru-RU" sz="2000" dirty="0" smtClean="0"/>
+                  <a:t>, что позволяет добиться зависимости времени расчёта от количества потоков вида </a:t>
+                </a:r>
+                <a14:m>
+                  <m:oMath xmlns:m="http://schemas.openxmlformats.org/officeDocument/2006/math">
+                    <m:sSup>
+                      <m:sSupPr>
+                        <m:ctrlPr>
+                          <a:rPr lang="en-US" sz="2000" i="1" smtClean="0">
+                            <a:latin typeface="Cambria Math"/>
+                          </a:rPr>
+                        </m:ctrlPr>
+                      </m:sSupPr>
+                      <m:e>
+                        <m:r>
+                          <a:rPr lang="en-US" sz="2000" i="1" smtClean="0">
+                            <a:latin typeface="Cambria Math"/>
+                          </a:rPr>
+                          <m:t>𝑒</m:t>
+                        </m:r>
+                      </m:e>
+                      <m:sup>
+                        <m:r>
+                          <a:rPr lang="en-US" sz="2000" b="0" i="1" smtClean="0">
+                            <a:latin typeface="Cambria Math"/>
+                          </a:rPr>
+                          <m:t>−</m:t>
+                        </m:r>
+                        <m:r>
+                          <a:rPr lang="en-US" sz="2000" i="1" smtClean="0">
+                            <a:latin typeface="Cambria Math"/>
+                          </a:rPr>
+                          <m:t>𝑥</m:t>
+                        </m:r>
+                      </m:sup>
+                    </m:sSup>
+                  </m:oMath>
+                </a14:m>
+                <a:r>
+                  <a:rPr lang="ru-RU" sz="2000" i="1" dirty="0" smtClean="0"/>
+                  <a:t> </a:t>
+                </a:r>
+                <a:endParaRPr lang="ru-RU" sz="2000" i="1" dirty="0" smtClean="0"/>
+              </a:p>
+              <a:p>
+                <a:pPr marL="0" indent="0">
+                  <a:buNone/>
+                </a:pPr>
+                <a:endParaRPr lang="ru-RU" sz="2800" dirty="0"/>
+              </a:p>
+              <a:p>
+                <a:pPr marL="0" indent="0">
+                  <a:buNone/>
+                </a:pPr>
+                <a:endParaRPr lang="ru-RU" sz="2800" dirty="0" smtClean="0"/>
+              </a:p>
+            </p:txBody>
+          </p:sp>
+        </mc:Choice>
+        <mc:Fallback>
+          <p:sp>
+            <p:nvSpPr>
+              <p:cNvPr id="3" name="Объект 2"/>
+              <p:cNvSpPr>
+                <a:spLocks noGrp="1" noRot="1" noChangeAspect="1" noMove="1" noResize="1" noEditPoints="1" noAdjustHandles="1" noChangeArrowheads="1" noChangeShapeType="1" noTextEdit="1"/>
+              </p:cNvSpPr>
+              <p:nvPr>
+                <p:ph idx="1"/>
+              </p:nvPr>
+            </p:nvSpPr>
+            <p:spPr>
+              <a:xfrm>
+                <a:off x="457200" y="1700808"/>
+                <a:ext cx="8229600" cy="4425355"/>
+              </a:xfrm>
+              <a:blipFill rotWithShape="1">
+                <a:blip r:embed="rId2"/>
+                <a:stretch>
+                  <a:fillRect l="-741" t="-689"/>
+                </a:stretch>
+              </a:blipFill>
+            </p:spPr>
+            <p:txBody>
+              <a:bodyPr/>
+              <a:lstStyle/>
+              <a:p>
+                <a:r>
+                  <a:rPr lang="ru-RU">
+                    <a:noFill/>
+                  </a:rPr>
+                  <a:t> </a:t>
+                </a:r>
+              </a:p>
+            </p:txBody>
+          </p:sp>
+        </mc:Fallback>
+      </mc:AlternateContent>
       <p:sp>
         <p:nvSpPr>
           <p:cNvPr id="4" name="Номер слайда 3"/>
@@ -5483,62 +5595,197 @@
       </p:sp>
       <p:pic>
         <p:nvPicPr>
-          <p:cNvPr id="3074" name="Picture 2" descr="IDEF0"/>
+          <p:cNvPr id="5" name="Рисунок 4"/>
           <p:cNvPicPr>
-            <a:picLocks noChangeAspect="1" noChangeArrowheads="1"/>
+            <a:picLocks noChangeAspect="1"/>
           </p:cNvPicPr>
           <p:nvPr/>
         </p:nvPicPr>
         <p:blipFill>
-          <a:blip r:embed="rId2">
+          <a:blip r:embed="rId3">
             <a:extLst>
               <a:ext uri="{28A0092B-C50C-407E-A947-70E740481C1C}">
                 <a14:useLocalDpi xmlns:a14="http://schemas.microsoft.com/office/drawing/2010/main" val="0"/>
               </a:ext>
             </a:extLst>
           </a:blip>
-          <a:srcRect/>
           <a:stretch>
             <a:fillRect/>
           </a:stretch>
         </p:blipFill>
-        <p:spPr bwMode="auto">
+        <p:spPr>
           <a:xfrm>
-            <a:off x="323528" y="1514613"/>
-            <a:ext cx="8592061" cy="4536504"/>
+            <a:off x="458642" y="2564904"/>
+            <a:ext cx="4872800" cy="2304256"/>
+          </a:xfrm>
+          <a:prstGeom prst="rect">
+            <a:avLst/>
+          </a:prstGeom>
+        </p:spPr>
+      </p:pic>
+      <p:pic>
+        <p:nvPicPr>
+          <p:cNvPr id="6" name="Рисунок 5"/>
+          <p:cNvPicPr>
+            <a:picLocks noChangeAspect="1"/>
+          </p:cNvPicPr>
+          <p:nvPr/>
+        </p:nvPicPr>
+        <p:blipFill>
+          <a:blip r:embed="rId4">
+            <a:extLst>
+              <a:ext uri="{BEBA8EAE-BF5A-486C-A8C5-ECC9F3942E4B}">
+                <a14:imgProps xmlns:a14="http://schemas.microsoft.com/office/drawing/2010/main">
+                  <a14:imgLayer r:embed="rId5">
+                    <a14:imgEffect>
+                      <a14:saturation sat="0"/>
+                    </a14:imgEffect>
+                  </a14:imgLayer>
+                </a14:imgProps>
+              </a:ext>
+              <a:ext uri="{28A0092B-C50C-407E-A947-70E740481C1C}">
+                <a14:useLocalDpi xmlns:a14="http://schemas.microsoft.com/office/drawing/2010/main" val="0"/>
+              </a:ext>
+            </a:extLst>
+          </a:blip>
+          <a:stretch>
+            <a:fillRect/>
+          </a:stretch>
+        </p:blipFill>
+        <p:spPr>
+          <a:xfrm>
+            <a:off x="4788024" y="3717032"/>
+            <a:ext cx="4067944" cy="2440767"/>
+          </a:xfrm>
+          <a:prstGeom prst="rect">
+            <a:avLst/>
+          </a:prstGeom>
+        </p:spPr>
+      </p:pic>
+      <p:sp>
+        <p:nvSpPr>
+          <p:cNvPr id="7" name="TextBox 6"/>
+          <p:cNvSpPr txBox="1"/>
+          <p:nvPr/>
+        </p:nvSpPr>
+        <p:spPr>
+          <a:xfrm>
+            <a:off x="5436096" y="3128888"/>
+            <a:ext cx="3163045" cy="584775"/>
           </a:xfrm>
           <a:prstGeom prst="rect">
             <a:avLst/>
           </a:prstGeom>
           <a:noFill/>
-          <a:ln>
-            <a:noFill/>
-          </a:ln>
-          <a:extLst>
-            <a:ext uri="{909E8E84-426E-40DD-AFC4-6F175D3DCCD1}">
-              <a14:hiddenFill xmlns:a14="http://schemas.microsoft.com/office/drawing/2010/main">
-                <a:solidFill>
-                  <a:srgbClr val="FFFFFF"/>
-                </a:solidFill>
-              </a14:hiddenFill>
-            </a:ext>
-            <a:ext uri="{91240B29-F687-4F45-9708-019B960494DF}">
-              <a14:hiddenLine xmlns:a14="http://schemas.microsoft.com/office/drawing/2010/main" w="9525">
-                <a:solidFill>
-                  <a:srgbClr val="000000"/>
-                </a:solidFill>
-                <a:miter lim="800000"/>
-                <a:headEnd/>
-                <a:tailEnd/>
-              </a14:hiddenLine>
-            </a:ext>
-          </a:extLst>
         </p:spPr>
-      </p:pic>
+        <p:txBody>
+          <a:bodyPr wrap="none" rtlCol="0">
+            <a:spAutoFit/>
+          </a:bodyPr>
+          <a:lstStyle/>
+          <a:p>
+            <a:pPr algn="ctr"/>
+            <a:r>
+              <a:rPr lang="ru-RU" sz="1600" dirty="0" smtClean="0"/>
+              <a:t>Ось абсцисс – количество потоков</a:t>
+            </a:r>
+          </a:p>
+          <a:p>
+            <a:pPr algn="ctr"/>
+            <a:r>
+              <a:rPr lang="ru-RU" sz="1600" dirty="0" smtClean="0"/>
+              <a:t>Ось ординат – время расчёта, </a:t>
+            </a:r>
+            <a:r>
+              <a:rPr lang="ru-RU" sz="1600" dirty="0" err="1" smtClean="0"/>
+              <a:t>мс</a:t>
+            </a:r>
+            <a:endParaRPr lang="ru-RU" sz="1600" dirty="0"/>
+          </a:p>
+        </p:txBody>
+      </p:sp>
+      <p:sp>
+        <p:nvSpPr>
+          <p:cNvPr id="8" name="TextBox 7"/>
+          <p:cNvSpPr txBox="1"/>
+          <p:nvPr/>
+        </p:nvSpPr>
+        <p:spPr>
+          <a:xfrm>
+            <a:off x="458642" y="4869160"/>
+            <a:ext cx="3956789" cy="1323439"/>
+          </a:xfrm>
+          <a:prstGeom prst="rect">
+            <a:avLst/>
+          </a:prstGeom>
+          <a:noFill/>
+        </p:spPr>
+        <p:txBody>
+          <a:bodyPr wrap="none" rtlCol="0">
+            <a:spAutoFit/>
+          </a:bodyPr>
+          <a:lstStyle/>
+          <a:p>
+            <a:r>
+              <a:rPr lang="ru-RU" sz="1600" dirty="0" smtClean="0"/>
+              <a:t>1 шаг. Разбить процесс на потоки, </a:t>
+            </a:r>
+          </a:p>
+          <a:p>
+            <a:r>
+              <a:rPr lang="ru-RU" sz="1600" dirty="0"/>
+              <a:t> </a:t>
+            </a:r>
+            <a:r>
+              <a:rPr lang="ru-RU" sz="1600" dirty="0" smtClean="0"/>
+              <a:t>           рассчитывающие заданный </a:t>
+            </a:r>
+          </a:p>
+          <a:p>
+            <a:r>
+              <a:rPr lang="ru-RU" sz="1600" dirty="0"/>
+              <a:t> </a:t>
+            </a:r>
+            <a:r>
+              <a:rPr lang="ru-RU" sz="1600" dirty="0" smtClean="0"/>
+              <a:t>           набор стадий (</a:t>
+            </a:r>
+            <a:r>
+              <a:rPr lang="en-US" sz="1600" dirty="0" smtClean="0"/>
+              <a:t>Map</a:t>
+            </a:r>
+            <a:r>
+              <a:rPr lang="ru-RU" sz="1600" dirty="0" smtClean="0"/>
+              <a:t>).</a:t>
+            </a:r>
+          </a:p>
+          <a:p>
+            <a:r>
+              <a:rPr lang="ru-RU" sz="1600" dirty="0" smtClean="0"/>
+              <a:t>2 шаг. Собрать результаты в общую </a:t>
+            </a:r>
+          </a:p>
+          <a:p>
+            <a:r>
+              <a:rPr lang="ru-RU" sz="1600" dirty="0" smtClean="0"/>
+              <a:t>            последовательность стадий (</a:t>
+            </a:r>
+            <a:r>
+              <a:rPr lang="en-US" sz="1600" dirty="0" smtClean="0"/>
+              <a:t>Reduce</a:t>
+            </a:r>
+            <a:r>
+              <a:rPr lang="ru-RU" sz="1600" dirty="0" smtClean="0"/>
+              <a:t>)</a:t>
+            </a:r>
+            <a:endParaRPr lang="ru-RU" sz="1600" dirty="0"/>
+          </a:p>
+        </p:txBody>
+      </p:sp>
     </p:spTree>
     <p:extLst>
       <p:ext uri="{BB962C8B-B14F-4D97-AF65-F5344CB8AC3E}">
-        <p14:creationId xmlns:p14="http://schemas.microsoft.com/office/powerpoint/2010/main" val="3721312874"/>
+        <p14:creationId xmlns:p14="http://schemas.microsoft.com/office/powerpoint/2010/main" val="807522931"/>
       </p:ext>
     </p:extLst>
   </p:cSld>
@@ -5584,11 +5831,7 @@
           <a:p>
             <a:r>
               <a:rPr lang="ru-RU" dirty="0" smtClean="0"/>
-              <a:t>Расчёт </a:t>
-            </a:r>
-            <a:r>
-              <a:rPr lang="ru-RU" dirty="0" smtClean="0"/>
-              <a:t>промежуточных стадий перевозки</a:t>
+              <a:t>Выбор структуры для хранения промежуточных стадий</a:t>
             </a:r>
             <a:endParaRPr lang="ru-RU" dirty="0"/>
           </a:p>
@@ -5637,6 +5880,11 @@
               <a:rPr lang="ru-RU" sz="2000" dirty="0" smtClean="0"/>
               <a:t>удаления/создания.</a:t>
             </a:r>
+          </a:p>
+          <a:p>
+            <a:pPr marL="457200" lvl="1" indent="0">
+              <a:buNone/>
+            </a:pPr>
             <a:endParaRPr lang="ru-RU" sz="2000" dirty="0" smtClean="0"/>
           </a:p>
           <a:p>
@@ -5651,23 +5899,19 @@
             </a:pPr>
             <a:r>
               <a:rPr lang="ru-RU" sz="2000" dirty="0" smtClean="0"/>
-              <a:t>Плюс: быстрые (</a:t>
+              <a:t>Плюс: быстрые (в плане </a:t>
             </a:r>
             <a:r>
               <a:rPr lang="ru-RU" sz="2000" dirty="0" smtClean="0"/>
-              <a:t>в плане удаления </a:t>
+              <a:t>удаления, создания и дополнения) </a:t>
             </a:r>
             <a:r>
               <a:rPr lang="ru-RU" sz="2000" dirty="0" smtClean="0"/>
-              <a:t>и создания) файловые потоки с</a:t>
-            </a:r>
-            <a:r>
-              <a:rPr lang="en-US" sz="2000" dirty="0" smtClean="0"/>
-              <a:t> </a:t>
+              <a:t>файловые </a:t>
             </a:r>
             <a:r>
               <a:rPr lang="ru-RU" sz="2000" dirty="0" smtClean="0"/>
-              <a:t>количеством записей, не превышающим количество перевозок.</a:t>
+              <a:t>потоки.</a:t>
             </a:r>
             <a:endParaRPr lang="ru-RU" sz="2000" dirty="0"/>
           </a:p>
@@ -5782,8 +6026,8 @@
         </p:nvSpPr>
         <p:spPr>
           <a:xfrm>
-            <a:off x="5711621" y="5719193"/>
-            <a:ext cx="2410660" cy="338554"/>
+            <a:off x="5113477" y="5719193"/>
+            <a:ext cx="3456652" cy="584775"/>
           </a:xfrm>
           <a:prstGeom prst="rect">
             <a:avLst/>
@@ -5796,13 +6040,25 @@
           </a:bodyPr>
           <a:lstStyle/>
           <a:p>
+            <a:pPr algn="ctr"/>
             <a:r>
               <a:rPr lang="ru-RU" sz="1600" dirty="0" smtClean="0"/>
-              <a:t>Формат файла </a:t>
+              <a:t>Формат </a:t>
             </a:r>
             <a:r>
               <a:rPr lang="ru-RU" sz="1600" dirty="0" smtClean="0"/>
-              <a:t>перевозки</a:t>
+              <a:t>файла с информацие</a:t>
+            </a:r>
+            <a:r>
+              <a:rPr lang="ru-RU" sz="1600" dirty="0" smtClean="0"/>
+              <a:t>й</a:t>
+            </a:r>
+          </a:p>
+          <a:p>
+            <a:pPr algn="ctr"/>
+            <a:r>
+              <a:rPr lang="ru-RU" sz="1600" dirty="0" smtClean="0"/>
+              <a:t>о промежуточных стадиях перевозки</a:t>
             </a:r>
             <a:endParaRPr lang="ru-RU" sz="1600" dirty="0"/>
           </a:p>
@@ -5816,8 +6072,8 @@
         </p:nvSpPr>
         <p:spPr>
           <a:xfrm>
-            <a:off x="1535156" y="5718577"/>
-            <a:ext cx="2260362" cy="338554"/>
+            <a:off x="638728" y="5718577"/>
+            <a:ext cx="4053225" cy="584775"/>
           </a:xfrm>
           <a:prstGeom prst="rect">
             <a:avLst/>
@@ -5830,9 +6086,21 @@
           </a:bodyPr>
           <a:lstStyle/>
           <a:p>
+            <a:pPr algn="ctr"/>
             <a:r>
               <a:rPr lang="ru-RU" sz="1600" dirty="0" smtClean="0"/>
-              <a:t>Формат файла времени</a:t>
+              <a:t>Формат </a:t>
+            </a:r>
+            <a:r>
+              <a:rPr lang="ru-RU" sz="1600" dirty="0" smtClean="0"/>
+              <a:t>файла с информацией о перевозках</a:t>
+            </a:r>
+          </a:p>
+          <a:p>
+            <a:pPr algn="ctr"/>
+            <a:r>
+              <a:rPr lang="ru-RU" sz="1600" dirty="0" smtClean="0"/>
+              <a:t>в заданный промежуток времени</a:t>
             </a:r>
             <a:endParaRPr lang="ru-RU" sz="1600" dirty="0"/>
           </a:p>
@@ -5878,38 +6146,10 @@
             <p:ph type="title"/>
           </p:nvPr>
         </p:nvSpPr>
-        <p:spPr/>
-        <p:txBody>
-          <a:bodyPr>
-            <a:normAutofit fontScale="90000"/>
-          </a:bodyPr>
-          <a:lstStyle/>
-          <a:p>
-            <a:r>
-              <a:rPr lang="ru-RU" dirty="0" smtClean="0"/>
-              <a:t>Расчёт </a:t>
-            </a:r>
-            <a:r>
-              <a:rPr lang="ru-RU" dirty="0"/>
-              <a:t>промежуточных стадий перевозки</a:t>
-            </a:r>
-          </a:p>
-        </p:txBody>
-      </p:sp>
-      <p:sp>
-        <p:nvSpPr>
-          <p:cNvPr id="3" name="Объект 2"/>
-          <p:cNvSpPr>
-            <a:spLocks noGrp="1"/>
-          </p:cNvSpPr>
-          <p:nvPr>
-            <p:ph idx="1"/>
-          </p:nvPr>
-        </p:nvSpPr>
         <p:spPr>
           <a:xfrm>
-            <a:off x="457200" y="1700808"/>
-            <a:ext cx="8229600" cy="4425355"/>
+            <a:off x="467544" y="44624"/>
+            <a:ext cx="8229600" cy="1143000"/>
           </a:xfrm>
         </p:spPr>
         <p:txBody>
@@ -5918,34 +6158,103 @@
           </a:bodyPr>
           <a:lstStyle/>
           <a:p>
+            <a:r>
+              <a:rPr lang="ru-RU" sz="3200" dirty="0" smtClean="0"/>
+              <a:t>Метод </a:t>
+            </a:r>
+            <a:r>
+              <a:rPr lang="ru-RU" sz="3200" dirty="0"/>
+              <a:t>выборки необходимых аварийно-спасательных подразделений</a:t>
+            </a:r>
+          </a:p>
+        </p:txBody>
+      </p:sp>
+      <p:sp>
+        <p:nvSpPr>
+          <p:cNvPr id="3" name="Объект 2"/>
+          <p:cNvSpPr>
+            <a:spLocks noGrp="1"/>
+          </p:cNvSpPr>
+          <p:nvPr>
+            <p:ph idx="1"/>
+          </p:nvPr>
+        </p:nvSpPr>
+        <p:spPr>
+          <a:xfrm>
+            <a:off x="457200" y="1340768"/>
+            <a:ext cx="8229600" cy="4785395"/>
+          </a:xfrm>
+        </p:spPr>
+        <p:txBody>
+          <a:bodyPr>
+            <a:normAutofit/>
+          </a:bodyPr>
+          <a:lstStyle/>
+          <a:p>
+            <a:pPr marL="514350" lvl="0" indent="-514350">
+              <a:buFont typeface="+mj-lt"/>
+              <a:buAutoNum type="arabicPeriod"/>
+            </a:pPr>
+            <a:r>
+              <a:rPr lang="ru-RU" sz="2400" dirty="0" smtClean="0"/>
+              <a:t>Выбрать </a:t>
+            </a:r>
+            <a:r>
+              <a:rPr lang="ru-RU" sz="2400" dirty="0"/>
+              <a:t>пункты, в которых есть необходимое обезвреживающее вещество в необходимом суммарном </a:t>
+            </a:r>
+            <a:r>
+              <a:rPr lang="ru-RU" sz="2400" dirty="0" smtClean="0"/>
+              <a:t>количестве.</a:t>
+            </a:r>
+            <a:endParaRPr lang="ru-RU" sz="2400" dirty="0"/>
+          </a:p>
+          <a:p>
+            <a:pPr marL="514350" lvl="0" indent="-514350">
+              <a:buFont typeface="+mj-lt"/>
+              <a:buAutoNum type="arabicPeriod"/>
+            </a:pPr>
+            <a:r>
+              <a:rPr lang="ru-RU" sz="2400" dirty="0" smtClean="0"/>
+              <a:t>Последовательно </a:t>
+            </a:r>
+            <a:r>
+              <a:rPr lang="ru-RU" sz="2400" dirty="0"/>
+              <a:t>фиксировать ограничение во времени устранения, начиная с 1 часа, находить аварийно-спасательные подразделения, суммарные ресурсы которых позволяют устранить последствия за это время, и суммировать его со временем прибытия самого дальнего </a:t>
+            </a:r>
+            <a:r>
+              <a:rPr lang="ru-RU" sz="2400" dirty="0" smtClean="0"/>
+              <a:t>состава.</a:t>
+            </a:r>
+            <a:endParaRPr lang="ru-RU" sz="2400" dirty="0"/>
+          </a:p>
+          <a:p>
+            <a:pPr marL="514350" lvl="0" indent="-514350">
+              <a:buFont typeface="+mj-lt"/>
+              <a:buAutoNum type="arabicPeriod"/>
+            </a:pPr>
+            <a:r>
+              <a:rPr lang="ru-RU" sz="2400" dirty="0" smtClean="0"/>
+              <a:t>Найти </a:t>
+            </a:r>
+            <a:r>
+              <a:rPr lang="ru-RU" sz="2400" dirty="0"/>
+              <a:t>минимальную из таких сумм и </a:t>
+            </a:r>
+            <a:r>
+              <a:rPr lang="ru-RU" sz="2400" dirty="0" smtClean="0"/>
+              <a:t>выбрать </a:t>
+            </a:r>
+            <a:r>
+              <a:rPr lang="ru-RU" sz="2400" dirty="0"/>
+              <a:t>используемые при получении данного результата подразделения ФПС МЧС России.</a:t>
+            </a:r>
+          </a:p>
+          <a:p>
             <a:pPr marL="0" indent="0">
               <a:buNone/>
             </a:pPr>
-            <a:r>
-              <a:rPr lang="ru-RU" sz="2000" dirty="0" smtClean="0"/>
-              <a:t>Механизм предобработки данных основан на технологии </a:t>
-            </a:r>
-            <a:r>
-              <a:rPr lang="en-US" sz="2000" dirty="0" err="1" smtClean="0"/>
-              <a:t>MapReduce</a:t>
-            </a:r>
-            <a:r>
-              <a:rPr lang="en-US" sz="2000" dirty="0" smtClean="0"/>
-              <a:t>.</a:t>
-            </a:r>
-            <a:endParaRPr lang="ru-RU" sz="2000" dirty="0" smtClean="0"/>
-          </a:p>
-          <a:p>
-            <a:pPr marL="0" indent="0">
-              <a:buNone/>
-            </a:pPr>
-            <a:endParaRPr lang="ru-RU" sz="2800" dirty="0"/>
-          </a:p>
-          <a:p>
-            <a:pPr marL="0" indent="0">
-              <a:buNone/>
-            </a:pPr>
-            <a:endParaRPr lang="ru-RU" sz="2800" dirty="0" smtClean="0"/>
+            <a:endParaRPr lang="ru-RU" dirty="0"/>
           </a:p>
         </p:txBody>
       </p:sp>
@@ -5972,40 +6281,10 @@
           </a:p>
         </p:txBody>
       </p:sp>
-      <p:pic>
-        <p:nvPicPr>
-          <p:cNvPr id="5" name="Рисунок 4"/>
-          <p:cNvPicPr>
-            <a:picLocks noChangeAspect="1"/>
-          </p:cNvPicPr>
-          <p:nvPr/>
-        </p:nvPicPr>
-        <p:blipFill>
-          <a:blip r:embed="rId2">
-            <a:extLst>
-              <a:ext uri="{28A0092B-C50C-407E-A947-70E740481C1C}">
-                <a14:useLocalDpi xmlns:a14="http://schemas.microsoft.com/office/drawing/2010/main" val="0"/>
-              </a:ext>
-            </a:extLst>
-          </a:blip>
-          <a:stretch>
-            <a:fillRect/>
-          </a:stretch>
-        </p:blipFill>
-        <p:spPr>
-          <a:xfrm>
-            <a:off x="825241" y="2564904"/>
-            <a:ext cx="7492064" cy="3542857"/>
-          </a:xfrm>
-          <a:prstGeom prst="rect">
-            <a:avLst/>
-          </a:prstGeom>
-        </p:spPr>
-      </p:pic>
     </p:spTree>
     <p:extLst>
       <p:ext uri="{BB962C8B-B14F-4D97-AF65-F5344CB8AC3E}">
-        <p14:creationId xmlns:p14="http://schemas.microsoft.com/office/powerpoint/2010/main" val="807522931"/>
+        <p14:creationId xmlns:p14="http://schemas.microsoft.com/office/powerpoint/2010/main" val="3755868686"/>
       </p:ext>
     </p:extLst>
   </p:cSld>
